--- a/Arquivos/Documentos/CURSO DE PYGAME.pptx
+++ b/Arquivos/Documentos/CURSO DE PYGAME.pptx
@@ -6,8 +6,9 @@
   </p:sldMasterIdLst>
   <p:sldIdLst>
     <p:sldId id="256" r:id="rId2"/>
-    <p:sldId id="257" r:id="rId3"/>
-    <p:sldId id="258" r:id="rId4"/>
+    <p:sldId id="259" r:id="rId3"/>
+    <p:sldId id="257" r:id="rId4"/>
+    <p:sldId id="258" r:id="rId5"/>
   </p:sldIdLst>
   <p:sldSz cx="12192000" cy="6858000"/>
   <p:notesSz cx="6858000" cy="9144000"/>
@@ -106,7 +107,18 @@
       </a:defRPr>
     </a:lvl9pPr>
   </p:defaultTextStyle>
+  <p:extLst>
+    <p:ext uri="{EFAFB233-063F-42B5-8137-9DF3F51BA10A}">
+      <p15:sldGuideLst xmlns:p15="http://schemas.microsoft.com/office/powerpoint/2012/main"/>
+    </p:ext>
+  </p:extLst>
 </p:presentation>
+</file>
+
+<file path=ppt/authors.xml><?xml version="1.0" encoding="utf-8"?>
+<p188:authorLst xmlns:a="http://schemas.openxmlformats.org/drawingml/2006/main" xmlns:r="http://schemas.openxmlformats.org/officeDocument/2006/relationships" xmlns:p188="http://schemas.microsoft.com/office/powerpoint/2018/8/main">
+  <p188:author id="{5BDC54FC-71E0-0E74-EFE8-DBEF48255EB6}" name="Alexander Pinheiro" initials="AP" userId="Alexander Pinheiro" providerId="None"/>
+</p188:authorLst>
 </file>
 
 <file path=ppt/slideLayouts/slideLayout1.xml><?xml version="1.0" encoding="utf-8"?>
@@ -256,7 +268,7 @@
           <a:p>
             <a:fld id="{C0631DA2-9681-4FB0-8F63-B77FA97F5F4F}" type="datetimeFigureOut">
               <a:rPr lang="pt-BR" smtClean="0"/>
-              <a:t>19/03/2024</a:t>
+              <a:t>31/03/2024</a:t>
             </a:fld>
             <a:endParaRPr lang="pt-BR"/>
           </a:p>
@@ -454,7 +466,7 @@
           <a:p>
             <a:fld id="{C0631DA2-9681-4FB0-8F63-B77FA97F5F4F}" type="datetimeFigureOut">
               <a:rPr lang="pt-BR" smtClean="0"/>
-              <a:t>19/03/2024</a:t>
+              <a:t>31/03/2024</a:t>
             </a:fld>
             <a:endParaRPr lang="pt-BR"/>
           </a:p>
@@ -662,7 +674,7 @@
           <a:p>
             <a:fld id="{C0631DA2-9681-4FB0-8F63-B77FA97F5F4F}" type="datetimeFigureOut">
               <a:rPr lang="pt-BR" smtClean="0"/>
-              <a:t>19/03/2024</a:t>
+              <a:t>31/03/2024</a:t>
             </a:fld>
             <a:endParaRPr lang="pt-BR"/>
           </a:p>
@@ -860,7 +872,7 @@
           <a:p>
             <a:fld id="{C0631DA2-9681-4FB0-8F63-B77FA97F5F4F}" type="datetimeFigureOut">
               <a:rPr lang="pt-BR" smtClean="0"/>
-              <a:t>19/03/2024</a:t>
+              <a:t>31/03/2024</a:t>
             </a:fld>
             <a:endParaRPr lang="pt-BR"/>
           </a:p>
@@ -1135,7 +1147,7 @@
           <a:p>
             <a:fld id="{C0631DA2-9681-4FB0-8F63-B77FA97F5F4F}" type="datetimeFigureOut">
               <a:rPr lang="pt-BR" smtClean="0"/>
-              <a:t>19/03/2024</a:t>
+              <a:t>31/03/2024</a:t>
             </a:fld>
             <a:endParaRPr lang="pt-BR"/>
           </a:p>
@@ -1400,7 +1412,7 @@
           <a:p>
             <a:fld id="{C0631DA2-9681-4FB0-8F63-B77FA97F5F4F}" type="datetimeFigureOut">
               <a:rPr lang="pt-BR" smtClean="0"/>
-              <a:t>19/03/2024</a:t>
+              <a:t>31/03/2024</a:t>
             </a:fld>
             <a:endParaRPr lang="pt-BR"/>
           </a:p>
@@ -1812,7 +1824,7 @@
           <a:p>
             <a:fld id="{C0631DA2-9681-4FB0-8F63-B77FA97F5F4F}" type="datetimeFigureOut">
               <a:rPr lang="pt-BR" smtClean="0"/>
-              <a:t>19/03/2024</a:t>
+              <a:t>31/03/2024</a:t>
             </a:fld>
             <a:endParaRPr lang="pt-BR"/>
           </a:p>
@@ -1953,7 +1965,7 @@
           <a:p>
             <a:fld id="{C0631DA2-9681-4FB0-8F63-B77FA97F5F4F}" type="datetimeFigureOut">
               <a:rPr lang="pt-BR" smtClean="0"/>
-              <a:t>19/03/2024</a:t>
+              <a:t>31/03/2024</a:t>
             </a:fld>
             <a:endParaRPr lang="pt-BR"/>
           </a:p>
@@ -2066,7 +2078,7 @@
           <a:p>
             <a:fld id="{C0631DA2-9681-4FB0-8F63-B77FA97F5F4F}" type="datetimeFigureOut">
               <a:rPr lang="pt-BR" smtClean="0"/>
-              <a:t>19/03/2024</a:t>
+              <a:t>31/03/2024</a:t>
             </a:fld>
             <a:endParaRPr lang="pt-BR"/>
           </a:p>
@@ -2377,7 +2389,7 @@
           <a:p>
             <a:fld id="{C0631DA2-9681-4FB0-8F63-B77FA97F5F4F}" type="datetimeFigureOut">
               <a:rPr lang="pt-BR" smtClean="0"/>
-              <a:t>19/03/2024</a:t>
+              <a:t>31/03/2024</a:t>
             </a:fld>
             <a:endParaRPr lang="pt-BR"/>
           </a:p>
@@ -2665,7 +2677,7 @@
           <a:p>
             <a:fld id="{C0631DA2-9681-4FB0-8F63-B77FA97F5F4F}" type="datetimeFigureOut">
               <a:rPr lang="pt-BR" smtClean="0"/>
-              <a:t>19/03/2024</a:t>
+              <a:t>31/03/2024</a:t>
             </a:fld>
             <a:endParaRPr lang="pt-BR"/>
           </a:p>
@@ -2906,7 +2918,7 @@
           <a:p>
             <a:fld id="{C0631DA2-9681-4FB0-8F63-B77FA97F5F4F}" type="datetimeFigureOut">
               <a:rPr lang="pt-BR" smtClean="0"/>
-              <a:t>19/03/2024</a:t>
+              <a:t>31/03/2024</a:t>
             </a:fld>
             <a:endParaRPr lang="pt-BR"/>
           </a:p>
@@ -3364,24 +3376,70 @@
       </p:pic>
       <p:sp>
         <p:nvSpPr>
-          <p:cNvPr id="2" name="Título 1">
-            <a:extLst>
-              <a:ext uri="{FF2B5EF4-FFF2-40B4-BE49-F238E27FC236}">
-                <a16:creationId xmlns:a16="http://schemas.microsoft.com/office/drawing/2014/main" id="{148EB2F2-5898-ED1F-2235-ECA373EB210A}"/>
-              </a:ext>
-            </a:extLst>
-          </p:cNvPr>
-          <p:cNvSpPr>
-            <a:spLocks noGrp="1"/>
-          </p:cNvSpPr>
-          <p:nvPr>
-            <p:ph type="ctrTitle"/>
-          </p:nvPr>
+          <p:cNvPr id="9" name="Retângulo 8">
+            <a:extLst>
+              <a:ext uri="{FF2B5EF4-FFF2-40B4-BE49-F238E27FC236}">
+                <a16:creationId xmlns:a16="http://schemas.microsoft.com/office/drawing/2014/main" id="{1902B26F-4CAF-24CF-88E2-585B602A86EC}"/>
+              </a:ext>
+            </a:extLst>
+          </p:cNvPr>
+          <p:cNvSpPr/>
+          <p:nvPr/>
         </p:nvSpPr>
         <p:spPr>
           <a:xfrm>
-            <a:off x="1089497" y="839684"/>
-            <a:ext cx="7022869" cy="2135083"/>
+            <a:off x="2492542" y="1142999"/>
+            <a:ext cx="7310112" cy="914400"/>
+          </a:xfrm>
+          <a:prstGeom prst="rect">
+            <a:avLst/>
+          </a:prstGeom>
+        </p:spPr>
+        <p:style>
+          <a:lnRef idx="2">
+            <a:schemeClr val="accent1">
+              <a:shade val="15000"/>
+            </a:schemeClr>
+          </a:lnRef>
+          <a:fillRef idx="1">
+            <a:schemeClr val="accent1"/>
+          </a:fillRef>
+          <a:effectRef idx="0">
+            <a:schemeClr val="accent1"/>
+          </a:effectRef>
+          <a:fontRef idx="minor">
+            <a:schemeClr val="lt1"/>
+          </a:fontRef>
+        </p:style>
+        <p:txBody>
+          <a:bodyPr rtlCol="0" anchor="ctr"/>
+          <a:lstStyle/>
+          <a:p>
+            <a:pPr algn="ctr"/>
+            <a:endParaRPr lang="pt-BR"/>
+          </a:p>
+        </p:txBody>
+      </p:sp>
+      <p:sp>
+        <p:nvSpPr>
+          <p:cNvPr id="2" name="Título 1">
+            <a:extLst>
+              <a:ext uri="{FF2B5EF4-FFF2-40B4-BE49-F238E27FC236}">
+                <a16:creationId xmlns:a16="http://schemas.microsoft.com/office/drawing/2014/main" id="{148EB2F2-5898-ED1F-2235-ECA373EB210A}"/>
+              </a:ext>
+            </a:extLst>
+          </p:cNvPr>
+          <p:cNvSpPr>
+            <a:spLocks noGrp="1"/>
+          </p:cNvSpPr>
+          <p:nvPr>
+            <p:ph type="ctrTitle"/>
+          </p:nvPr>
+        </p:nvSpPr>
+        <p:spPr>
+          <a:xfrm>
+            <a:off x="2264691" y="532658"/>
+            <a:ext cx="7662617" cy="2135083"/>
           </a:xfrm>
         </p:spPr>
         <p:txBody>
@@ -3389,13 +3447,14 @@
           <a:lstStyle/>
           <a:p>
             <a:r>
-              <a:rPr lang="pt-BR" dirty="0">
-                <a:solidFill>
-                  <a:schemeClr val="bg1"/>
-                </a:solidFill>
-              </a:rPr>
-              <a:t>CURSO DE PYGAME</a:t>
-            </a:r>
+              <a:rPr lang="pt-BR" dirty="0"/>
+              <a:t>Introdução ao </a:t>
+            </a:r>
+            <a:r>
+              <a:rPr lang="pt-BR" dirty="0" err="1"/>
+              <a:t>pyGame</a:t>
+            </a:r>
+            <a:endParaRPr lang="pt-BR" dirty="0"/>
           </a:p>
         </p:txBody>
       </p:sp>
@@ -3417,7 +3476,7 @@
         </p:nvSpPr>
         <p:spPr>
           <a:xfrm>
-            <a:off x="1524000" y="3602038"/>
+            <a:off x="0" y="5202238"/>
             <a:ext cx="5899484" cy="1655762"/>
           </a:xfrm>
         </p:spPr>
@@ -3451,10 +3510,10 @@
       </p:sp>
       <p:pic>
         <p:nvPicPr>
-          <p:cNvPr id="5" name="Imagem 4" descr="Ícone&#10;&#10;Descrição gerada automaticamente">
-            <a:extLst>
-              <a:ext uri="{FF2B5EF4-FFF2-40B4-BE49-F238E27FC236}">
-                <a16:creationId xmlns:a16="http://schemas.microsoft.com/office/drawing/2014/main" id="{DDEB93A0-A962-2A0F-69E7-90F5DDE177FA}"/>
+          <p:cNvPr id="7" name="Imagem 6" descr="Logotipo&#10;&#10;Descrição gerada automaticamente com confiança média">
+            <a:extLst>
+              <a:ext uri="{FF2B5EF4-FFF2-40B4-BE49-F238E27FC236}">
+                <a16:creationId xmlns:a16="http://schemas.microsoft.com/office/drawing/2014/main" id="{7B1A6C2B-F11A-57FD-6523-92B39FD7EE27}"/>
               </a:ext>
             </a:extLst>
           </p:cNvPr>
@@ -3477,8 +3536,8 @@
         </p:blipFill>
         <p:spPr>
           <a:xfrm>
-            <a:off x="9283744" y="3916414"/>
-            <a:ext cx="2768512" cy="3033661"/>
+            <a:off x="5044314" y="4883228"/>
+            <a:ext cx="4758340" cy="1335140"/>
           </a:xfrm>
           <a:prstGeom prst="rect">
             <a:avLst/>
@@ -3487,10 +3546,10 @@
       </p:pic>
       <p:pic>
         <p:nvPicPr>
-          <p:cNvPr id="7" name="Imagem 6" descr="Logotipo&#10;&#10;Descrição gerada automaticamente com confiança média">
-            <a:extLst>
-              <a:ext uri="{FF2B5EF4-FFF2-40B4-BE49-F238E27FC236}">
-                <a16:creationId xmlns:a16="http://schemas.microsoft.com/office/drawing/2014/main" id="{7B1A6C2B-F11A-57FD-6523-92B39FD7EE27}"/>
+          <p:cNvPr id="6" name="Imagem 5">
+            <a:extLst>
+              <a:ext uri="{FF2B5EF4-FFF2-40B4-BE49-F238E27FC236}">
+                <a16:creationId xmlns:a16="http://schemas.microsoft.com/office/drawing/2014/main" id="{7C8321D5-117B-8CE0-7268-D990E493C211}"/>
               </a:ext>
             </a:extLst>
           </p:cNvPr>
@@ -3500,21 +3559,15 @@
           <p:nvPr/>
         </p:nvPicPr>
         <p:blipFill>
-          <a:blip r:embed="rId4">
-            <a:extLst>
-              <a:ext uri="{28A0092B-C50C-407E-A947-70E740481C1C}">
-                <a14:useLocalDpi xmlns:a14="http://schemas.microsoft.com/office/drawing/2010/main" val="0"/>
-              </a:ext>
-            </a:extLst>
-          </a:blip>
+          <a:blip r:embed="rId4"/>
           <a:stretch>
             <a:fillRect/>
           </a:stretch>
         </p:blipFill>
         <p:spPr>
           <a:xfrm>
-            <a:off x="7423484" y="1710479"/>
-            <a:ext cx="4758340" cy="1335140"/>
+            <a:off x="10046741" y="4722917"/>
+            <a:ext cx="1655763" cy="1655763"/>
           </a:xfrm>
           <a:prstGeom prst="rect">
             <a:avLst/>
@@ -3640,68 +3693,37 @@
           <a:lstStyle/>
           <a:p>
             <a:pPr algn="ctr"/>
-            <a:endParaRPr lang="pt-BR" dirty="0">
-              <a:solidFill>
-                <a:schemeClr val="tx1"/>
-              </a:solidFill>
-            </a:endParaRPr>
-          </a:p>
-        </p:txBody>
-      </p:sp>
-      <p:sp>
-        <p:nvSpPr>
-          <p:cNvPr id="2" name="Título 1">
-            <a:extLst>
-              <a:ext uri="{FF2B5EF4-FFF2-40B4-BE49-F238E27FC236}">
-                <a16:creationId xmlns:a16="http://schemas.microsoft.com/office/drawing/2014/main" id="{B49579CD-6587-A521-6C32-7D938D0027AC}"/>
-              </a:ext>
-            </a:extLst>
-          </p:cNvPr>
-          <p:cNvSpPr>
-            <a:spLocks noGrp="1"/>
-          </p:cNvSpPr>
-          <p:nvPr>
-            <p:ph type="title"/>
+            <a:r>
+              <a:rPr lang="pt-BR" dirty="0">
+                <a:solidFill>
+                  <a:schemeClr val="tx1"/>
+                </a:solidFill>
+              </a:rPr>
+              <a:t> </a:t>
+            </a:r>
+          </a:p>
+        </p:txBody>
+      </p:sp>
+      <p:sp>
+        <p:nvSpPr>
+          <p:cNvPr id="3" name="Espaço Reservado para Conteúdo 2">
+            <a:extLst>
+              <a:ext uri="{FF2B5EF4-FFF2-40B4-BE49-F238E27FC236}">
+                <a16:creationId xmlns:a16="http://schemas.microsoft.com/office/drawing/2014/main" id="{80CAC199-1D2F-2211-A4AF-89385AFFF40B}"/>
+              </a:ext>
+            </a:extLst>
+          </p:cNvPr>
+          <p:cNvSpPr>
+            <a:spLocks noGrp="1"/>
+          </p:cNvSpPr>
+          <p:nvPr>
+            <p:ph idx="1"/>
           </p:nvPr>
         </p:nvSpPr>
         <p:spPr>
           <a:xfrm>
-            <a:off x="1139083" y="1071314"/>
-            <a:ext cx="9923836" cy="754311"/>
-          </a:xfrm>
-        </p:spPr>
-        <p:txBody>
-          <a:bodyPr/>
-          <a:lstStyle/>
-          <a:p>
-            <a:pPr algn="ctr"/>
-            <a:r>
-              <a:rPr lang="pt-BR" dirty="0"/>
-              <a:t>PROGRAMAÇÃO ORIENTADA A OBJETOS</a:t>
-            </a:r>
-          </a:p>
-        </p:txBody>
-      </p:sp>
-      <p:sp>
-        <p:nvSpPr>
-          <p:cNvPr id="3" name="Espaço Reservado para Conteúdo 2">
-            <a:extLst>
-              <a:ext uri="{FF2B5EF4-FFF2-40B4-BE49-F238E27FC236}">
-                <a16:creationId xmlns:a16="http://schemas.microsoft.com/office/drawing/2014/main" id="{80CAC199-1D2F-2211-A4AF-89385AFFF40B}"/>
-              </a:ext>
-            </a:extLst>
-          </p:cNvPr>
-          <p:cNvSpPr>
-            <a:spLocks noGrp="1"/>
-          </p:cNvSpPr>
-          <p:nvPr>
-            <p:ph idx="1"/>
-          </p:nvPr>
-        </p:nvSpPr>
-        <p:spPr>
-          <a:xfrm>
-            <a:off x="1139083" y="2471957"/>
-            <a:ext cx="4666037" cy="3151009"/>
+            <a:off x="1429964" y="3929994"/>
+            <a:ext cx="4365152" cy="1310386"/>
           </a:xfrm>
         </p:spPr>
         <p:txBody>
@@ -3715,13 +3737,27 @@
               <a:buChar char="•"/>
             </a:pPr>
             <a:r>
-              <a:rPr lang="pt-BR" sz="1400" b="0" i="0" dirty="0">
+              <a:rPr lang="pt-BR" sz="1200" b="0" i="0" dirty="0">
                 <a:effectLst/>
                 <a:latin typeface="Arial" panose="020B0604020202020204" pitchFamily="34" charset="0"/>
                 <a:cs typeface="Arial" panose="020B0604020202020204" pitchFamily="34" charset="0"/>
               </a:rPr>
-              <a:t>Baseado na ideia de "objetos" que representam entidades do mundo real.</a:t>
-            </a:r>
+              <a:t>Baixe o instalador oficial do Python a partir do </a:t>
+            </a:r>
+            <a:r>
+              <a:rPr lang="pt-BR" sz="1200" b="0" i="0" dirty="0">
+                <a:effectLst/>
+                <a:latin typeface="Arial" panose="020B0604020202020204" pitchFamily="34" charset="0"/>
+                <a:cs typeface="Arial" panose="020B0604020202020204" pitchFamily="34" charset="0"/>
+                <a:hlinkClick r:id="rId3"/>
+              </a:rPr>
+              <a:t>site oficial</a:t>
+            </a:r>
+            <a:endParaRPr lang="pt-BR" sz="1200" b="0" i="0" dirty="0">
+              <a:effectLst/>
+              <a:latin typeface="Arial" panose="020B0604020202020204" pitchFamily="34" charset="0"/>
+              <a:cs typeface="Arial" panose="020B0604020202020204" pitchFamily="34" charset="0"/>
+            </a:endParaRPr>
           </a:p>
           <a:p>
             <a:pPr algn="l">
@@ -3729,13 +3765,67 @@
               <a:buChar char="•"/>
             </a:pPr>
             <a:r>
-              <a:rPr lang="pt-BR" sz="1400" dirty="0">
+              <a:rPr lang="pt-BR" sz="1200" dirty="0">
                 <a:latin typeface="Arial" panose="020B0604020202020204" pitchFamily="34" charset="0"/>
                 <a:cs typeface="Arial" panose="020B0604020202020204" pitchFamily="34" charset="0"/>
               </a:rPr>
-              <a:t>Organização do código em Objetos</a:t>
-            </a:r>
-            <a:endParaRPr lang="pt-BR" sz="1400" b="0" i="0" dirty="0">
+              <a:t>Execute o instalador e siga suas instruções</a:t>
+            </a:r>
+          </a:p>
+          <a:p>
+            <a:pPr algn="l">
+              <a:buFont typeface="Arial" panose="020B0604020202020204" pitchFamily="34" charset="0"/>
+              <a:buChar char="•"/>
+            </a:pPr>
+            <a:r>
+              <a:rPr lang="pt-BR" sz="1200" dirty="0">
+                <a:latin typeface="Arial" panose="020B0604020202020204" pitchFamily="34" charset="0"/>
+                <a:cs typeface="Arial" panose="020B0604020202020204" pitchFamily="34" charset="0"/>
+              </a:rPr>
+              <a:t>Certifique-se de marcar a opção “</a:t>
+            </a:r>
+            <a:r>
+              <a:rPr lang="pt-BR" sz="1200" dirty="0" err="1">
+                <a:latin typeface="Arial" panose="020B0604020202020204" pitchFamily="34" charset="0"/>
+                <a:cs typeface="Arial" panose="020B0604020202020204" pitchFamily="34" charset="0"/>
+              </a:rPr>
+              <a:t>Add</a:t>
+            </a:r>
+            <a:r>
+              <a:rPr lang="pt-BR" sz="1200" dirty="0">
+                <a:latin typeface="Arial" panose="020B0604020202020204" pitchFamily="34" charset="0"/>
+                <a:cs typeface="Arial" panose="020B0604020202020204" pitchFamily="34" charset="0"/>
+              </a:rPr>
+              <a:t> Python </a:t>
+            </a:r>
+            <a:r>
+              <a:rPr lang="pt-BR" sz="1200" dirty="0" err="1">
+                <a:latin typeface="Arial" panose="020B0604020202020204" pitchFamily="34" charset="0"/>
+                <a:cs typeface="Arial" panose="020B0604020202020204" pitchFamily="34" charset="0"/>
+              </a:rPr>
+              <a:t>to</a:t>
+            </a:r>
+            <a:r>
+              <a:rPr lang="pt-BR" sz="1200" dirty="0">
+                <a:latin typeface="Arial" panose="020B0604020202020204" pitchFamily="34" charset="0"/>
+                <a:cs typeface="Arial" panose="020B0604020202020204" pitchFamily="34" charset="0"/>
+              </a:rPr>
+              <a:t> PATH”</a:t>
+            </a:r>
+          </a:p>
+          <a:p>
+            <a:pPr algn="l">
+              <a:buFont typeface="Arial" panose="020B0604020202020204" pitchFamily="34" charset="0"/>
+              <a:buChar char="•"/>
+            </a:pPr>
+            <a:r>
+              <a:rPr lang="pt-BR" sz="1200" dirty="0">
+                <a:latin typeface="Arial" panose="020B0604020202020204" pitchFamily="34" charset="0"/>
+                <a:cs typeface="Arial" panose="020B0604020202020204" pitchFamily="34" charset="0"/>
+              </a:rPr>
+              <a:t>Verifique se a instalação foi bem sucedida pelo prompt de comando com o seguinte comando:</a:t>
+            </a:r>
+            <a:endParaRPr lang="pt-BR" sz="1200" b="0" i="0" dirty="0">
               <a:effectLst/>
               <a:latin typeface="Arial" panose="020B0604020202020204" pitchFamily="34" charset="0"/>
               <a:cs typeface="Arial" panose="020B0604020202020204" pitchFamily="34" charset="0"/>
@@ -3990,6 +4080,2039 @@
         </p:nvSpPr>
         <p:spPr>
           <a:xfrm>
+            <a:off x="1436953" y="1121347"/>
+            <a:ext cx="4666034" cy="923330"/>
+          </a:xfrm>
+          <a:prstGeom prst="rect">
+            <a:avLst/>
+          </a:prstGeom>
+          <a:noFill/>
+        </p:spPr>
+        <p:txBody>
+          <a:bodyPr wrap="square" rtlCol="0" anchor="ctr">
+            <a:spAutoFit/>
+          </a:bodyPr>
+          <a:lstStyle/>
+          <a:p>
+            <a:r>
+              <a:rPr lang="pt-BR" dirty="0">
+                <a:latin typeface="Arial" panose="020B0604020202020204" pitchFamily="34" charset="0"/>
+                <a:cs typeface="Arial" panose="020B0604020202020204" pitchFamily="34" charset="0"/>
+              </a:rPr>
+              <a:t>COMO TER O PYGAME NO MEU PC????????????????????????????????????????</a:t>
+            </a:r>
+          </a:p>
+        </p:txBody>
+      </p:sp>
+      <p:sp>
+        <p:nvSpPr>
+          <p:cNvPr id="7" name="Retângulo: Cantos Arredondados 6">
+            <a:extLst>
+              <a:ext uri="{FF2B5EF4-FFF2-40B4-BE49-F238E27FC236}">
+                <a16:creationId xmlns:a16="http://schemas.microsoft.com/office/drawing/2014/main" id="{310A68E9-E81B-AC03-5173-CFABD4164D6E}"/>
+              </a:ext>
+            </a:extLst>
+          </p:cNvPr>
+          <p:cNvSpPr/>
+          <p:nvPr/>
+        </p:nvSpPr>
+        <p:spPr>
+          <a:xfrm>
+            <a:off x="1744824" y="5338325"/>
+            <a:ext cx="4050292" cy="310243"/>
+          </a:xfrm>
+          <a:prstGeom prst="roundRect">
+            <a:avLst/>
+          </a:prstGeom>
+          <a:solidFill>
+            <a:schemeClr val="bg1">
+              <a:lumMod val="95000"/>
+            </a:schemeClr>
+          </a:solidFill>
+          <a:ln w="3175">
+            <a:solidFill>
+              <a:schemeClr val="bg2">
+                <a:lumMod val="75000"/>
+              </a:schemeClr>
+            </a:solidFill>
+          </a:ln>
+          <a:effectLst>
+            <a:outerShdw blurRad="127000" dist="38100" dir="5400000" sx="80000" sy="80000" algn="t" rotWithShape="0">
+              <a:schemeClr val="tx1">
+                <a:lumMod val="50000"/>
+                <a:lumOff val="50000"/>
+                <a:alpha val="40000"/>
+              </a:schemeClr>
+            </a:outerShdw>
+          </a:effectLst>
+        </p:spPr>
+        <p:style>
+          <a:lnRef idx="2">
+            <a:schemeClr val="accent1">
+              <a:shade val="15000"/>
+            </a:schemeClr>
+          </a:lnRef>
+          <a:fillRef idx="1">
+            <a:schemeClr val="accent1"/>
+          </a:fillRef>
+          <a:effectRef idx="0">
+            <a:schemeClr val="accent1"/>
+          </a:effectRef>
+          <a:fontRef idx="minor">
+            <a:schemeClr val="lt1"/>
+          </a:fontRef>
+        </p:style>
+        <p:txBody>
+          <a:bodyPr rtlCol="0" anchor="ctr"/>
+          <a:lstStyle/>
+          <a:p>
+            <a:r>
+              <a:rPr lang="pt-BR" sz="1000" dirty="0" err="1">
+                <a:solidFill>
+                  <a:schemeClr val="tx1"/>
+                </a:solidFill>
+                <a:latin typeface="MS Gothic" panose="020B0609070205080204" pitchFamily="49" charset="-128"/>
+                <a:ea typeface="MS Gothic" panose="020B0609070205080204" pitchFamily="49" charset="-128"/>
+              </a:rPr>
+              <a:t>python</a:t>
+            </a:r>
+            <a:r>
+              <a:rPr lang="pt-BR" sz="1000" dirty="0">
+                <a:solidFill>
+                  <a:schemeClr val="tx1"/>
+                </a:solidFill>
+                <a:latin typeface="MS Gothic" panose="020B0609070205080204" pitchFamily="49" charset="-128"/>
+                <a:ea typeface="MS Gothic" panose="020B0609070205080204" pitchFamily="49" charset="-128"/>
+              </a:rPr>
+              <a:t> --</a:t>
+            </a:r>
+            <a:r>
+              <a:rPr lang="pt-BR" sz="1000" dirty="0" err="1">
+                <a:solidFill>
+                  <a:schemeClr val="tx1"/>
+                </a:solidFill>
+                <a:latin typeface="MS Gothic" panose="020B0609070205080204" pitchFamily="49" charset="-128"/>
+                <a:ea typeface="MS Gothic" panose="020B0609070205080204" pitchFamily="49" charset="-128"/>
+              </a:rPr>
+              <a:t>version</a:t>
+            </a:r>
+            <a:endParaRPr lang="pt-BR" sz="1000" dirty="0">
+              <a:solidFill>
+                <a:schemeClr val="tx1"/>
+              </a:solidFill>
+              <a:latin typeface="MS Gothic" panose="020B0609070205080204" pitchFamily="49" charset="-128"/>
+              <a:ea typeface="MS Gothic" panose="020B0609070205080204" pitchFamily="49" charset="-128"/>
+            </a:endParaRPr>
+          </a:p>
+        </p:txBody>
+      </p:sp>
+      <p:sp>
+        <p:nvSpPr>
+          <p:cNvPr id="13" name="Espaço Reservado para Conteúdo 2">
+            <a:extLst>
+              <a:ext uri="{FF2B5EF4-FFF2-40B4-BE49-F238E27FC236}">
+                <a16:creationId xmlns:a16="http://schemas.microsoft.com/office/drawing/2014/main" id="{C8EFC089-2E90-CACD-20F4-869121EE9325}"/>
+              </a:ext>
+            </a:extLst>
+          </p:cNvPr>
+          <p:cNvSpPr txBox="1">
+            <a:spLocks/>
+          </p:cNvSpPr>
+          <p:nvPr/>
+        </p:nvSpPr>
+        <p:spPr>
+          <a:xfrm>
+            <a:off x="6654244" y="1625294"/>
+            <a:ext cx="4365152" cy="915560"/>
+          </a:xfrm>
+          <a:prstGeom prst="rect">
+            <a:avLst/>
+          </a:prstGeom>
+        </p:spPr>
+        <p:txBody>
+          <a:bodyPr vert="horz" lIns="91440" tIns="45720" rIns="91440" bIns="45720" rtlCol="0">
+            <a:normAutofit/>
+          </a:bodyPr>
+          <a:lstStyle>
+            <a:lvl1pPr marL="228600" indent="-228600" algn="l" defTabSz="914400" rtl="0" eaLnBrk="1" latinLnBrk="0" hangingPunct="1">
+              <a:lnSpc>
+                <a:spcPct val="90000"/>
+              </a:lnSpc>
+              <a:spcBef>
+                <a:spcPts val="1000"/>
+              </a:spcBef>
+              <a:buFont typeface="Arial" panose="020B0604020202020204" pitchFamily="34" charset="0"/>
+              <a:buChar char="•"/>
+              <a:defRPr sz="2800" kern="1200">
+                <a:solidFill>
+                  <a:schemeClr val="tx1"/>
+                </a:solidFill>
+                <a:latin typeface="+mn-lt"/>
+                <a:ea typeface="+mn-ea"/>
+                <a:cs typeface="+mn-cs"/>
+              </a:defRPr>
+            </a:lvl1pPr>
+            <a:lvl2pPr marL="685800" indent="-228600" algn="l" defTabSz="914400" rtl="0" eaLnBrk="1" latinLnBrk="0" hangingPunct="1">
+              <a:lnSpc>
+                <a:spcPct val="90000"/>
+              </a:lnSpc>
+              <a:spcBef>
+                <a:spcPts val="500"/>
+              </a:spcBef>
+              <a:buFont typeface="Arial" panose="020B0604020202020204" pitchFamily="34" charset="0"/>
+              <a:buChar char="•"/>
+              <a:defRPr sz="2400" kern="1200">
+                <a:solidFill>
+                  <a:schemeClr val="tx1"/>
+                </a:solidFill>
+                <a:latin typeface="+mn-lt"/>
+                <a:ea typeface="+mn-ea"/>
+                <a:cs typeface="+mn-cs"/>
+              </a:defRPr>
+            </a:lvl2pPr>
+            <a:lvl3pPr marL="1143000" indent="-228600" algn="l" defTabSz="914400" rtl="0" eaLnBrk="1" latinLnBrk="0" hangingPunct="1">
+              <a:lnSpc>
+                <a:spcPct val="90000"/>
+              </a:lnSpc>
+              <a:spcBef>
+                <a:spcPts val="500"/>
+              </a:spcBef>
+              <a:buFont typeface="Arial" panose="020B0604020202020204" pitchFamily="34" charset="0"/>
+              <a:buChar char="•"/>
+              <a:defRPr sz="2000" kern="1200">
+                <a:solidFill>
+                  <a:schemeClr val="tx1"/>
+                </a:solidFill>
+                <a:latin typeface="+mn-lt"/>
+                <a:ea typeface="+mn-ea"/>
+                <a:cs typeface="+mn-cs"/>
+              </a:defRPr>
+            </a:lvl3pPr>
+            <a:lvl4pPr marL="1600200" indent="-228600" algn="l" defTabSz="914400" rtl="0" eaLnBrk="1" latinLnBrk="0" hangingPunct="1">
+              <a:lnSpc>
+                <a:spcPct val="90000"/>
+              </a:lnSpc>
+              <a:spcBef>
+                <a:spcPts val="500"/>
+              </a:spcBef>
+              <a:buFont typeface="Arial" panose="020B0604020202020204" pitchFamily="34" charset="0"/>
+              <a:buChar char="•"/>
+              <a:defRPr sz="1800" kern="1200">
+                <a:solidFill>
+                  <a:schemeClr val="tx1"/>
+                </a:solidFill>
+                <a:latin typeface="+mn-lt"/>
+                <a:ea typeface="+mn-ea"/>
+                <a:cs typeface="+mn-cs"/>
+              </a:defRPr>
+            </a:lvl4pPr>
+            <a:lvl5pPr marL="2057400" indent="-228600" algn="l" defTabSz="914400" rtl="0" eaLnBrk="1" latinLnBrk="0" hangingPunct="1">
+              <a:lnSpc>
+                <a:spcPct val="90000"/>
+              </a:lnSpc>
+              <a:spcBef>
+                <a:spcPts val="500"/>
+              </a:spcBef>
+              <a:buFont typeface="Arial" panose="020B0604020202020204" pitchFamily="34" charset="0"/>
+              <a:buChar char="•"/>
+              <a:defRPr sz="1800" kern="1200">
+                <a:solidFill>
+                  <a:schemeClr val="tx1"/>
+                </a:solidFill>
+                <a:latin typeface="+mn-lt"/>
+                <a:ea typeface="+mn-ea"/>
+                <a:cs typeface="+mn-cs"/>
+              </a:defRPr>
+            </a:lvl5pPr>
+            <a:lvl6pPr marL="2514600" indent="-228600" algn="l" defTabSz="914400" rtl="0" eaLnBrk="1" latinLnBrk="0" hangingPunct="1">
+              <a:lnSpc>
+                <a:spcPct val="90000"/>
+              </a:lnSpc>
+              <a:spcBef>
+                <a:spcPts val="500"/>
+              </a:spcBef>
+              <a:buFont typeface="Arial" panose="020B0604020202020204" pitchFamily="34" charset="0"/>
+              <a:buChar char="•"/>
+              <a:defRPr sz="1800" kern="1200">
+                <a:solidFill>
+                  <a:schemeClr val="tx1"/>
+                </a:solidFill>
+                <a:latin typeface="+mn-lt"/>
+                <a:ea typeface="+mn-ea"/>
+                <a:cs typeface="+mn-cs"/>
+              </a:defRPr>
+            </a:lvl6pPr>
+            <a:lvl7pPr marL="2971800" indent="-228600" algn="l" defTabSz="914400" rtl="0" eaLnBrk="1" latinLnBrk="0" hangingPunct="1">
+              <a:lnSpc>
+                <a:spcPct val="90000"/>
+              </a:lnSpc>
+              <a:spcBef>
+                <a:spcPts val="500"/>
+              </a:spcBef>
+              <a:buFont typeface="Arial" panose="020B0604020202020204" pitchFamily="34" charset="0"/>
+              <a:buChar char="•"/>
+              <a:defRPr sz="1800" kern="1200">
+                <a:solidFill>
+                  <a:schemeClr val="tx1"/>
+                </a:solidFill>
+                <a:latin typeface="+mn-lt"/>
+                <a:ea typeface="+mn-ea"/>
+                <a:cs typeface="+mn-cs"/>
+              </a:defRPr>
+            </a:lvl7pPr>
+            <a:lvl8pPr marL="3429000" indent="-228600" algn="l" defTabSz="914400" rtl="0" eaLnBrk="1" latinLnBrk="0" hangingPunct="1">
+              <a:lnSpc>
+                <a:spcPct val="90000"/>
+              </a:lnSpc>
+              <a:spcBef>
+                <a:spcPts val="500"/>
+              </a:spcBef>
+              <a:buFont typeface="Arial" panose="020B0604020202020204" pitchFamily="34" charset="0"/>
+              <a:buChar char="•"/>
+              <a:defRPr sz="1800" kern="1200">
+                <a:solidFill>
+                  <a:schemeClr val="tx1"/>
+                </a:solidFill>
+                <a:latin typeface="+mn-lt"/>
+                <a:ea typeface="+mn-ea"/>
+                <a:cs typeface="+mn-cs"/>
+              </a:defRPr>
+            </a:lvl8pPr>
+            <a:lvl9pPr marL="3886200" indent="-228600" algn="l" defTabSz="914400" rtl="0" eaLnBrk="1" latinLnBrk="0" hangingPunct="1">
+              <a:lnSpc>
+                <a:spcPct val="90000"/>
+              </a:lnSpc>
+              <a:spcBef>
+                <a:spcPts val="500"/>
+              </a:spcBef>
+              <a:buFont typeface="Arial" panose="020B0604020202020204" pitchFamily="34" charset="0"/>
+              <a:buChar char="•"/>
+              <a:defRPr sz="1800" kern="1200">
+                <a:solidFill>
+                  <a:schemeClr val="tx1"/>
+                </a:solidFill>
+                <a:latin typeface="+mn-lt"/>
+                <a:ea typeface="+mn-ea"/>
+                <a:cs typeface="+mn-cs"/>
+              </a:defRPr>
+            </a:lvl9pPr>
+          </a:lstStyle>
+          <a:p>
+            <a:r>
+              <a:rPr lang="pt-BR" sz="1200" dirty="0">
+                <a:latin typeface="Arial" panose="020B0604020202020204" pitchFamily="34" charset="0"/>
+                <a:cs typeface="Arial" panose="020B0604020202020204" pitchFamily="34" charset="0"/>
+              </a:rPr>
+              <a:t>PIP é o gerenciador de pacotes do Python</a:t>
+            </a:r>
+          </a:p>
+          <a:p>
+            <a:r>
+              <a:rPr lang="pt-BR" sz="1200" dirty="0">
+                <a:latin typeface="Arial" panose="020B0604020202020204" pitchFamily="34" charset="0"/>
+                <a:cs typeface="Arial" panose="020B0604020202020204" pitchFamily="34" charset="0"/>
+              </a:rPr>
+              <a:t>Capaz de instalar / desinstalar pacotes como o </a:t>
+            </a:r>
+            <a:r>
+              <a:rPr lang="pt-BR" sz="1200" dirty="0" err="1">
+                <a:latin typeface="Arial" panose="020B0604020202020204" pitchFamily="34" charset="0"/>
+                <a:cs typeface="Arial" panose="020B0604020202020204" pitchFamily="34" charset="0"/>
+              </a:rPr>
+              <a:t>Pygame</a:t>
+            </a:r>
+            <a:endParaRPr lang="pt-BR" sz="1200" dirty="0">
+              <a:latin typeface="Arial" panose="020B0604020202020204" pitchFamily="34" charset="0"/>
+              <a:cs typeface="Arial" panose="020B0604020202020204" pitchFamily="34" charset="0"/>
+            </a:endParaRPr>
+          </a:p>
+          <a:p>
+            <a:r>
+              <a:rPr lang="pt-BR" sz="1200" dirty="0">
+                <a:latin typeface="Arial" panose="020B0604020202020204" pitchFamily="34" charset="0"/>
+                <a:cs typeface="Arial" panose="020B0604020202020204" pitchFamily="34" charset="0"/>
+              </a:rPr>
+              <a:t>Instale o PIP através do seguinte comando:</a:t>
+            </a:r>
+          </a:p>
+        </p:txBody>
+      </p:sp>
+      <p:sp>
+        <p:nvSpPr>
+          <p:cNvPr id="14" name="CaixaDeTexto 13">
+            <a:extLst>
+              <a:ext uri="{FF2B5EF4-FFF2-40B4-BE49-F238E27FC236}">
+                <a16:creationId xmlns:a16="http://schemas.microsoft.com/office/drawing/2014/main" id="{DCDCD7C3-5D9D-E9ED-803C-6728EE5778F0}"/>
+              </a:ext>
+            </a:extLst>
+          </p:cNvPr>
+          <p:cNvSpPr txBox="1"/>
+          <p:nvPr/>
+        </p:nvSpPr>
+        <p:spPr>
+          <a:xfrm>
+            <a:off x="6353361" y="1158017"/>
+            <a:ext cx="4666034" cy="369332"/>
+          </a:xfrm>
+          <a:prstGeom prst="rect">
+            <a:avLst/>
+          </a:prstGeom>
+          <a:noFill/>
+        </p:spPr>
+        <p:txBody>
+          <a:bodyPr wrap="square" rtlCol="0" anchor="ctr">
+            <a:spAutoFit/>
+          </a:bodyPr>
+          <a:lstStyle/>
+          <a:p>
+            <a:r>
+              <a:rPr lang="pt-BR" dirty="0">
+                <a:latin typeface="Arial" panose="020B0604020202020204" pitchFamily="34" charset="0"/>
+                <a:cs typeface="Arial" panose="020B0604020202020204" pitchFamily="34" charset="0"/>
+              </a:rPr>
+              <a:t>2. Instalação do PIP</a:t>
+            </a:r>
+          </a:p>
+        </p:txBody>
+      </p:sp>
+      <p:sp>
+        <p:nvSpPr>
+          <p:cNvPr id="15" name="Retângulo: Cantos Arredondados 14">
+            <a:extLst>
+              <a:ext uri="{FF2B5EF4-FFF2-40B4-BE49-F238E27FC236}">
+                <a16:creationId xmlns:a16="http://schemas.microsoft.com/office/drawing/2014/main" id="{78ADE15D-A504-1C26-7E9F-6ECBFC9BE3F5}"/>
+              </a:ext>
+            </a:extLst>
+          </p:cNvPr>
+          <p:cNvSpPr/>
+          <p:nvPr/>
+        </p:nvSpPr>
+        <p:spPr>
+          <a:xfrm>
+            <a:off x="6969104" y="2520445"/>
+            <a:ext cx="4050292" cy="310243"/>
+          </a:xfrm>
+          <a:prstGeom prst="roundRect">
+            <a:avLst/>
+          </a:prstGeom>
+          <a:solidFill>
+            <a:schemeClr val="bg1">
+              <a:lumMod val="95000"/>
+            </a:schemeClr>
+          </a:solidFill>
+          <a:ln w="3175">
+            <a:solidFill>
+              <a:schemeClr val="bg2">
+                <a:lumMod val="75000"/>
+              </a:schemeClr>
+            </a:solidFill>
+          </a:ln>
+          <a:effectLst>
+            <a:outerShdw blurRad="127000" dist="38100" dir="5400000" sx="80000" sy="80000" algn="t" rotWithShape="0">
+              <a:schemeClr val="tx1">
+                <a:lumMod val="50000"/>
+                <a:lumOff val="50000"/>
+                <a:alpha val="40000"/>
+              </a:schemeClr>
+            </a:outerShdw>
+          </a:effectLst>
+        </p:spPr>
+        <p:style>
+          <a:lnRef idx="2">
+            <a:schemeClr val="accent1">
+              <a:shade val="15000"/>
+            </a:schemeClr>
+          </a:lnRef>
+          <a:fillRef idx="1">
+            <a:schemeClr val="accent1"/>
+          </a:fillRef>
+          <a:effectRef idx="0">
+            <a:schemeClr val="accent1"/>
+          </a:effectRef>
+          <a:fontRef idx="minor">
+            <a:schemeClr val="lt1"/>
+          </a:fontRef>
+        </p:style>
+        <p:txBody>
+          <a:bodyPr rtlCol="0" anchor="ctr"/>
+          <a:lstStyle/>
+          <a:p>
+            <a:r>
+              <a:rPr lang="pt-BR" sz="1000" dirty="0" err="1">
+                <a:solidFill>
+                  <a:schemeClr val="tx1"/>
+                </a:solidFill>
+                <a:latin typeface="MS Gothic" panose="020B0609070205080204" pitchFamily="49" charset="-128"/>
+                <a:ea typeface="MS Gothic" panose="020B0609070205080204" pitchFamily="49" charset="-128"/>
+              </a:rPr>
+              <a:t>python</a:t>
+            </a:r>
+            <a:r>
+              <a:rPr lang="pt-BR" sz="1000" dirty="0">
+                <a:solidFill>
+                  <a:schemeClr val="tx1"/>
+                </a:solidFill>
+                <a:latin typeface="MS Gothic" panose="020B0609070205080204" pitchFamily="49" charset="-128"/>
+                <a:ea typeface="MS Gothic" panose="020B0609070205080204" pitchFamily="49" charset="-128"/>
+              </a:rPr>
+              <a:t> –m </a:t>
+            </a:r>
+            <a:r>
+              <a:rPr lang="pt-BR" sz="1000" dirty="0" err="1">
+                <a:solidFill>
+                  <a:schemeClr val="tx1"/>
+                </a:solidFill>
+                <a:latin typeface="MS Gothic" panose="020B0609070205080204" pitchFamily="49" charset="-128"/>
+                <a:ea typeface="MS Gothic" panose="020B0609070205080204" pitchFamily="49" charset="-128"/>
+              </a:rPr>
+              <a:t>ensurepip</a:t>
+            </a:r>
+            <a:r>
+              <a:rPr lang="pt-BR" sz="1000" dirty="0">
+                <a:solidFill>
+                  <a:schemeClr val="tx1"/>
+                </a:solidFill>
+                <a:latin typeface="MS Gothic" panose="020B0609070205080204" pitchFamily="49" charset="-128"/>
+                <a:ea typeface="MS Gothic" panose="020B0609070205080204" pitchFamily="49" charset="-128"/>
+              </a:rPr>
+              <a:t> --upgrade</a:t>
+            </a:r>
+          </a:p>
+        </p:txBody>
+      </p:sp>
+      <p:sp>
+        <p:nvSpPr>
+          <p:cNvPr id="16" name="Espaço Reservado para Conteúdo 2">
+            <a:extLst>
+              <a:ext uri="{FF2B5EF4-FFF2-40B4-BE49-F238E27FC236}">
+                <a16:creationId xmlns:a16="http://schemas.microsoft.com/office/drawing/2014/main" id="{CFB6BEDC-981E-10F3-DF36-029FD74148EF}"/>
+              </a:ext>
+            </a:extLst>
+          </p:cNvPr>
+          <p:cNvSpPr txBox="1">
+            <a:spLocks/>
+          </p:cNvSpPr>
+          <p:nvPr/>
+        </p:nvSpPr>
+        <p:spPr>
+          <a:xfrm>
+            <a:off x="6657354" y="2934694"/>
+            <a:ext cx="4365152" cy="290558"/>
+          </a:xfrm>
+          <a:prstGeom prst="rect">
+            <a:avLst/>
+          </a:prstGeom>
+        </p:spPr>
+        <p:txBody>
+          <a:bodyPr vert="horz" lIns="91440" tIns="45720" rIns="91440" bIns="45720" rtlCol="0">
+            <a:normAutofit/>
+          </a:bodyPr>
+          <a:lstStyle>
+            <a:lvl1pPr marL="228600" indent="-228600" algn="l" defTabSz="914400" rtl="0" eaLnBrk="1" latinLnBrk="0" hangingPunct="1">
+              <a:lnSpc>
+                <a:spcPct val="90000"/>
+              </a:lnSpc>
+              <a:spcBef>
+                <a:spcPts val="1000"/>
+              </a:spcBef>
+              <a:buFont typeface="Arial" panose="020B0604020202020204" pitchFamily="34" charset="0"/>
+              <a:buChar char="•"/>
+              <a:defRPr sz="2800" kern="1200">
+                <a:solidFill>
+                  <a:schemeClr val="tx1"/>
+                </a:solidFill>
+                <a:latin typeface="+mn-lt"/>
+                <a:ea typeface="+mn-ea"/>
+                <a:cs typeface="+mn-cs"/>
+              </a:defRPr>
+            </a:lvl1pPr>
+            <a:lvl2pPr marL="685800" indent="-228600" algn="l" defTabSz="914400" rtl="0" eaLnBrk="1" latinLnBrk="0" hangingPunct="1">
+              <a:lnSpc>
+                <a:spcPct val="90000"/>
+              </a:lnSpc>
+              <a:spcBef>
+                <a:spcPts val="500"/>
+              </a:spcBef>
+              <a:buFont typeface="Arial" panose="020B0604020202020204" pitchFamily="34" charset="0"/>
+              <a:buChar char="•"/>
+              <a:defRPr sz="2400" kern="1200">
+                <a:solidFill>
+                  <a:schemeClr val="tx1"/>
+                </a:solidFill>
+                <a:latin typeface="+mn-lt"/>
+                <a:ea typeface="+mn-ea"/>
+                <a:cs typeface="+mn-cs"/>
+              </a:defRPr>
+            </a:lvl2pPr>
+            <a:lvl3pPr marL="1143000" indent="-228600" algn="l" defTabSz="914400" rtl="0" eaLnBrk="1" latinLnBrk="0" hangingPunct="1">
+              <a:lnSpc>
+                <a:spcPct val="90000"/>
+              </a:lnSpc>
+              <a:spcBef>
+                <a:spcPts val="500"/>
+              </a:spcBef>
+              <a:buFont typeface="Arial" panose="020B0604020202020204" pitchFamily="34" charset="0"/>
+              <a:buChar char="•"/>
+              <a:defRPr sz="2000" kern="1200">
+                <a:solidFill>
+                  <a:schemeClr val="tx1"/>
+                </a:solidFill>
+                <a:latin typeface="+mn-lt"/>
+                <a:ea typeface="+mn-ea"/>
+                <a:cs typeface="+mn-cs"/>
+              </a:defRPr>
+            </a:lvl3pPr>
+            <a:lvl4pPr marL="1600200" indent="-228600" algn="l" defTabSz="914400" rtl="0" eaLnBrk="1" latinLnBrk="0" hangingPunct="1">
+              <a:lnSpc>
+                <a:spcPct val="90000"/>
+              </a:lnSpc>
+              <a:spcBef>
+                <a:spcPts val="500"/>
+              </a:spcBef>
+              <a:buFont typeface="Arial" panose="020B0604020202020204" pitchFamily="34" charset="0"/>
+              <a:buChar char="•"/>
+              <a:defRPr sz="1800" kern="1200">
+                <a:solidFill>
+                  <a:schemeClr val="tx1"/>
+                </a:solidFill>
+                <a:latin typeface="+mn-lt"/>
+                <a:ea typeface="+mn-ea"/>
+                <a:cs typeface="+mn-cs"/>
+              </a:defRPr>
+            </a:lvl4pPr>
+            <a:lvl5pPr marL="2057400" indent="-228600" algn="l" defTabSz="914400" rtl="0" eaLnBrk="1" latinLnBrk="0" hangingPunct="1">
+              <a:lnSpc>
+                <a:spcPct val="90000"/>
+              </a:lnSpc>
+              <a:spcBef>
+                <a:spcPts val="500"/>
+              </a:spcBef>
+              <a:buFont typeface="Arial" panose="020B0604020202020204" pitchFamily="34" charset="0"/>
+              <a:buChar char="•"/>
+              <a:defRPr sz="1800" kern="1200">
+                <a:solidFill>
+                  <a:schemeClr val="tx1"/>
+                </a:solidFill>
+                <a:latin typeface="+mn-lt"/>
+                <a:ea typeface="+mn-ea"/>
+                <a:cs typeface="+mn-cs"/>
+              </a:defRPr>
+            </a:lvl5pPr>
+            <a:lvl6pPr marL="2514600" indent="-228600" algn="l" defTabSz="914400" rtl="0" eaLnBrk="1" latinLnBrk="0" hangingPunct="1">
+              <a:lnSpc>
+                <a:spcPct val="90000"/>
+              </a:lnSpc>
+              <a:spcBef>
+                <a:spcPts val="500"/>
+              </a:spcBef>
+              <a:buFont typeface="Arial" panose="020B0604020202020204" pitchFamily="34" charset="0"/>
+              <a:buChar char="•"/>
+              <a:defRPr sz="1800" kern="1200">
+                <a:solidFill>
+                  <a:schemeClr val="tx1"/>
+                </a:solidFill>
+                <a:latin typeface="+mn-lt"/>
+                <a:ea typeface="+mn-ea"/>
+                <a:cs typeface="+mn-cs"/>
+              </a:defRPr>
+            </a:lvl6pPr>
+            <a:lvl7pPr marL="2971800" indent="-228600" algn="l" defTabSz="914400" rtl="0" eaLnBrk="1" latinLnBrk="0" hangingPunct="1">
+              <a:lnSpc>
+                <a:spcPct val="90000"/>
+              </a:lnSpc>
+              <a:spcBef>
+                <a:spcPts val="500"/>
+              </a:spcBef>
+              <a:buFont typeface="Arial" panose="020B0604020202020204" pitchFamily="34" charset="0"/>
+              <a:buChar char="•"/>
+              <a:defRPr sz="1800" kern="1200">
+                <a:solidFill>
+                  <a:schemeClr val="tx1"/>
+                </a:solidFill>
+                <a:latin typeface="+mn-lt"/>
+                <a:ea typeface="+mn-ea"/>
+                <a:cs typeface="+mn-cs"/>
+              </a:defRPr>
+            </a:lvl7pPr>
+            <a:lvl8pPr marL="3429000" indent="-228600" algn="l" defTabSz="914400" rtl="0" eaLnBrk="1" latinLnBrk="0" hangingPunct="1">
+              <a:lnSpc>
+                <a:spcPct val="90000"/>
+              </a:lnSpc>
+              <a:spcBef>
+                <a:spcPts val="500"/>
+              </a:spcBef>
+              <a:buFont typeface="Arial" panose="020B0604020202020204" pitchFamily="34" charset="0"/>
+              <a:buChar char="•"/>
+              <a:defRPr sz="1800" kern="1200">
+                <a:solidFill>
+                  <a:schemeClr val="tx1"/>
+                </a:solidFill>
+                <a:latin typeface="+mn-lt"/>
+                <a:ea typeface="+mn-ea"/>
+                <a:cs typeface="+mn-cs"/>
+              </a:defRPr>
+            </a:lvl8pPr>
+            <a:lvl9pPr marL="3886200" indent="-228600" algn="l" defTabSz="914400" rtl="0" eaLnBrk="1" latinLnBrk="0" hangingPunct="1">
+              <a:lnSpc>
+                <a:spcPct val="90000"/>
+              </a:lnSpc>
+              <a:spcBef>
+                <a:spcPts val="500"/>
+              </a:spcBef>
+              <a:buFont typeface="Arial" panose="020B0604020202020204" pitchFamily="34" charset="0"/>
+              <a:buChar char="•"/>
+              <a:defRPr sz="1800" kern="1200">
+                <a:solidFill>
+                  <a:schemeClr val="tx1"/>
+                </a:solidFill>
+                <a:latin typeface="+mn-lt"/>
+                <a:ea typeface="+mn-ea"/>
+                <a:cs typeface="+mn-cs"/>
+              </a:defRPr>
+            </a:lvl9pPr>
+          </a:lstStyle>
+          <a:p>
+            <a:r>
+              <a:rPr lang="pt-BR" sz="1200" dirty="0">
+                <a:latin typeface="Arial" panose="020B0604020202020204" pitchFamily="34" charset="0"/>
+                <a:cs typeface="Arial" panose="020B0604020202020204" pitchFamily="34" charset="0"/>
+              </a:rPr>
+              <a:t>Verifique a instalação do PIP</a:t>
+            </a:r>
+          </a:p>
+        </p:txBody>
+      </p:sp>
+      <p:sp>
+        <p:nvSpPr>
+          <p:cNvPr id="17" name="Retângulo: Cantos Arredondados 16">
+            <a:extLst>
+              <a:ext uri="{FF2B5EF4-FFF2-40B4-BE49-F238E27FC236}">
+                <a16:creationId xmlns:a16="http://schemas.microsoft.com/office/drawing/2014/main" id="{AC5E2542-DF37-6B37-A9D4-309589E5AAF3}"/>
+              </a:ext>
+            </a:extLst>
+          </p:cNvPr>
+          <p:cNvSpPr/>
+          <p:nvPr/>
+        </p:nvSpPr>
+        <p:spPr>
+          <a:xfrm>
+            <a:off x="6972214" y="3260674"/>
+            <a:ext cx="4050292" cy="310243"/>
+          </a:xfrm>
+          <a:prstGeom prst="roundRect">
+            <a:avLst/>
+          </a:prstGeom>
+          <a:solidFill>
+            <a:schemeClr val="bg1">
+              <a:lumMod val="95000"/>
+            </a:schemeClr>
+          </a:solidFill>
+          <a:ln w="3175">
+            <a:solidFill>
+              <a:schemeClr val="bg2">
+                <a:lumMod val="75000"/>
+              </a:schemeClr>
+            </a:solidFill>
+          </a:ln>
+          <a:effectLst>
+            <a:outerShdw blurRad="127000" dist="38100" dir="5400000" sx="80000" sy="80000" algn="t" rotWithShape="0">
+              <a:schemeClr val="tx1">
+                <a:lumMod val="50000"/>
+                <a:lumOff val="50000"/>
+                <a:alpha val="40000"/>
+              </a:schemeClr>
+            </a:outerShdw>
+          </a:effectLst>
+        </p:spPr>
+        <p:style>
+          <a:lnRef idx="2">
+            <a:schemeClr val="accent1">
+              <a:shade val="15000"/>
+            </a:schemeClr>
+          </a:lnRef>
+          <a:fillRef idx="1">
+            <a:schemeClr val="accent1"/>
+          </a:fillRef>
+          <a:effectRef idx="0">
+            <a:schemeClr val="accent1"/>
+          </a:effectRef>
+          <a:fontRef idx="minor">
+            <a:schemeClr val="lt1"/>
+          </a:fontRef>
+        </p:style>
+        <p:txBody>
+          <a:bodyPr rtlCol="0" anchor="ctr"/>
+          <a:lstStyle/>
+          <a:p>
+            <a:r>
+              <a:rPr lang="pt-BR" sz="1000" dirty="0" err="1">
+                <a:solidFill>
+                  <a:schemeClr val="tx1"/>
+                </a:solidFill>
+                <a:latin typeface="MS Gothic" panose="020B0609070205080204" pitchFamily="49" charset="-128"/>
+                <a:ea typeface="MS Gothic" panose="020B0609070205080204" pitchFamily="49" charset="-128"/>
+              </a:rPr>
+              <a:t>pip</a:t>
+            </a:r>
+            <a:r>
+              <a:rPr lang="pt-BR" sz="1000" dirty="0">
+                <a:solidFill>
+                  <a:schemeClr val="tx1"/>
+                </a:solidFill>
+                <a:latin typeface="MS Gothic" panose="020B0609070205080204" pitchFamily="49" charset="-128"/>
+                <a:ea typeface="MS Gothic" panose="020B0609070205080204" pitchFamily="49" charset="-128"/>
+              </a:rPr>
+              <a:t> --</a:t>
+            </a:r>
+            <a:r>
+              <a:rPr lang="pt-BR" sz="1000" dirty="0" err="1">
+                <a:solidFill>
+                  <a:schemeClr val="tx1"/>
+                </a:solidFill>
+                <a:latin typeface="MS Gothic" panose="020B0609070205080204" pitchFamily="49" charset="-128"/>
+                <a:ea typeface="MS Gothic" panose="020B0609070205080204" pitchFamily="49" charset="-128"/>
+              </a:rPr>
+              <a:t>version</a:t>
+            </a:r>
+            <a:endParaRPr lang="pt-BR" sz="1000" dirty="0">
+              <a:solidFill>
+                <a:schemeClr val="tx1"/>
+              </a:solidFill>
+              <a:latin typeface="MS Gothic" panose="020B0609070205080204" pitchFamily="49" charset="-128"/>
+              <a:ea typeface="MS Gothic" panose="020B0609070205080204" pitchFamily="49" charset="-128"/>
+            </a:endParaRPr>
+          </a:p>
+        </p:txBody>
+      </p:sp>
+      <p:sp>
+        <p:nvSpPr>
+          <p:cNvPr id="18" name="Espaço Reservado para Conteúdo 2">
+            <a:extLst>
+              <a:ext uri="{FF2B5EF4-FFF2-40B4-BE49-F238E27FC236}">
+                <a16:creationId xmlns:a16="http://schemas.microsoft.com/office/drawing/2014/main" id="{9C506B07-5073-141D-A79F-A5AC466099DD}"/>
+              </a:ext>
+            </a:extLst>
+          </p:cNvPr>
+          <p:cNvSpPr txBox="1">
+            <a:spLocks/>
+          </p:cNvSpPr>
+          <p:nvPr/>
+        </p:nvSpPr>
+        <p:spPr>
+          <a:xfrm>
+            <a:off x="6657355" y="4272116"/>
+            <a:ext cx="4365152" cy="290558"/>
+          </a:xfrm>
+          <a:prstGeom prst="rect">
+            <a:avLst/>
+          </a:prstGeom>
+        </p:spPr>
+        <p:txBody>
+          <a:bodyPr vert="horz" lIns="91440" tIns="45720" rIns="91440" bIns="45720" rtlCol="0">
+            <a:normAutofit/>
+          </a:bodyPr>
+          <a:lstStyle>
+            <a:lvl1pPr marL="228600" indent="-228600" algn="l" defTabSz="914400" rtl="0" eaLnBrk="1" latinLnBrk="0" hangingPunct="1">
+              <a:lnSpc>
+                <a:spcPct val="90000"/>
+              </a:lnSpc>
+              <a:spcBef>
+                <a:spcPts val="1000"/>
+              </a:spcBef>
+              <a:buFont typeface="Arial" panose="020B0604020202020204" pitchFamily="34" charset="0"/>
+              <a:buChar char="•"/>
+              <a:defRPr sz="2800" kern="1200">
+                <a:solidFill>
+                  <a:schemeClr val="tx1"/>
+                </a:solidFill>
+                <a:latin typeface="+mn-lt"/>
+                <a:ea typeface="+mn-ea"/>
+                <a:cs typeface="+mn-cs"/>
+              </a:defRPr>
+            </a:lvl1pPr>
+            <a:lvl2pPr marL="685800" indent="-228600" algn="l" defTabSz="914400" rtl="0" eaLnBrk="1" latinLnBrk="0" hangingPunct="1">
+              <a:lnSpc>
+                <a:spcPct val="90000"/>
+              </a:lnSpc>
+              <a:spcBef>
+                <a:spcPts val="500"/>
+              </a:spcBef>
+              <a:buFont typeface="Arial" panose="020B0604020202020204" pitchFamily="34" charset="0"/>
+              <a:buChar char="•"/>
+              <a:defRPr sz="2400" kern="1200">
+                <a:solidFill>
+                  <a:schemeClr val="tx1"/>
+                </a:solidFill>
+                <a:latin typeface="+mn-lt"/>
+                <a:ea typeface="+mn-ea"/>
+                <a:cs typeface="+mn-cs"/>
+              </a:defRPr>
+            </a:lvl2pPr>
+            <a:lvl3pPr marL="1143000" indent="-228600" algn="l" defTabSz="914400" rtl="0" eaLnBrk="1" latinLnBrk="0" hangingPunct="1">
+              <a:lnSpc>
+                <a:spcPct val="90000"/>
+              </a:lnSpc>
+              <a:spcBef>
+                <a:spcPts val="500"/>
+              </a:spcBef>
+              <a:buFont typeface="Arial" panose="020B0604020202020204" pitchFamily="34" charset="0"/>
+              <a:buChar char="•"/>
+              <a:defRPr sz="2000" kern="1200">
+                <a:solidFill>
+                  <a:schemeClr val="tx1"/>
+                </a:solidFill>
+                <a:latin typeface="+mn-lt"/>
+                <a:ea typeface="+mn-ea"/>
+                <a:cs typeface="+mn-cs"/>
+              </a:defRPr>
+            </a:lvl3pPr>
+            <a:lvl4pPr marL="1600200" indent="-228600" algn="l" defTabSz="914400" rtl="0" eaLnBrk="1" latinLnBrk="0" hangingPunct="1">
+              <a:lnSpc>
+                <a:spcPct val="90000"/>
+              </a:lnSpc>
+              <a:spcBef>
+                <a:spcPts val="500"/>
+              </a:spcBef>
+              <a:buFont typeface="Arial" panose="020B0604020202020204" pitchFamily="34" charset="0"/>
+              <a:buChar char="•"/>
+              <a:defRPr sz="1800" kern="1200">
+                <a:solidFill>
+                  <a:schemeClr val="tx1"/>
+                </a:solidFill>
+                <a:latin typeface="+mn-lt"/>
+                <a:ea typeface="+mn-ea"/>
+                <a:cs typeface="+mn-cs"/>
+              </a:defRPr>
+            </a:lvl4pPr>
+            <a:lvl5pPr marL="2057400" indent="-228600" algn="l" defTabSz="914400" rtl="0" eaLnBrk="1" latinLnBrk="0" hangingPunct="1">
+              <a:lnSpc>
+                <a:spcPct val="90000"/>
+              </a:lnSpc>
+              <a:spcBef>
+                <a:spcPts val="500"/>
+              </a:spcBef>
+              <a:buFont typeface="Arial" panose="020B0604020202020204" pitchFamily="34" charset="0"/>
+              <a:buChar char="•"/>
+              <a:defRPr sz="1800" kern="1200">
+                <a:solidFill>
+                  <a:schemeClr val="tx1"/>
+                </a:solidFill>
+                <a:latin typeface="+mn-lt"/>
+                <a:ea typeface="+mn-ea"/>
+                <a:cs typeface="+mn-cs"/>
+              </a:defRPr>
+            </a:lvl5pPr>
+            <a:lvl6pPr marL="2514600" indent="-228600" algn="l" defTabSz="914400" rtl="0" eaLnBrk="1" latinLnBrk="0" hangingPunct="1">
+              <a:lnSpc>
+                <a:spcPct val="90000"/>
+              </a:lnSpc>
+              <a:spcBef>
+                <a:spcPts val="500"/>
+              </a:spcBef>
+              <a:buFont typeface="Arial" panose="020B0604020202020204" pitchFamily="34" charset="0"/>
+              <a:buChar char="•"/>
+              <a:defRPr sz="1800" kern="1200">
+                <a:solidFill>
+                  <a:schemeClr val="tx1"/>
+                </a:solidFill>
+                <a:latin typeface="+mn-lt"/>
+                <a:ea typeface="+mn-ea"/>
+                <a:cs typeface="+mn-cs"/>
+              </a:defRPr>
+            </a:lvl6pPr>
+            <a:lvl7pPr marL="2971800" indent="-228600" algn="l" defTabSz="914400" rtl="0" eaLnBrk="1" latinLnBrk="0" hangingPunct="1">
+              <a:lnSpc>
+                <a:spcPct val="90000"/>
+              </a:lnSpc>
+              <a:spcBef>
+                <a:spcPts val="500"/>
+              </a:spcBef>
+              <a:buFont typeface="Arial" panose="020B0604020202020204" pitchFamily="34" charset="0"/>
+              <a:buChar char="•"/>
+              <a:defRPr sz="1800" kern="1200">
+                <a:solidFill>
+                  <a:schemeClr val="tx1"/>
+                </a:solidFill>
+                <a:latin typeface="+mn-lt"/>
+                <a:ea typeface="+mn-ea"/>
+                <a:cs typeface="+mn-cs"/>
+              </a:defRPr>
+            </a:lvl7pPr>
+            <a:lvl8pPr marL="3429000" indent="-228600" algn="l" defTabSz="914400" rtl="0" eaLnBrk="1" latinLnBrk="0" hangingPunct="1">
+              <a:lnSpc>
+                <a:spcPct val="90000"/>
+              </a:lnSpc>
+              <a:spcBef>
+                <a:spcPts val="500"/>
+              </a:spcBef>
+              <a:buFont typeface="Arial" panose="020B0604020202020204" pitchFamily="34" charset="0"/>
+              <a:buChar char="•"/>
+              <a:defRPr sz="1800" kern="1200">
+                <a:solidFill>
+                  <a:schemeClr val="tx1"/>
+                </a:solidFill>
+                <a:latin typeface="+mn-lt"/>
+                <a:ea typeface="+mn-ea"/>
+                <a:cs typeface="+mn-cs"/>
+              </a:defRPr>
+            </a:lvl8pPr>
+            <a:lvl9pPr marL="3886200" indent="-228600" algn="l" defTabSz="914400" rtl="0" eaLnBrk="1" latinLnBrk="0" hangingPunct="1">
+              <a:lnSpc>
+                <a:spcPct val="90000"/>
+              </a:lnSpc>
+              <a:spcBef>
+                <a:spcPts val="500"/>
+              </a:spcBef>
+              <a:buFont typeface="Arial" panose="020B0604020202020204" pitchFamily="34" charset="0"/>
+              <a:buChar char="•"/>
+              <a:defRPr sz="1800" kern="1200">
+                <a:solidFill>
+                  <a:schemeClr val="tx1"/>
+                </a:solidFill>
+                <a:latin typeface="+mn-lt"/>
+                <a:ea typeface="+mn-ea"/>
+                <a:cs typeface="+mn-cs"/>
+              </a:defRPr>
+            </a:lvl9pPr>
+          </a:lstStyle>
+          <a:p>
+            <a:r>
+              <a:rPr lang="pt-BR" sz="1200" dirty="0">
+                <a:latin typeface="Arial" panose="020B0604020202020204" pitchFamily="34" charset="0"/>
+                <a:cs typeface="Arial" panose="020B0604020202020204" pitchFamily="34" charset="0"/>
+              </a:rPr>
+              <a:t>Instale o </a:t>
+            </a:r>
+            <a:r>
+              <a:rPr lang="pt-BR" sz="1200" dirty="0" err="1">
+                <a:latin typeface="Arial" panose="020B0604020202020204" pitchFamily="34" charset="0"/>
+                <a:cs typeface="Arial" panose="020B0604020202020204" pitchFamily="34" charset="0"/>
+              </a:rPr>
+              <a:t>Pygame</a:t>
+            </a:r>
+            <a:r>
+              <a:rPr lang="pt-BR" sz="1200" dirty="0">
+                <a:latin typeface="Arial" panose="020B0604020202020204" pitchFamily="34" charset="0"/>
+                <a:cs typeface="Arial" panose="020B0604020202020204" pitchFamily="34" charset="0"/>
+              </a:rPr>
+              <a:t> através do seguinte comando:</a:t>
+            </a:r>
+          </a:p>
+        </p:txBody>
+      </p:sp>
+      <p:sp>
+        <p:nvSpPr>
+          <p:cNvPr id="19" name="CaixaDeTexto 18">
+            <a:extLst>
+              <a:ext uri="{FF2B5EF4-FFF2-40B4-BE49-F238E27FC236}">
+                <a16:creationId xmlns:a16="http://schemas.microsoft.com/office/drawing/2014/main" id="{228C8CA8-5B83-4FD0-93AF-198D303E08F4}"/>
+              </a:ext>
+            </a:extLst>
+          </p:cNvPr>
+          <p:cNvSpPr txBox="1"/>
+          <p:nvPr/>
+        </p:nvSpPr>
+        <p:spPr>
+          <a:xfrm>
+            <a:off x="6356472" y="3804839"/>
+            <a:ext cx="4666034" cy="369332"/>
+          </a:xfrm>
+          <a:prstGeom prst="rect">
+            <a:avLst/>
+          </a:prstGeom>
+          <a:noFill/>
+        </p:spPr>
+        <p:txBody>
+          <a:bodyPr wrap="square" rtlCol="0" anchor="ctr">
+            <a:spAutoFit/>
+          </a:bodyPr>
+          <a:lstStyle/>
+          <a:p>
+            <a:r>
+              <a:rPr lang="pt-BR" dirty="0">
+                <a:latin typeface="Arial" panose="020B0604020202020204" pitchFamily="34" charset="0"/>
+                <a:cs typeface="Arial" panose="020B0604020202020204" pitchFamily="34" charset="0"/>
+              </a:rPr>
+              <a:t>3. Instalação do </a:t>
+            </a:r>
+            <a:r>
+              <a:rPr lang="pt-BR" dirty="0" err="1">
+                <a:latin typeface="Arial" panose="020B0604020202020204" pitchFamily="34" charset="0"/>
+                <a:cs typeface="Arial" panose="020B0604020202020204" pitchFamily="34" charset="0"/>
+              </a:rPr>
+              <a:t>Pygame</a:t>
+            </a:r>
+            <a:endParaRPr lang="pt-BR" dirty="0">
+              <a:latin typeface="Arial" panose="020B0604020202020204" pitchFamily="34" charset="0"/>
+              <a:cs typeface="Arial" panose="020B0604020202020204" pitchFamily="34" charset="0"/>
+            </a:endParaRPr>
+          </a:p>
+        </p:txBody>
+      </p:sp>
+      <p:sp>
+        <p:nvSpPr>
+          <p:cNvPr id="20" name="Retângulo: Cantos Arredondados 19">
+            <a:extLst>
+              <a:ext uri="{FF2B5EF4-FFF2-40B4-BE49-F238E27FC236}">
+                <a16:creationId xmlns:a16="http://schemas.microsoft.com/office/drawing/2014/main" id="{21AB5023-2769-B5B3-F2CF-1EC440F46DCE}"/>
+              </a:ext>
+            </a:extLst>
+          </p:cNvPr>
+          <p:cNvSpPr/>
+          <p:nvPr/>
+        </p:nvSpPr>
+        <p:spPr>
+          <a:xfrm>
+            <a:off x="6972215" y="4598096"/>
+            <a:ext cx="4050292" cy="310243"/>
+          </a:xfrm>
+          <a:prstGeom prst="roundRect">
+            <a:avLst/>
+          </a:prstGeom>
+          <a:solidFill>
+            <a:schemeClr val="bg1">
+              <a:lumMod val="95000"/>
+            </a:schemeClr>
+          </a:solidFill>
+          <a:ln w="3175">
+            <a:solidFill>
+              <a:schemeClr val="bg2">
+                <a:lumMod val="75000"/>
+              </a:schemeClr>
+            </a:solidFill>
+          </a:ln>
+          <a:effectLst>
+            <a:outerShdw blurRad="127000" dist="38100" dir="5400000" sx="80000" sy="80000" algn="t" rotWithShape="0">
+              <a:schemeClr val="tx1">
+                <a:lumMod val="50000"/>
+                <a:lumOff val="50000"/>
+                <a:alpha val="40000"/>
+              </a:schemeClr>
+            </a:outerShdw>
+          </a:effectLst>
+        </p:spPr>
+        <p:style>
+          <a:lnRef idx="2">
+            <a:schemeClr val="accent1">
+              <a:shade val="15000"/>
+            </a:schemeClr>
+          </a:lnRef>
+          <a:fillRef idx="1">
+            <a:schemeClr val="accent1"/>
+          </a:fillRef>
+          <a:effectRef idx="0">
+            <a:schemeClr val="accent1"/>
+          </a:effectRef>
+          <a:fontRef idx="minor">
+            <a:schemeClr val="lt1"/>
+          </a:fontRef>
+        </p:style>
+        <p:txBody>
+          <a:bodyPr rtlCol="0" anchor="ctr"/>
+          <a:lstStyle/>
+          <a:p>
+            <a:r>
+              <a:rPr lang="pt-BR" sz="1000" dirty="0" err="1">
+                <a:solidFill>
+                  <a:schemeClr val="tx1"/>
+                </a:solidFill>
+                <a:latin typeface="MS Gothic" panose="020B0609070205080204" pitchFamily="49" charset="-128"/>
+                <a:ea typeface="MS Gothic" panose="020B0609070205080204" pitchFamily="49" charset="-128"/>
+              </a:rPr>
+              <a:t>python</a:t>
+            </a:r>
+            <a:r>
+              <a:rPr lang="pt-BR" sz="1000" dirty="0">
+                <a:solidFill>
+                  <a:schemeClr val="tx1"/>
+                </a:solidFill>
+                <a:latin typeface="MS Gothic" panose="020B0609070205080204" pitchFamily="49" charset="-128"/>
+                <a:ea typeface="MS Gothic" panose="020B0609070205080204" pitchFamily="49" charset="-128"/>
+              </a:rPr>
+              <a:t> –m </a:t>
+            </a:r>
+            <a:r>
+              <a:rPr lang="pt-BR" sz="1000" dirty="0" err="1">
+                <a:solidFill>
+                  <a:schemeClr val="tx1"/>
+                </a:solidFill>
+                <a:latin typeface="MS Gothic" panose="020B0609070205080204" pitchFamily="49" charset="-128"/>
+                <a:ea typeface="MS Gothic" panose="020B0609070205080204" pitchFamily="49" charset="-128"/>
+              </a:rPr>
+              <a:t>pip</a:t>
+            </a:r>
+            <a:r>
+              <a:rPr lang="pt-BR" sz="1000" dirty="0">
+                <a:solidFill>
+                  <a:schemeClr val="tx1"/>
+                </a:solidFill>
+                <a:latin typeface="MS Gothic" panose="020B0609070205080204" pitchFamily="49" charset="-128"/>
+                <a:ea typeface="MS Gothic" panose="020B0609070205080204" pitchFamily="49" charset="-128"/>
+              </a:rPr>
+              <a:t> -U </a:t>
+            </a:r>
+            <a:r>
+              <a:rPr lang="pt-BR" sz="1000" dirty="0" err="1">
+                <a:solidFill>
+                  <a:schemeClr val="tx1"/>
+                </a:solidFill>
+                <a:latin typeface="MS Gothic" panose="020B0609070205080204" pitchFamily="49" charset="-128"/>
+                <a:ea typeface="MS Gothic" panose="020B0609070205080204" pitchFamily="49" charset="-128"/>
+              </a:rPr>
+              <a:t>install</a:t>
+            </a:r>
+            <a:r>
+              <a:rPr lang="pt-BR" sz="1000" dirty="0">
+                <a:solidFill>
+                  <a:schemeClr val="tx1"/>
+                </a:solidFill>
+                <a:latin typeface="MS Gothic" panose="020B0609070205080204" pitchFamily="49" charset="-128"/>
+                <a:ea typeface="MS Gothic" panose="020B0609070205080204" pitchFamily="49" charset="-128"/>
+              </a:rPr>
+              <a:t> </a:t>
+            </a:r>
+            <a:r>
+              <a:rPr lang="pt-BR" sz="1000" dirty="0" err="1">
+                <a:solidFill>
+                  <a:schemeClr val="tx1"/>
+                </a:solidFill>
+                <a:latin typeface="MS Gothic" panose="020B0609070205080204" pitchFamily="49" charset="-128"/>
+                <a:ea typeface="MS Gothic" panose="020B0609070205080204" pitchFamily="49" charset="-128"/>
+              </a:rPr>
+              <a:t>pygame</a:t>
+            </a:r>
+            <a:endParaRPr lang="pt-BR" sz="1000" dirty="0">
+              <a:solidFill>
+                <a:schemeClr val="tx1"/>
+              </a:solidFill>
+              <a:latin typeface="MS Gothic" panose="020B0609070205080204" pitchFamily="49" charset="-128"/>
+              <a:ea typeface="MS Gothic" panose="020B0609070205080204" pitchFamily="49" charset="-128"/>
+            </a:endParaRPr>
+          </a:p>
+        </p:txBody>
+      </p:sp>
+      <p:sp>
+        <p:nvSpPr>
+          <p:cNvPr id="21" name="Espaço Reservado para Conteúdo 2">
+            <a:extLst>
+              <a:ext uri="{FF2B5EF4-FFF2-40B4-BE49-F238E27FC236}">
+                <a16:creationId xmlns:a16="http://schemas.microsoft.com/office/drawing/2014/main" id="{8F0D85E6-BBD6-9356-8F85-B19710AF4909}"/>
+              </a:ext>
+            </a:extLst>
+          </p:cNvPr>
+          <p:cNvSpPr txBox="1">
+            <a:spLocks/>
+          </p:cNvSpPr>
+          <p:nvPr/>
+        </p:nvSpPr>
+        <p:spPr>
+          <a:xfrm>
+            <a:off x="6660465" y="5012345"/>
+            <a:ext cx="4365152" cy="290558"/>
+          </a:xfrm>
+          <a:prstGeom prst="rect">
+            <a:avLst/>
+          </a:prstGeom>
+        </p:spPr>
+        <p:txBody>
+          <a:bodyPr vert="horz" lIns="91440" tIns="45720" rIns="91440" bIns="45720" rtlCol="0">
+            <a:normAutofit/>
+          </a:bodyPr>
+          <a:lstStyle>
+            <a:lvl1pPr marL="228600" indent="-228600" algn="l" defTabSz="914400" rtl="0" eaLnBrk="1" latinLnBrk="0" hangingPunct="1">
+              <a:lnSpc>
+                <a:spcPct val="90000"/>
+              </a:lnSpc>
+              <a:spcBef>
+                <a:spcPts val="1000"/>
+              </a:spcBef>
+              <a:buFont typeface="Arial" panose="020B0604020202020204" pitchFamily="34" charset="0"/>
+              <a:buChar char="•"/>
+              <a:defRPr sz="2800" kern="1200">
+                <a:solidFill>
+                  <a:schemeClr val="tx1"/>
+                </a:solidFill>
+                <a:latin typeface="+mn-lt"/>
+                <a:ea typeface="+mn-ea"/>
+                <a:cs typeface="+mn-cs"/>
+              </a:defRPr>
+            </a:lvl1pPr>
+            <a:lvl2pPr marL="685800" indent="-228600" algn="l" defTabSz="914400" rtl="0" eaLnBrk="1" latinLnBrk="0" hangingPunct="1">
+              <a:lnSpc>
+                <a:spcPct val="90000"/>
+              </a:lnSpc>
+              <a:spcBef>
+                <a:spcPts val="500"/>
+              </a:spcBef>
+              <a:buFont typeface="Arial" panose="020B0604020202020204" pitchFamily="34" charset="0"/>
+              <a:buChar char="•"/>
+              <a:defRPr sz="2400" kern="1200">
+                <a:solidFill>
+                  <a:schemeClr val="tx1"/>
+                </a:solidFill>
+                <a:latin typeface="+mn-lt"/>
+                <a:ea typeface="+mn-ea"/>
+                <a:cs typeface="+mn-cs"/>
+              </a:defRPr>
+            </a:lvl2pPr>
+            <a:lvl3pPr marL="1143000" indent="-228600" algn="l" defTabSz="914400" rtl="0" eaLnBrk="1" latinLnBrk="0" hangingPunct="1">
+              <a:lnSpc>
+                <a:spcPct val="90000"/>
+              </a:lnSpc>
+              <a:spcBef>
+                <a:spcPts val="500"/>
+              </a:spcBef>
+              <a:buFont typeface="Arial" panose="020B0604020202020204" pitchFamily="34" charset="0"/>
+              <a:buChar char="•"/>
+              <a:defRPr sz="2000" kern="1200">
+                <a:solidFill>
+                  <a:schemeClr val="tx1"/>
+                </a:solidFill>
+                <a:latin typeface="+mn-lt"/>
+                <a:ea typeface="+mn-ea"/>
+                <a:cs typeface="+mn-cs"/>
+              </a:defRPr>
+            </a:lvl3pPr>
+            <a:lvl4pPr marL="1600200" indent="-228600" algn="l" defTabSz="914400" rtl="0" eaLnBrk="1" latinLnBrk="0" hangingPunct="1">
+              <a:lnSpc>
+                <a:spcPct val="90000"/>
+              </a:lnSpc>
+              <a:spcBef>
+                <a:spcPts val="500"/>
+              </a:spcBef>
+              <a:buFont typeface="Arial" panose="020B0604020202020204" pitchFamily="34" charset="0"/>
+              <a:buChar char="•"/>
+              <a:defRPr sz="1800" kern="1200">
+                <a:solidFill>
+                  <a:schemeClr val="tx1"/>
+                </a:solidFill>
+                <a:latin typeface="+mn-lt"/>
+                <a:ea typeface="+mn-ea"/>
+                <a:cs typeface="+mn-cs"/>
+              </a:defRPr>
+            </a:lvl4pPr>
+            <a:lvl5pPr marL="2057400" indent="-228600" algn="l" defTabSz="914400" rtl="0" eaLnBrk="1" latinLnBrk="0" hangingPunct="1">
+              <a:lnSpc>
+                <a:spcPct val="90000"/>
+              </a:lnSpc>
+              <a:spcBef>
+                <a:spcPts val="500"/>
+              </a:spcBef>
+              <a:buFont typeface="Arial" panose="020B0604020202020204" pitchFamily="34" charset="0"/>
+              <a:buChar char="•"/>
+              <a:defRPr sz="1800" kern="1200">
+                <a:solidFill>
+                  <a:schemeClr val="tx1"/>
+                </a:solidFill>
+                <a:latin typeface="+mn-lt"/>
+                <a:ea typeface="+mn-ea"/>
+                <a:cs typeface="+mn-cs"/>
+              </a:defRPr>
+            </a:lvl5pPr>
+            <a:lvl6pPr marL="2514600" indent="-228600" algn="l" defTabSz="914400" rtl="0" eaLnBrk="1" latinLnBrk="0" hangingPunct="1">
+              <a:lnSpc>
+                <a:spcPct val="90000"/>
+              </a:lnSpc>
+              <a:spcBef>
+                <a:spcPts val="500"/>
+              </a:spcBef>
+              <a:buFont typeface="Arial" panose="020B0604020202020204" pitchFamily="34" charset="0"/>
+              <a:buChar char="•"/>
+              <a:defRPr sz="1800" kern="1200">
+                <a:solidFill>
+                  <a:schemeClr val="tx1"/>
+                </a:solidFill>
+                <a:latin typeface="+mn-lt"/>
+                <a:ea typeface="+mn-ea"/>
+                <a:cs typeface="+mn-cs"/>
+              </a:defRPr>
+            </a:lvl6pPr>
+            <a:lvl7pPr marL="2971800" indent="-228600" algn="l" defTabSz="914400" rtl="0" eaLnBrk="1" latinLnBrk="0" hangingPunct="1">
+              <a:lnSpc>
+                <a:spcPct val="90000"/>
+              </a:lnSpc>
+              <a:spcBef>
+                <a:spcPts val="500"/>
+              </a:spcBef>
+              <a:buFont typeface="Arial" panose="020B0604020202020204" pitchFamily="34" charset="0"/>
+              <a:buChar char="•"/>
+              <a:defRPr sz="1800" kern="1200">
+                <a:solidFill>
+                  <a:schemeClr val="tx1"/>
+                </a:solidFill>
+                <a:latin typeface="+mn-lt"/>
+                <a:ea typeface="+mn-ea"/>
+                <a:cs typeface="+mn-cs"/>
+              </a:defRPr>
+            </a:lvl7pPr>
+            <a:lvl8pPr marL="3429000" indent="-228600" algn="l" defTabSz="914400" rtl="0" eaLnBrk="1" latinLnBrk="0" hangingPunct="1">
+              <a:lnSpc>
+                <a:spcPct val="90000"/>
+              </a:lnSpc>
+              <a:spcBef>
+                <a:spcPts val="500"/>
+              </a:spcBef>
+              <a:buFont typeface="Arial" panose="020B0604020202020204" pitchFamily="34" charset="0"/>
+              <a:buChar char="•"/>
+              <a:defRPr sz="1800" kern="1200">
+                <a:solidFill>
+                  <a:schemeClr val="tx1"/>
+                </a:solidFill>
+                <a:latin typeface="+mn-lt"/>
+                <a:ea typeface="+mn-ea"/>
+                <a:cs typeface="+mn-cs"/>
+              </a:defRPr>
+            </a:lvl8pPr>
+            <a:lvl9pPr marL="3886200" indent="-228600" algn="l" defTabSz="914400" rtl="0" eaLnBrk="1" latinLnBrk="0" hangingPunct="1">
+              <a:lnSpc>
+                <a:spcPct val="90000"/>
+              </a:lnSpc>
+              <a:spcBef>
+                <a:spcPts val="500"/>
+              </a:spcBef>
+              <a:buFont typeface="Arial" panose="020B0604020202020204" pitchFamily="34" charset="0"/>
+              <a:buChar char="•"/>
+              <a:defRPr sz="1800" kern="1200">
+                <a:solidFill>
+                  <a:schemeClr val="tx1"/>
+                </a:solidFill>
+                <a:latin typeface="+mn-lt"/>
+                <a:ea typeface="+mn-ea"/>
+                <a:cs typeface="+mn-cs"/>
+              </a:defRPr>
+            </a:lvl9pPr>
+          </a:lstStyle>
+          <a:p>
+            <a:r>
+              <a:rPr lang="pt-BR" sz="1200" dirty="0">
+                <a:latin typeface="Arial" panose="020B0604020202020204" pitchFamily="34" charset="0"/>
+                <a:cs typeface="Arial" panose="020B0604020202020204" pitchFamily="34" charset="0"/>
+              </a:rPr>
+              <a:t>Verifique a instalação do </a:t>
+            </a:r>
+            <a:r>
+              <a:rPr lang="pt-BR" sz="1200" dirty="0" err="1">
+                <a:latin typeface="Arial" panose="020B0604020202020204" pitchFamily="34" charset="0"/>
+                <a:cs typeface="Arial" panose="020B0604020202020204" pitchFamily="34" charset="0"/>
+              </a:rPr>
+              <a:t>Pygame</a:t>
+            </a:r>
+            <a:endParaRPr lang="pt-BR" sz="1200" dirty="0">
+              <a:latin typeface="Arial" panose="020B0604020202020204" pitchFamily="34" charset="0"/>
+              <a:cs typeface="Arial" panose="020B0604020202020204" pitchFamily="34" charset="0"/>
+            </a:endParaRPr>
+          </a:p>
+        </p:txBody>
+      </p:sp>
+      <p:sp>
+        <p:nvSpPr>
+          <p:cNvPr id="22" name="Retângulo: Cantos Arredondados 21">
+            <a:extLst>
+              <a:ext uri="{FF2B5EF4-FFF2-40B4-BE49-F238E27FC236}">
+                <a16:creationId xmlns:a16="http://schemas.microsoft.com/office/drawing/2014/main" id="{C75B0959-A0BC-9EF5-4BCA-9096D94F6A0F}"/>
+              </a:ext>
+            </a:extLst>
+          </p:cNvPr>
+          <p:cNvSpPr/>
+          <p:nvPr/>
+        </p:nvSpPr>
+        <p:spPr>
+          <a:xfrm>
+            <a:off x="6975325" y="5338325"/>
+            <a:ext cx="4050292" cy="310243"/>
+          </a:xfrm>
+          <a:prstGeom prst="roundRect">
+            <a:avLst/>
+          </a:prstGeom>
+          <a:solidFill>
+            <a:schemeClr val="bg1">
+              <a:lumMod val="95000"/>
+            </a:schemeClr>
+          </a:solidFill>
+          <a:ln w="3175">
+            <a:solidFill>
+              <a:schemeClr val="bg2">
+                <a:lumMod val="75000"/>
+              </a:schemeClr>
+            </a:solidFill>
+          </a:ln>
+          <a:effectLst>
+            <a:outerShdw blurRad="127000" dist="38100" dir="5400000" sx="80000" sy="80000" algn="t" rotWithShape="0">
+              <a:schemeClr val="tx1">
+                <a:lumMod val="50000"/>
+                <a:lumOff val="50000"/>
+                <a:alpha val="40000"/>
+              </a:schemeClr>
+            </a:outerShdw>
+          </a:effectLst>
+        </p:spPr>
+        <p:style>
+          <a:lnRef idx="2">
+            <a:schemeClr val="accent1">
+              <a:shade val="15000"/>
+            </a:schemeClr>
+          </a:lnRef>
+          <a:fillRef idx="1">
+            <a:schemeClr val="accent1"/>
+          </a:fillRef>
+          <a:effectRef idx="0">
+            <a:schemeClr val="accent1"/>
+          </a:effectRef>
+          <a:fontRef idx="minor">
+            <a:schemeClr val="lt1"/>
+          </a:fontRef>
+        </p:style>
+        <p:txBody>
+          <a:bodyPr rtlCol="0" anchor="ctr"/>
+          <a:lstStyle/>
+          <a:p>
+            <a:r>
+              <a:rPr lang="pt-BR" sz="1000" dirty="0" err="1">
+                <a:solidFill>
+                  <a:schemeClr val="tx1"/>
+                </a:solidFill>
+                <a:latin typeface="MS Gothic" panose="020B0609070205080204" pitchFamily="49" charset="-128"/>
+                <a:ea typeface="MS Gothic" panose="020B0609070205080204" pitchFamily="49" charset="-128"/>
+              </a:rPr>
+              <a:t>python</a:t>
+            </a:r>
+            <a:r>
+              <a:rPr lang="pt-BR" sz="1000" dirty="0">
+                <a:solidFill>
+                  <a:schemeClr val="tx1"/>
+                </a:solidFill>
+                <a:latin typeface="MS Gothic" panose="020B0609070205080204" pitchFamily="49" charset="-128"/>
+                <a:ea typeface="MS Gothic" panose="020B0609070205080204" pitchFamily="49" charset="-128"/>
+              </a:rPr>
+              <a:t> –m </a:t>
+            </a:r>
+            <a:r>
+              <a:rPr lang="pt-BR" sz="1000" dirty="0" err="1">
+                <a:solidFill>
+                  <a:schemeClr val="tx1"/>
+                </a:solidFill>
+                <a:latin typeface="MS Gothic" panose="020B0609070205080204" pitchFamily="49" charset="-128"/>
+                <a:ea typeface="MS Gothic" panose="020B0609070205080204" pitchFamily="49" charset="-128"/>
+              </a:rPr>
+              <a:t>pygame.examples.aliens</a:t>
+            </a:r>
+            <a:endParaRPr lang="pt-BR" sz="1000" dirty="0">
+              <a:solidFill>
+                <a:schemeClr val="tx1"/>
+              </a:solidFill>
+              <a:latin typeface="MS Gothic" panose="020B0609070205080204" pitchFamily="49" charset="-128"/>
+              <a:ea typeface="MS Gothic" panose="020B0609070205080204" pitchFamily="49" charset="-128"/>
+            </a:endParaRPr>
+          </a:p>
+        </p:txBody>
+      </p:sp>
+      <p:sp>
+        <p:nvSpPr>
+          <p:cNvPr id="40" name="CaixaDeTexto 39">
+            <a:extLst>
+              <a:ext uri="{FF2B5EF4-FFF2-40B4-BE49-F238E27FC236}">
+                <a16:creationId xmlns:a16="http://schemas.microsoft.com/office/drawing/2014/main" id="{EC516A44-1D5B-D3F1-AB26-633D857233AD}"/>
+              </a:ext>
+            </a:extLst>
+          </p:cNvPr>
+          <p:cNvSpPr txBox="1"/>
+          <p:nvPr/>
+        </p:nvSpPr>
+        <p:spPr>
+          <a:xfrm>
+            <a:off x="1281481" y="3475153"/>
+            <a:ext cx="4666034" cy="369332"/>
+          </a:xfrm>
+          <a:prstGeom prst="rect">
+            <a:avLst/>
+          </a:prstGeom>
+          <a:noFill/>
+        </p:spPr>
+        <p:txBody>
+          <a:bodyPr wrap="square" rtlCol="0" anchor="ctr">
+            <a:spAutoFit/>
+          </a:bodyPr>
+          <a:lstStyle/>
+          <a:p>
+            <a:r>
+              <a:rPr lang="pt-BR" dirty="0">
+                <a:latin typeface="Arial" panose="020B0604020202020204" pitchFamily="34" charset="0"/>
+                <a:cs typeface="Arial" panose="020B0604020202020204" pitchFamily="34" charset="0"/>
+              </a:rPr>
+              <a:t>1. Instalação do Python</a:t>
+            </a:r>
+          </a:p>
+        </p:txBody>
+      </p:sp>
+    </p:spTree>
+    <p:extLst>
+      <p:ext uri="{BB962C8B-B14F-4D97-AF65-F5344CB8AC3E}">
+        <p14:creationId xmlns:p14="http://schemas.microsoft.com/office/powerpoint/2010/main" val="297786518"/>
+      </p:ext>
+    </p:extLst>
+  </p:cSld>
+  <p:clrMapOvr>
+    <a:masterClrMapping/>
+  </p:clrMapOvr>
+</p:sld>
+</file>
+
+<file path=ppt/slides/slide3.xml><?xml version="1.0" encoding="utf-8"?>
+<p:sld xmlns:a="http://schemas.openxmlformats.org/drawingml/2006/main" xmlns:r="http://schemas.openxmlformats.org/officeDocument/2006/relationships" xmlns:p="http://schemas.openxmlformats.org/presentationml/2006/main">
+  <p:cSld>
+    <p:spTree>
+      <p:nvGrpSpPr>
+        <p:cNvPr id="1" name=""/>
+        <p:cNvGrpSpPr/>
+        <p:nvPr/>
+      </p:nvGrpSpPr>
+      <p:grpSpPr>
+        <a:xfrm>
+          <a:off x="0" y="0"/>
+          <a:ext cx="0" cy="0"/>
+          <a:chOff x="0" y="0"/>
+          <a:chExt cx="0" cy="0"/>
+        </a:xfrm>
+      </p:grpSpPr>
+      <p:pic>
+        <p:nvPicPr>
+          <p:cNvPr id="8" name="Imagem 7">
+            <a:extLst>
+              <a:ext uri="{FF2B5EF4-FFF2-40B4-BE49-F238E27FC236}">
+                <a16:creationId xmlns:a16="http://schemas.microsoft.com/office/drawing/2014/main" id="{710F8ED2-0B55-1E17-109D-5D347DA1D4C4}"/>
+              </a:ext>
+              <a:ext uri="{C183D7F6-B498-43B3-948B-1728B52AA6E4}">
+                <adec:decorative xmlns:adec="http://schemas.microsoft.com/office/drawing/2017/decorative" val="1"/>
+              </a:ext>
+            </a:extLst>
+          </p:cNvPr>
+          <p:cNvPicPr>
+            <a:picLocks noGrp="1" noRot="1" noChangeAspect="1" noMove="1" noResize="1" noEditPoints="1" noAdjustHandles="1" noChangeArrowheads="1" noChangeShapeType="1" noCrop="1"/>
+          </p:cNvPicPr>
+          <p:nvPr/>
+        </p:nvPicPr>
+        <p:blipFill>
+          <a:blip r:embed="rId2">
+            <a:extLst>
+              <a:ext uri="{28A0092B-C50C-407E-A947-70E740481C1C}">
+                <a14:useLocalDpi xmlns:a14="http://schemas.microsoft.com/office/drawing/2010/main" val="0"/>
+              </a:ext>
+            </a:extLst>
+          </a:blip>
+          <a:stretch>
+            <a:fillRect/>
+          </a:stretch>
+        </p:blipFill>
+        <p:spPr>
+          <a:xfrm rot="5400000">
+            <a:off x="2667000" y="-2667000"/>
+            <a:ext cx="6858000" cy="12192000"/>
+          </a:xfrm>
+          <a:prstGeom prst="rect">
+            <a:avLst/>
+          </a:prstGeom>
+        </p:spPr>
+      </p:pic>
+      <p:sp>
+        <p:nvSpPr>
+          <p:cNvPr id="9" name="Retângulo 8">
+            <a:extLst>
+              <a:ext uri="{FF2B5EF4-FFF2-40B4-BE49-F238E27FC236}">
+                <a16:creationId xmlns:a16="http://schemas.microsoft.com/office/drawing/2014/main" id="{F99C5232-514F-42CF-D574-1BBE4790CCC4}"/>
+              </a:ext>
+            </a:extLst>
+          </p:cNvPr>
+          <p:cNvSpPr>
+            <a:spLocks noGrp="1" noRot="1" noMove="1" noResize="1" noEditPoints="1" noAdjustHandles="1" noChangeArrowheads="1" noChangeShapeType="1"/>
+          </p:cNvSpPr>
+          <p:nvPr/>
+        </p:nvSpPr>
+        <p:spPr>
+          <a:xfrm>
+            <a:off x="838200" y="681037"/>
+            <a:ext cx="10515599" cy="5495926"/>
+          </a:xfrm>
+          <a:prstGeom prst="rect">
+            <a:avLst/>
+          </a:prstGeom>
+          <a:solidFill>
+            <a:schemeClr val="bg1"/>
+          </a:solidFill>
+          <a:ln>
+            <a:noFill/>
+          </a:ln>
+        </p:spPr>
+        <p:style>
+          <a:lnRef idx="2">
+            <a:schemeClr val="accent1">
+              <a:shade val="15000"/>
+            </a:schemeClr>
+          </a:lnRef>
+          <a:fillRef idx="1">
+            <a:schemeClr val="accent1"/>
+          </a:fillRef>
+          <a:effectRef idx="0">
+            <a:schemeClr val="accent1"/>
+          </a:effectRef>
+          <a:fontRef idx="minor">
+            <a:schemeClr val="lt1"/>
+          </a:fontRef>
+        </p:style>
+        <p:txBody>
+          <a:bodyPr rtlCol="0" anchor="ctr"/>
+          <a:lstStyle/>
+          <a:p>
+            <a:pPr algn="ctr"/>
+            <a:endParaRPr lang="pt-BR" dirty="0">
+              <a:solidFill>
+                <a:schemeClr val="tx1"/>
+              </a:solidFill>
+            </a:endParaRPr>
+          </a:p>
+        </p:txBody>
+      </p:sp>
+      <p:sp>
+        <p:nvSpPr>
+          <p:cNvPr id="2" name="Título 1">
+            <a:extLst>
+              <a:ext uri="{FF2B5EF4-FFF2-40B4-BE49-F238E27FC236}">
+                <a16:creationId xmlns:a16="http://schemas.microsoft.com/office/drawing/2014/main" id="{B49579CD-6587-A521-6C32-7D938D0027AC}"/>
+              </a:ext>
+            </a:extLst>
+          </p:cNvPr>
+          <p:cNvSpPr>
+            <a:spLocks noGrp="1"/>
+          </p:cNvSpPr>
+          <p:nvPr>
+            <p:ph type="title"/>
+          </p:nvPr>
+        </p:nvSpPr>
+        <p:spPr>
+          <a:xfrm>
+            <a:off x="1139083" y="1071314"/>
+            <a:ext cx="9923836" cy="754311"/>
+          </a:xfrm>
+        </p:spPr>
+        <p:txBody>
+          <a:bodyPr/>
+          <a:lstStyle/>
+          <a:p>
+            <a:pPr algn="ctr"/>
+            <a:r>
+              <a:rPr lang="pt-BR" dirty="0"/>
+              <a:t>PROGRAMAÇÃO ORIENTADA A OBJETOS</a:t>
+            </a:r>
+          </a:p>
+        </p:txBody>
+      </p:sp>
+      <p:sp>
+        <p:nvSpPr>
+          <p:cNvPr id="3" name="Espaço Reservado para Conteúdo 2">
+            <a:extLst>
+              <a:ext uri="{FF2B5EF4-FFF2-40B4-BE49-F238E27FC236}">
+                <a16:creationId xmlns:a16="http://schemas.microsoft.com/office/drawing/2014/main" id="{80CAC199-1D2F-2211-A4AF-89385AFFF40B}"/>
+              </a:ext>
+            </a:extLst>
+          </p:cNvPr>
+          <p:cNvSpPr>
+            <a:spLocks noGrp="1"/>
+          </p:cNvSpPr>
+          <p:nvPr>
+            <p:ph idx="1"/>
+          </p:nvPr>
+        </p:nvSpPr>
+        <p:spPr>
+          <a:xfrm>
+            <a:off x="1139083" y="2471957"/>
+            <a:ext cx="4666037" cy="3151009"/>
+          </a:xfrm>
+        </p:spPr>
+        <p:txBody>
+          <a:bodyPr>
+            <a:normAutofit/>
+          </a:bodyPr>
+          <a:lstStyle/>
+          <a:p>
+            <a:pPr algn="l">
+              <a:buFont typeface="Arial" panose="020B0604020202020204" pitchFamily="34" charset="0"/>
+              <a:buChar char="•"/>
+            </a:pPr>
+            <a:r>
+              <a:rPr lang="pt-BR" sz="1400" b="0" i="0" dirty="0">
+                <a:effectLst/>
+                <a:latin typeface="Arial" panose="020B0604020202020204" pitchFamily="34" charset="0"/>
+                <a:cs typeface="Arial" panose="020B0604020202020204" pitchFamily="34" charset="0"/>
+              </a:rPr>
+              <a:t>Baseado na ideia de "objetos" que representam entidades do mundo real.</a:t>
+            </a:r>
+          </a:p>
+          <a:p>
+            <a:pPr algn="l">
+              <a:buFont typeface="Arial" panose="020B0604020202020204" pitchFamily="34" charset="0"/>
+              <a:buChar char="•"/>
+            </a:pPr>
+            <a:r>
+              <a:rPr lang="pt-BR" sz="1400" dirty="0">
+                <a:latin typeface="Arial" panose="020B0604020202020204" pitchFamily="34" charset="0"/>
+                <a:cs typeface="Arial" panose="020B0604020202020204" pitchFamily="34" charset="0"/>
+              </a:rPr>
+              <a:t>Organização do código em Objetos</a:t>
+            </a:r>
+            <a:endParaRPr lang="pt-BR" sz="1400" b="0" i="0" dirty="0">
+              <a:effectLst/>
+              <a:latin typeface="Arial" panose="020B0604020202020204" pitchFamily="34" charset="0"/>
+              <a:cs typeface="Arial" panose="020B0604020202020204" pitchFamily="34" charset="0"/>
+            </a:endParaRPr>
+          </a:p>
+        </p:txBody>
+      </p:sp>
+      <p:sp>
+        <p:nvSpPr>
+          <p:cNvPr id="6" name="Rectangle 3">
+            <a:extLst>
+              <a:ext uri="{FF2B5EF4-FFF2-40B4-BE49-F238E27FC236}">
+                <a16:creationId xmlns:a16="http://schemas.microsoft.com/office/drawing/2014/main" id="{7E4CEF73-C928-6327-E976-E887B8D4DD21}"/>
+              </a:ext>
+            </a:extLst>
+          </p:cNvPr>
+          <p:cNvSpPr>
+            <a:spLocks noChangeArrowheads="1"/>
+          </p:cNvSpPr>
+          <p:nvPr/>
+        </p:nvSpPr>
+        <p:spPr bwMode="auto">
+          <a:xfrm>
+            <a:off x="5418308" y="2725714"/>
+            <a:ext cx="5644610" cy="754310"/>
+          </a:xfrm>
+          <a:prstGeom prst="rect">
+            <a:avLst/>
+          </a:prstGeom>
+          <a:noFill/>
+          <a:ln>
+            <a:noFill/>
+          </a:ln>
+          <a:effectLst/>
+          <a:extLst>
+            <a:ext uri="{909E8E84-426E-40DD-AFC4-6F175D3DCCD1}">
+              <a14:hiddenFill xmlns:a14="http://schemas.microsoft.com/office/drawing/2010/main">
+                <a:solidFill>
+                  <a:schemeClr val="accent1"/>
+                </a:solidFill>
+              </a14:hiddenFill>
+            </a:ext>
+            <a:ext uri="{91240B29-F687-4F45-9708-019B960494DF}">
+              <a14:hiddenLine xmlns:a14="http://schemas.microsoft.com/office/drawing/2010/main" w="9525">
+                <a:solidFill>
+                  <a:schemeClr val="tx1"/>
+                </a:solidFill>
+                <a:miter lim="800000"/>
+                <a:headEnd/>
+                <a:tailEnd/>
+              </a14:hiddenLine>
+            </a:ext>
+            <a:ext uri="{AF507438-7753-43E0-B8FC-AC1667EBCBE1}">
+              <a14:hiddenEffects xmlns:a14="http://schemas.microsoft.com/office/drawing/2010/main">
+                <a:effectLst>
+                  <a:outerShdw dist="35921" dir="2700000" algn="ctr" rotWithShape="0">
+                    <a:schemeClr val="bg2"/>
+                  </a:outerShdw>
+                </a:effectLst>
+              </a14:hiddenEffects>
+            </a:ext>
+          </a:extLst>
+        </p:spPr>
+        <p:txBody>
+          <a:bodyPr vert="horz" wrap="square" lIns="0" tIns="198375" rIns="0" bIns="0" numCol="1" anchor="t" anchorCtr="0" compatLnSpc="1">
+            <a:prstTxWarp prst="textNoShape">
+              <a:avLst/>
+            </a:prstTxWarp>
+            <a:spAutoFit/>
+          </a:bodyPr>
+          <a:lstStyle>
+            <a:lvl1pPr eaLnBrk="0" fontAlgn="base" hangingPunct="0">
+              <a:spcBef>
+                <a:spcPct val="0"/>
+              </a:spcBef>
+              <a:spcAft>
+                <a:spcPct val="0"/>
+              </a:spcAft>
+              <a:defRPr>
+                <a:solidFill>
+                  <a:schemeClr val="tx1"/>
+                </a:solidFill>
+                <a:latin typeface="Arial" panose="020B0604020202020204" pitchFamily="34" charset="0"/>
+              </a:defRPr>
+            </a:lvl1pPr>
+            <a:lvl2pPr eaLnBrk="0" fontAlgn="base" hangingPunct="0">
+              <a:spcBef>
+                <a:spcPct val="0"/>
+              </a:spcBef>
+              <a:spcAft>
+                <a:spcPct val="0"/>
+              </a:spcAft>
+              <a:defRPr>
+                <a:solidFill>
+                  <a:schemeClr val="tx1"/>
+                </a:solidFill>
+                <a:latin typeface="Arial" panose="020B0604020202020204" pitchFamily="34" charset="0"/>
+              </a:defRPr>
+            </a:lvl2pPr>
+            <a:lvl3pPr eaLnBrk="0" fontAlgn="base" hangingPunct="0">
+              <a:spcBef>
+                <a:spcPct val="0"/>
+              </a:spcBef>
+              <a:spcAft>
+                <a:spcPct val="0"/>
+              </a:spcAft>
+              <a:defRPr>
+                <a:solidFill>
+                  <a:schemeClr val="tx1"/>
+                </a:solidFill>
+                <a:latin typeface="Arial" panose="020B0604020202020204" pitchFamily="34" charset="0"/>
+              </a:defRPr>
+            </a:lvl3pPr>
+            <a:lvl4pPr eaLnBrk="0" fontAlgn="base" hangingPunct="0">
+              <a:spcBef>
+                <a:spcPct val="0"/>
+              </a:spcBef>
+              <a:spcAft>
+                <a:spcPct val="0"/>
+              </a:spcAft>
+              <a:defRPr>
+                <a:solidFill>
+                  <a:schemeClr val="tx1"/>
+                </a:solidFill>
+                <a:latin typeface="Arial" panose="020B0604020202020204" pitchFamily="34" charset="0"/>
+              </a:defRPr>
+            </a:lvl4pPr>
+            <a:lvl5pPr eaLnBrk="0" fontAlgn="base" hangingPunct="0">
+              <a:spcBef>
+                <a:spcPct val="0"/>
+              </a:spcBef>
+              <a:spcAft>
+                <a:spcPct val="0"/>
+              </a:spcAft>
+              <a:defRPr>
+                <a:solidFill>
+                  <a:schemeClr val="tx1"/>
+                </a:solidFill>
+                <a:latin typeface="Arial" panose="020B0604020202020204" pitchFamily="34" charset="0"/>
+              </a:defRPr>
+            </a:lvl5pPr>
+            <a:lvl6pPr eaLnBrk="0" fontAlgn="base" hangingPunct="0">
+              <a:spcBef>
+                <a:spcPct val="0"/>
+              </a:spcBef>
+              <a:spcAft>
+                <a:spcPct val="0"/>
+              </a:spcAft>
+              <a:defRPr>
+                <a:solidFill>
+                  <a:schemeClr val="tx1"/>
+                </a:solidFill>
+                <a:latin typeface="Arial" panose="020B0604020202020204" pitchFamily="34" charset="0"/>
+              </a:defRPr>
+            </a:lvl6pPr>
+            <a:lvl7pPr eaLnBrk="0" fontAlgn="base" hangingPunct="0">
+              <a:spcBef>
+                <a:spcPct val="0"/>
+              </a:spcBef>
+              <a:spcAft>
+                <a:spcPct val="0"/>
+              </a:spcAft>
+              <a:defRPr>
+                <a:solidFill>
+                  <a:schemeClr val="tx1"/>
+                </a:solidFill>
+                <a:latin typeface="Arial" panose="020B0604020202020204" pitchFamily="34" charset="0"/>
+              </a:defRPr>
+            </a:lvl7pPr>
+            <a:lvl8pPr eaLnBrk="0" fontAlgn="base" hangingPunct="0">
+              <a:spcBef>
+                <a:spcPct val="0"/>
+              </a:spcBef>
+              <a:spcAft>
+                <a:spcPct val="0"/>
+              </a:spcAft>
+              <a:defRPr>
+                <a:solidFill>
+                  <a:schemeClr val="tx1"/>
+                </a:solidFill>
+                <a:latin typeface="Arial" panose="020B0604020202020204" pitchFamily="34" charset="0"/>
+              </a:defRPr>
+            </a:lvl8pPr>
+            <a:lvl9pPr eaLnBrk="0" fontAlgn="base" hangingPunct="0">
+              <a:spcBef>
+                <a:spcPct val="0"/>
+              </a:spcBef>
+              <a:spcAft>
+                <a:spcPct val="0"/>
+              </a:spcAft>
+              <a:defRPr>
+                <a:solidFill>
+                  <a:schemeClr val="tx1"/>
+                </a:solidFill>
+                <a:latin typeface="Arial" panose="020B0604020202020204" pitchFamily="34" charset="0"/>
+              </a:defRPr>
+            </a:lvl9pPr>
+          </a:lstStyle>
+          <a:p>
+            <a:pPr marL="0" marR="0" lvl="0" indent="0" algn="l" defTabSz="914400" rtl="0" eaLnBrk="0" fontAlgn="base" latinLnBrk="0" hangingPunct="0">
+              <a:lnSpc>
+                <a:spcPct val="100000"/>
+              </a:lnSpc>
+              <a:spcBef>
+                <a:spcPct val="0"/>
+              </a:spcBef>
+              <a:spcAft>
+                <a:spcPct val="0"/>
+              </a:spcAft>
+              <a:buClrTx/>
+              <a:buSzTx/>
+              <a:buFontTx/>
+              <a:buNone/>
+              <a:tabLst/>
+            </a:pPr>
+            <a:br>
+              <a:rPr kumimoji="0" lang="pt-BR" altLang="pt-BR" sz="1800" b="0" i="0" u="none" strike="noStrike" cap="none" normalizeH="0" baseline="0" dirty="0">
+                <a:ln>
+                  <a:noFill/>
+                </a:ln>
+                <a:solidFill>
+                  <a:srgbClr val="FFFFFF"/>
+                </a:solidFill>
+                <a:effectLst/>
+                <a:latin typeface="Söhne"/>
+              </a:rPr>
+            </a:br>
+            <a:endParaRPr kumimoji="0" lang="pt-BR" altLang="pt-BR" sz="1800" b="0" i="0" u="none" strike="noStrike" cap="none" normalizeH="0" baseline="0" dirty="0">
+              <a:ln>
+                <a:noFill/>
+              </a:ln>
+              <a:solidFill>
+                <a:schemeClr val="tx1"/>
+              </a:solidFill>
+              <a:effectLst/>
+              <a:latin typeface="Arial" panose="020B0604020202020204" pitchFamily="34" charset="0"/>
+            </a:endParaRPr>
+          </a:p>
+        </p:txBody>
+      </p:sp>
+      <p:sp>
+        <p:nvSpPr>
+          <p:cNvPr id="10" name="CaixaDeTexto 9">
+            <a:extLst>
+              <a:ext uri="{FF2B5EF4-FFF2-40B4-BE49-F238E27FC236}">
+                <a16:creationId xmlns:a16="http://schemas.microsoft.com/office/drawing/2014/main" id="{A5A78432-07A6-0CF9-5567-7A7B7E3C2D6B}"/>
+              </a:ext>
+            </a:extLst>
+          </p:cNvPr>
+          <p:cNvSpPr txBox="1"/>
+          <p:nvPr/>
+        </p:nvSpPr>
+        <p:spPr>
+          <a:xfrm>
             <a:off x="1139084" y="1825626"/>
             <a:ext cx="4666034" cy="646331"/>
           </a:xfrm>
@@ -4204,7 +6327,7 @@
 </p:sld>
 </file>
 
-<file path=ppt/slides/slide3.xml><?xml version="1.0" encoding="utf-8"?>
+<file path=ppt/slides/slide4.xml><?xml version="1.0" encoding="utf-8"?>
 <p:sld xmlns:a="http://schemas.openxmlformats.org/drawingml/2006/main" xmlns:r="http://schemas.openxmlformats.org/officeDocument/2006/relationships" xmlns:p="http://schemas.openxmlformats.org/presentationml/2006/main">
   <p:cSld>
     <p:spTree>

--- a/Arquivos/Documentos/CURSO DE PYGAME.pptx
+++ b/Arquivos/Documentos/CURSO DE PYGAME.pptx
@@ -8,7 +8,11 @@
     <p:sldId id="256" r:id="rId2"/>
     <p:sldId id="259" r:id="rId3"/>
     <p:sldId id="257" r:id="rId4"/>
-    <p:sldId id="258" r:id="rId5"/>
+    <p:sldId id="260" r:id="rId5"/>
+    <p:sldId id="261" r:id="rId6"/>
+    <p:sldId id="263" r:id="rId7"/>
+    <p:sldId id="262" r:id="rId8"/>
+    <p:sldId id="258" r:id="rId9"/>
   </p:sldIdLst>
   <p:sldSz cx="12192000" cy="6858000"/>
   <p:notesSz cx="6858000" cy="9144000"/>
@@ -268,7 +272,7 @@
           <a:p>
             <a:fld id="{C0631DA2-9681-4FB0-8F63-B77FA97F5F4F}" type="datetimeFigureOut">
               <a:rPr lang="pt-BR" smtClean="0"/>
-              <a:t>31/03/2024</a:t>
+              <a:t>01/04/2024</a:t>
             </a:fld>
             <a:endParaRPr lang="pt-BR"/>
           </a:p>
@@ -466,7 +470,7 @@
           <a:p>
             <a:fld id="{C0631DA2-9681-4FB0-8F63-B77FA97F5F4F}" type="datetimeFigureOut">
               <a:rPr lang="pt-BR" smtClean="0"/>
-              <a:t>31/03/2024</a:t>
+              <a:t>01/04/2024</a:t>
             </a:fld>
             <a:endParaRPr lang="pt-BR"/>
           </a:p>
@@ -674,7 +678,7 @@
           <a:p>
             <a:fld id="{C0631DA2-9681-4FB0-8F63-B77FA97F5F4F}" type="datetimeFigureOut">
               <a:rPr lang="pt-BR" smtClean="0"/>
-              <a:t>31/03/2024</a:t>
+              <a:t>01/04/2024</a:t>
             </a:fld>
             <a:endParaRPr lang="pt-BR"/>
           </a:p>
@@ -872,7 +876,7 @@
           <a:p>
             <a:fld id="{C0631DA2-9681-4FB0-8F63-B77FA97F5F4F}" type="datetimeFigureOut">
               <a:rPr lang="pt-BR" smtClean="0"/>
-              <a:t>31/03/2024</a:t>
+              <a:t>01/04/2024</a:t>
             </a:fld>
             <a:endParaRPr lang="pt-BR"/>
           </a:p>
@@ -1147,7 +1151,7 @@
           <a:p>
             <a:fld id="{C0631DA2-9681-4FB0-8F63-B77FA97F5F4F}" type="datetimeFigureOut">
               <a:rPr lang="pt-BR" smtClean="0"/>
-              <a:t>31/03/2024</a:t>
+              <a:t>01/04/2024</a:t>
             </a:fld>
             <a:endParaRPr lang="pt-BR"/>
           </a:p>
@@ -1412,7 +1416,7 @@
           <a:p>
             <a:fld id="{C0631DA2-9681-4FB0-8F63-B77FA97F5F4F}" type="datetimeFigureOut">
               <a:rPr lang="pt-BR" smtClean="0"/>
-              <a:t>31/03/2024</a:t>
+              <a:t>01/04/2024</a:t>
             </a:fld>
             <a:endParaRPr lang="pt-BR"/>
           </a:p>
@@ -1824,7 +1828,7 @@
           <a:p>
             <a:fld id="{C0631DA2-9681-4FB0-8F63-B77FA97F5F4F}" type="datetimeFigureOut">
               <a:rPr lang="pt-BR" smtClean="0"/>
-              <a:t>31/03/2024</a:t>
+              <a:t>01/04/2024</a:t>
             </a:fld>
             <a:endParaRPr lang="pt-BR"/>
           </a:p>
@@ -1965,7 +1969,7 @@
           <a:p>
             <a:fld id="{C0631DA2-9681-4FB0-8F63-B77FA97F5F4F}" type="datetimeFigureOut">
               <a:rPr lang="pt-BR" smtClean="0"/>
-              <a:t>31/03/2024</a:t>
+              <a:t>01/04/2024</a:t>
             </a:fld>
             <a:endParaRPr lang="pt-BR"/>
           </a:p>
@@ -2078,7 +2082,7 @@
           <a:p>
             <a:fld id="{C0631DA2-9681-4FB0-8F63-B77FA97F5F4F}" type="datetimeFigureOut">
               <a:rPr lang="pt-BR" smtClean="0"/>
-              <a:t>31/03/2024</a:t>
+              <a:t>01/04/2024</a:t>
             </a:fld>
             <a:endParaRPr lang="pt-BR"/>
           </a:p>
@@ -2389,7 +2393,7 @@
           <a:p>
             <a:fld id="{C0631DA2-9681-4FB0-8F63-B77FA97F5F4F}" type="datetimeFigureOut">
               <a:rPr lang="pt-BR" smtClean="0"/>
-              <a:t>31/03/2024</a:t>
+              <a:t>01/04/2024</a:t>
             </a:fld>
             <a:endParaRPr lang="pt-BR"/>
           </a:p>
@@ -2677,7 +2681,7 @@
           <a:p>
             <a:fld id="{C0631DA2-9681-4FB0-8F63-B77FA97F5F4F}" type="datetimeFigureOut">
               <a:rPr lang="pt-BR" smtClean="0"/>
-              <a:t>31/03/2024</a:t>
+              <a:t>01/04/2024</a:t>
             </a:fld>
             <a:endParaRPr lang="pt-BR"/>
           </a:p>
@@ -2918,7 +2922,7 @@
           <a:p>
             <a:fld id="{C0631DA2-9681-4FB0-8F63-B77FA97F5F4F}" type="datetimeFigureOut">
               <a:rPr lang="pt-BR" smtClean="0"/>
-              <a:t>31/03/2024</a:t>
+              <a:t>01/04/2024</a:t>
             </a:fld>
             <a:endParaRPr lang="pt-BR"/>
           </a:p>
@@ -6328,6 +6332,3849 @@
 </file>
 
 <file path=ppt/slides/slide4.xml><?xml version="1.0" encoding="utf-8"?>
+<p:sld xmlns:a="http://schemas.openxmlformats.org/drawingml/2006/main" xmlns:r="http://schemas.openxmlformats.org/officeDocument/2006/relationships" xmlns:p="http://schemas.openxmlformats.org/presentationml/2006/main">
+  <p:cSld>
+    <p:spTree>
+      <p:nvGrpSpPr>
+        <p:cNvPr id="1" name=""/>
+        <p:cNvGrpSpPr/>
+        <p:nvPr/>
+      </p:nvGrpSpPr>
+      <p:grpSpPr>
+        <a:xfrm>
+          <a:off x="0" y="0"/>
+          <a:ext cx="0" cy="0"/>
+          <a:chOff x="0" y="0"/>
+          <a:chExt cx="0" cy="0"/>
+        </a:xfrm>
+      </p:grpSpPr>
+      <p:pic>
+        <p:nvPicPr>
+          <p:cNvPr id="8" name="Imagem 7">
+            <a:extLst>
+              <a:ext uri="{FF2B5EF4-FFF2-40B4-BE49-F238E27FC236}">
+                <a16:creationId xmlns:a16="http://schemas.microsoft.com/office/drawing/2014/main" id="{710F8ED2-0B55-1E17-109D-5D347DA1D4C4}"/>
+              </a:ext>
+              <a:ext uri="{C183D7F6-B498-43B3-948B-1728B52AA6E4}">
+                <adec:decorative xmlns:adec="http://schemas.microsoft.com/office/drawing/2017/decorative" val="1"/>
+              </a:ext>
+            </a:extLst>
+          </p:cNvPr>
+          <p:cNvPicPr>
+            <a:picLocks noGrp="1" noRot="1" noChangeAspect="1" noMove="1" noResize="1" noEditPoints="1" noAdjustHandles="1" noChangeArrowheads="1" noChangeShapeType="1" noCrop="1"/>
+          </p:cNvPicPr>
+          <p:nvPr/>
+        </p:nvPicPr>
+        <p:blipFill>
+          <a:blip r:embed="rId2">
+            <a:extLst>
+              <a:ext uri="{28A0092B-C50C-407E-A947-70E740481C1C}">
+                <a14:useLocalDpi xmlns:a14="http://schemas.microsoft.com/office/drawing/2010/main" val="0"/>
+              </a:ext>
+            </a:extLst>
+          </a:blip>
+          <a:stretch>
+            <a:fillRect/>
+          </a:stretch>
+        </p:blipFill>
+        <p:spPr>
+          <a:xfrm rot="5400000">
+            <a:off x="2667000" y="-2667000"/>
+            <a:ext cx="6858000" cy="12192000"/>
+          </a:xfrm>
+          <a:prstGeom prst="rect">
+            <a:avLst/>
+          </a:prstGeom>
+        </p:spPr>
+      </p:pic>
+      <p:sp>
+        <p:nvSpPr>
+          <p:cNvPr id="9" name="Retângulo 8">
+            <a:extLst>
+              <a:ext uri="{FF2B5EF4-FFF2-40B4-BE49-F238E27FC236}">
+                <a16:creationId xmlns:a16="http://schemas.microsoft.com/office/drawing/2014/main" id="{F99C5232-514F-42CF-D574-1BBE4790CCC4}"/>
+              </a:ext>
+            </a:extLst>
+          </p:cNvPr>
+          <p:cNvSpPr>
+            <a:spLocks noGrp="1" noRot="1" noMove="1" noResize="1" noEditPoints="1" noAdjustHandles="1" noChangeArrowheads="1" noChangeShapeType="1"/>
+          </p:cNvSpPr>
+          <p:nvPr/>
+        </p:nvSpPr>
+        <p:spPr>
+          <a:xfrm>
+            <a:off x="838200" y="681037"/>
+            <a:ext cx="10515599" cy="5495926"/>
+          </a:xfrm>
+          <a:prstGeom prst="rect">
+            <a:avLst/>
+          </a:prstGeom>
+          <a:solidFill>
+            <a:schemeClr val="bg1"/>
+          </a:solidFill>
+          <a:ln>
+            <a:noFill/>
+          </a:ln>
+        </p:spPr>
+        <p:style>
+          <a:lnRef idx="2">
+            <a:schemeClr val="accent1">
+              <a:shade val="15000"/>
+            </a:schemeClr>
+          </a:lnRef>
+          <a:fillRef idx="1">
+            <a:schemeClr val="accent1"/>
+          </a:fillRef>
+          <a:effectRef idx="0">
+            <a:schemeClr val="accent1"/>
+          </a:effectRef>
+          <a:fontRef idx="minor">
+            <a:schemeClr val="lt1"/>
+          </a:fontRef>
+        </p:style>
+        <p:txBody>
+          <a:bodyPr rtlCol="0" anchor="ctr"/>
+          <a:lstStyle/>
+          <a:p>
+            <a:pPr algn="ctr"/>
+            <a:endParaRPr lang="pt-BR" dirty="0">
+              <a:solidFill>
+                <a:schemeClr val="tx1"/>
+              </a:solidFill>
+            </a:endParaRPr>
+          </a:p>
+        </p:txBody>
+      </p:sp>
+      <p:sp>
+        <p:nvSpPr>
+          <p:cNvPr id="2" name="Título 1">
+            <a:extLst>
+              <a:ext uri="{FF2B5EF4-FFF2-40B4-BE49-F238E27FC236}">
+                <a16:creationId xmlns:a16="http://schemas.microsoft.com/office/drawing/2014/main" id="{B49579CD-6587-A521-6C32-7D938D0027AC}"/>
+              </a:ext>
+            </a:extLst>
+          </p:cNvPr>
+          <p:cNvSpPr>
+            <a:spLocks noGrp="1"/>
+          </p:cNvSpPr>
+          <p:nvPr>
+            <p:ph type="title"/>
+          </p:nvPr>
+        </p:nvSpPr>
+        <p:spPr>
+          <a:xfrm>
+            <a:off x="1139083" y="1071314"/>
+            <a:ext cx="9923836" cy="754311"/>
+          </a:xfrm>
+        </p:spPr>
+        <p:txBody>
+          <a:bodyPr/>
+          <a:lstStyle/>
+          <a:p>
+            <a:pPr algn="ctr"/>
+            <a:r>
+              <a:rPr lang="pt-BR" dirty="0"/>
+              <a:t>RECTS</a:t>
+            </a:r>
+          </a:p>
+        </p:txBody>
+      </p:sp>
+      <p:sp>
+        <p:nvSpPr>
+          <p:cNvPr id="3" name="Espaço Reservado para Conteúdo 2">
+            <a:extLst>
+              <a:ext uri="{FF2B5EF4-FFF2-40B4-BE49-F238E27FC236}">
+                <a16:creationId xmlns:a16="http://schemas.microsoft.com/office/drawing/2014/main" id="{80CAC199-1D2F-2211-A4AF-89385AFFF40B}"/>
+              </a:ext>
+            </a:extLst>
+          </p:cNvPr>
+          <p:cNvSpPr>
+            <a:spLocks noGrp="1"/>
+          </p:cNvSpPr>
+          <p:nvPr>
+            <p:ph idx="1"/>
+          </p:nvPr>
+        </p:nvSpPr>
+        <p:spPr>
+          <a:xfrm>
+            <a:off x="2033822" y="3509520"/>
+            <a:ext cx="4050286" cy="1111042"/>
+          </a:xfrm>
+        </p:spPr>
+        <p:txBody>
+          <a:bodyPr>
+            <a:normAutofit lnSpcReduction="10000"/>
+          </a:bodyPr>
+          <a:lstStyle/>
+          <a:p>
+            <a:pPr algn="l">
+              <a:buFont typeface="Arial" panose="020B0604020202020204" pitchFamily="34" charset="0"/>
+              <a:buChar char="•"/>
+            </a:pPr>
+            <a:r>
+              <a:rPr lang="pt-BR" sz="1400" b="0" i="0" dirty="0">
+                <a:effectLst/>
+                <a:latin typeface="Arial" panose="020B0604020202020204" pitchFamily="34" charset="0"/>
+                <a:cs typeface="Arial" panose="020B0604020202020204" pitchFamily="34" charset="0"/>
+              </a:rPr>
+              <a:t>Utilizado para representar o retângulo do jogador.</a:t>
+            </a:r>
+          </a:p>
+          <a:p>
+            <a:pPr algn="l">
+              <a:buFont typeface="Arial" panose="020B0604020202020204" pitchFamily="34" charset="0"/>
+              <a:buChar char="•"/>
+            </a:pPr>
+            <a:r>
+              <a:rPr lang="pt-BR" sz="1400" b="0" i="0" dirty="0">
+                <a:effectLst/>
+                <a:latin typeface="Arial" panose="020B0604020202020204" pitchFamily="34" charset="0"/>
+                <a:cs typeface="Arial" panose="020B0604020202020204" pitchFamily="34" charset="0"/>
+              </a:rPr>
+              <a:t>Detecta colisões</a:t>
+            </a:r>
+          </a:p>
+          <a:p>
+            <a:pPr algn="l">
+              <a:buFont typeface="Arial" panose="020B0604020202020204" pitchFamily="34" charset="0"/>
+              <a:buChar char="•"/>
+            </a:pPr>
+            <a:r>
+              <a:rPr lang="pt-BR" sz="1400" dirty="0">
+                <a:latin typeface="Arial" panose="020B0604020202020204" pitchFamily="34" charset="0"/>
+                <a:cs typeface="Arial" panose="020B0604020202020204" pitchFamily="34" charset="0"/>
+              </a:rPr>
+              <a:t>Utilizado para a movimentação do jogador</a:t>
+            </a:r>
+            <a:endParaRPr lang="pt-BR" sz="1400" b="0" i="0" dirty="0">
+              <a:effectLst/>
+              <a:latin typeface="Arial" panose="020B0604020202020204" pitchFamily="34" charset="0"/>
+              <a:cs typeface="Arial" panose="020B0604020202020204" pitchFamily="34" charset="0"/>
+            </a:endParaRPr>
+          </a:p>
+        </p:txBody>
+      </p:sp>
+      <p:sp>
+        <p:nvSpPr>
+          <p:cNvPr id="6" name="Rectangle 3">
+            <a:extLst>
+              <a:ext uri="{FF2B5EF4-FFF2-40B4-BE49-F238E27FC236}">
+                <a16:creationId xmlns:a16="http://schemas.microsoft.com/office/drawing/2014/main" id="{7E4CEF73-C928-6327-E976-E887B8D4DD21}"/>
+              </a:ext>
+            </a:extLst>
+          </p:cNvPr>
+          <p:cNvSpPr>
+            <a:spLocks noChangeArrowheads="1"/>
+          </p:cNvSpPr>
+          <p:nvPr/>
+        </p:nvSpPr>
+        <p:spPr bwMode="auto">
+          <a:xfrm>
+            <a:off x="5418308" y="2725714"/>
+            <a:ext cx="5644610" cy="754310"/>
+          </a:xfrm>
+          <a:prstGeom prst="rect">
+            <a:avLst/>
+          </a:prstGeom>
+          <a:noFill/>
+          <a:ln>
+            <a:noFill/>
+          </a:ln>
+          <a:effectLst/>
+          <a:extLst>
+            <a:ext uri="{909E8E84-426E-40DD-AFC4-6F175D3DCCD1}">
+              <a14:hiddenFill xmlns:a14="http://schemas.microsoft.com/office/drawing/2010/main">
+                <a:solidFill>
+                  <a:schemeClr val="accent1"/>
+                </a:solidFill>
+              </a14:hiddenFill>
+            </a:ext>
+            <a:ext uri="{91240B29-F687-4F45-9708-019B960494DF}">
+              <a14:hiddenLine xmlns:a14="http://schemas.microsoft.com/office/drawing/2010/main" w="9525">
+                <a:solidFill>
+                  <a:schemeClr val="tx1"/>
+                </a:solidFill>
+                <a:miter lim="800000"/>
+                <a:headEnd/>
+                <a:tailEnd/>
+              </a14:hiddenLine>
+            </a:ext>
+            <a:ext uri="{AF507438-7753-43E0-B8FC-AC1667EBCBE1}">
+              <a14:hiddenEffects xmlns:a14="http://schemas.microsoft.com/office/drawing/2010/main">
+                <a:effectLst>
+                  <a:outerShdw dist="35921" dir="2700000" algn="ctr" rotWithShape="0">
+                    <a:schemeClr val="bg2"/>
+                  </a:outerShdw>
+                </a:effectLst>
+              </a14:hiddenEffects>
+            </a:ext>
+          </a:extLst>
+        </p:spPr>
+        <p:txBody>
+          <a:bodyPr vert="horz" wrap="square" lIns="0" tIns="198375" rIns="0" bIns="0" numCol="1" anchor="t" anchorCtr="0" compatLnSpc="1">
+            <a:prstTxWarp prst="textNoShape">
+              <a:avLst/>
+            </a:prstTxWarp>
+            <a:spAutoFit/>
+          </a:bodyPr>
+          <a:lstStyle>
+            <a:lvl1pPr eaLnBrk="0" fontAlgn="base" hangingPunct="0">
+              <a:spcBef>
+                <a:spcPct val="0"/>
+              </a:spcBef>
+              <a:spcAft>
+                <a:spcPct val="0"/>
+              </a:spcAft>
+              <a:defRPr>
+                <a:solidFill>
+                  <a:schemeClr val="tx1"/>
+                </a:solidFill>
+                <a:latin typeface="Arial" panose="020B0604020202020204" pitchFamily="34" charset="0"/>
+              </a:defRPr>
+            </a:lvl1pPr>
+            <a:lvl2pPr eaLnBrk="0" fontAlgn="base" hangingPunct="0">
+              <a:spcBef>
+                <a:spcPct val="0"/>
+              </a:spcBef>
+              <a:spcAft>
+                <a:spcPct val="0"/>
+              </a:spcAft>
+              <a:defRPr>
+                <a:solidFill>
+                  <a:schemeClr val="tx1"/>
+                </a:solidFill>
+                <a:latin typeface="Arial" panose="020B0604020202020204" pitchFamily="34" charset="0"/>
+              </a:defRPr>
+            </a:lvl2pPr>
+            <a:lvl3pPr eaLnBrk="0" fontAlgn="base" hangingPunct="0">
+              <a:spcBef>
+                <a:spcPct val="0"/>
+              </a:spcBef>
+              <a:spcAft>
+                <a:spcPct val="0"/>
+              </a:spcAft>
+              <a:defRPr>
+                <a:solidFill>
+                  <a:schemeClr val="tx1"/>
+                </a:solidFill>
+                <a:latin typeface="Arial" panose="020B0604020202020204" pitchFamily="34" charset="0"/>
+              </a:defRPr>
+            </a:lvl3pPr>
+            <a:lvl4pPr eaLnBrk="0" fontAlgn="base" hangingPunct="0">
+              <a:spcBef>
+                <a:spcPct val="0"/>
+              </a:spcBef>
+              <a:spcAft>
+                <a:spcPct val="0"/>
+              </a:spcAft>
+              <a:defRPr>
+                <a:solidFill>
+                  <a:schemeClr val="tx1"/>
+                </a:solidFill>
+                <a:latin typeface="Arial" panose="020B0604020202020204" pitchFamily="34" charset="0"/>
+              </a:defRPr>
+            </a:lvl4pPr>
+            <a:lvl5pPr eaLnBrk="0" fontAlgn="base" hangingPunct="0">
+              <a:spcBef>
+                <a:spcPct val="0"/>
+              </a:spcBef>
+              <a:spcAft>
+                <a:spcPct val="0"/>
+              </a:spcAft>
+              <a:defRPr>
+                <a:solidFill>
+                  <a:schemeClr val="tx1"/>
+                </a:solidFill>
+                <a:latin typeface="Arial" panose="020B0604020202020204" pitchFamily="34" charset="0"/>
+              </a:defRPr>
+            </a:lvl5pPr>
+            <a:lvl6pPr eaLnBrk="0" fontAlgn="base" hangingPunct="0">
+              <a:spcBef>
+                <a:spcPct val="0"/>
+              </a:spcBef>
+              <a:spcAft>
+                <a:spcPct val="0"/>
+              </a:spcAft>
+              <a:defRPr>
+                <a:solidFill>
+                  <a:schemeClr val="tx1"/>
+                </a:solidFill>
+                <a:latin typeface="Arial" panose="020B0604020202020204" pitchFamily="34" charset="0"/>
+              </a:defRPr>
+            </a:lvl6pPr>
+            <a:lvl7pPr eaLnBrk="0" fontAlgn="base" hangingPunct="0">
+              <a:spcBef>
+                <a:spcPct val="0"/>
+              </a:spcBef>
+              <a:spcAft>
+                <a:spcPct val="0"/>
+              </a:spcAft>
+              <a:defRPr>
+                <a:solidFill>
+                  <a:schemeClr val="tx1"/>
+                </a:solidFill>
+                <a:latin typeface="Arial" panose="020B0604020202020204" pitchFamily="34" charset="0"/>
+              </a:defRPr>
+            </a:lvl7pPr>
+            <a:lvl8pPr eaLnBrk="0" fontAlgn="base" hangingPunct="0">
+              <a:spcBef>
+                <a:spcPct val="0"/>
+              </a:spcBef>
+              <a:spcAft>
+                <a:spcPct val="0"/>
+              </a:spcAft>
+              <a:defRPr>
+                <a:solidFill>
+                  <a:schemeClr val="tx1"/>
+                </a:solidFill>
+                <a:latin typeface="Arial" panose="020B0604020202020204" pitchFamily="34" charset="0"/>
+              </a:defRPr>
+            </a:lvl8pPr>
+            <a:lvl9pPr eaLnBrk="0" fontAlgn="base" hangingPunct="0">
+              <a:spcBef>
+                <a:spcPct val="0"/>
+              </a:spcBef>
+              <a:spcAft>
+                <a:spcPct val="0"/>
+              </a:spcAft>
+              <a:defRPr>
+                <a:solidFill>
+                  <a:schemeClr val="tx1"/>
+                </a:solidFill>
+                <a:latin typeface="Arial" panose="020B0604020202020204" pitchFamily="34" charset="0"/>
+              </a:defRPr>
+            </a:lvl9pPr>
+          </a:lstStyle>
+          <a:p>
+            <a:pPr marL="0" marR="0" lvl="0" indent="0" algn="l" defTabSz="914400" rtl="0" eaLnBrk="0" fontAlgn="base" latinLnBrk="0" hangingPunct="0">
+              <a:lnSpc>
+                <a:spcPct val="100000"/>
+              </a:lnSpc>
+              <a:spcBef>
+                <a:spcPct val="0"/>
+              </a:spcBef>
+              <a:spcAft>
+                <a:spcPct val="0"/>
+              </a:spcAft>
+              <a:buClrTx/>
+              <a:buSzTx/>
+              <a:buFontTx/>
+              <a:buNone/>
+              <a:tabLst/>
+            </a:pPr>
+            <a:br>
+              <a:rPr kumimoji="0" lang="pt-BR" altLang="pt-BR" sz="1800" b="0" i="0" u="none" strike="noStrike" cap="none" normalizeH="0" baseline="0" dirty="0">
+                <a:ln>
+                  <a:noFill/>
+                </a:ln>
+                <a:solidFill>
+                  <a:srgbClr val="FFFFFF"/>
+                </a:solidFill>
+                <a:effectLst/>
+                <a:latin typeface="Söhne"/>
+              </a:rPr>
+            </a:br>
+            <a:endParaRPr kumimoji="0" lang="pt-BR" altLang="pt-BR" sz="1800" b="0" i="0" u="none" strike="noStrike" cap="none" normalizeH="0" baseline="0" dirty="0">
+              <a:ln>
+                <a:noFill/>
+              </a:ln>
+              <a:solidFill>
+                <a:schemeClr val="tx1"/>
+              </a:solidFill>
+              <a:effectLst/>
+              <a:latin typeface="Arial" panose="020B0604020202020204" pitchFamily="34" charset="0"/>
+            </a:endParaRPr>
+          </a:p>
+        </p:txBody>
+      </p:sp>
+      <p:sp>
+        <p:nvSpPr>
+          <p:cNvPr id="10" name="CaixaDeTexto 9">
+            <a:extLst>
+              <a:ext uri="{FF2B5EF4-FFF2-40B4-BE49-F238E27FC236}">
+                <a16:creationId xmlns:a16="http://schemas.microsoft.com/office/drawing/2014/main" id="{A5A78432-07A6-0CF9-5567-7A7B7E3C2D6B}"/>
+              </a:ext>
+            </a:extLst>
+          </p:cNvPr>
+          <p:cNvSpPr txBox="1"/>
+          <p:nvPr/>
+        </p:nvSpPr>
+        <p:spPr>
+          <a:xfrm>
+            <a:off x="2021962" y="2063317"/>
+            <a:ext cx="4050292" cy="800219"/>
+          </a:xfrm>
+          <a:prstGeom prst="rect">
+            <a:avLst/>
+          </a:prstGeom>
+          <a:noFill/>
+        </p:spPr>
+        <p:txBody>
+          <a:bodyPr wrap="square" rtlCol="0" anchor="ctr">
+            <a:spAutoFit/>
+          </a:bodyPr>
+          <a:lstStyle/>
+          <a:p>
+            <a:pPr algn="just"/>
+            <a:r>
+              <a:rPr lang="pt-BR" sz="1400" dirty="0">
+                <a:latin typeface="Arial" panose="020B0604020202020204" pitchFamily="34" charset="0"/>
+                <a:cs typeface="Arial" panose="020B0604020202020204" pitchFamily="34" charset="0"/>
+              </a:rPr>
+              <a:t>Um </a:t>
+            </a:r>
+            <a:r>
+              <a:rPr lang="pt-BR" sz="1400" dirty="0" err="1">
+                <a:latin typeface="Arial" panose="020B0604020202020204" pitchFamily="34" charset="0"/>
+                <a:cs typeface="Arial" panose="020B0604020202020204" pitchFamily="34" charset="0"/>
+              </a:rPr>
+              <a:t>rect</a:t>
+            </a:r>
+            <a:r>
+              <a:rPr lang="pt-BR" sz="1400" dirty="0">
+                <a:latin typeface="Arial" panose="020B0604020202020204" pitchFamily="34" charset="0"/>
+                <a:cs typeface="Arial" panose="020B0604020202020204" pitchFamily="34" charset="0"/>
+              </a:rPr>
+              <a:t> é um retângulo próprio do </a:t>
+            </a:r>
+            <a:r>
+              <a:rPr lang="pt-BR" sz="1400" dirty="0" err="1">
+                <a:latin typeface="Arial" panose="020B0604020202020204" pitchFamily="34" charset="0"/>
+                <a:cs typeface="Arial" panose="020B0604020202020204" pitchFamily="34" charset="0"/>
+              </a:rPr>
+              <a:t>pygame</a:t>
+            </a:r>
+            <a:r>
+              <a:rPr lang="pt-BR" sz="1400" dirty="0">
+                <a:latin typeface="Arial" panose="020B0604020202020204" pitchFamily="34" charset="0"/>
+                <a:cs typeface="Arial" panose="020B0604020202020204" pitchFamily="34" charset="0"/>
+              </a:rPr>
+              <a:t>, utilizado para manipular áreas retangulares</a:t>
+            </a:r>
+          </a:p>
+          <a:p>
+            <a:pPr algn="ctr"/>
+            <a:endParaRPr lang="pt-BR" dirty="0"/>
+          </a:p>
+        </p:txBody>
+      </p:sp>
+      <p:sp>
+        <p:nvSpPr>
+          <p:cNvPr id="4" name="Retângulo 3">
+            <a:extLst>
+              <a:ext uri="{FF2B5EF4-FFF2-40B4-BE49-F238E27FC236}">
+                <a16:creationId xmlns:a16="http://schemas.microsoft.com/office/drawing/2014/main" id="{81106044-E0F5-AF4B-1709-685F283521DC}"/>
+              </a:ext>
+            </a:extLst>
+          </p:cNvPr>
+          <p:cNvSpPr/>
+          <p:nvPr/>
+        </p:nvSpPr>
+        <p:spPr>
+          <a:xfrm>
+            <a:off x="7959670" y="2368208"/>
+            <a:ext cx="1641987" cy="2450411"/>
+          </a:xfrm>
+          <a:prstGeom prst="rect">
+            <a:avLst/>
+          </a:prstGeom>
+          <a:solidFill>
+            <a:schemeClr val="accent1">
+              <a:lumMod val="40000"/>
+              <a:lumOff val="60000"/>
+            </a:schemeClr>
+          </a:solidFill>
+          <a:ln>
+            <a:solidFill>
+              <a:schemeClr val="tx2">
+                <a:lumMod val="75000"/>
+                <a:lumOff val="25000"/>
+              </a:schemeClr>
+            </a:solidFill>
+            <a:prstDash val="lgDash"/>
+          </a:ln>
+        </p:spPr>
+        <p:style>
+          <a:lnRef idx="2">
+            <a:schemeClr val="accent1">
+              <a:shade val="15000"/>
+            </a:schemeClr>
+          </a:lnRef>
+          <a:fillRef idx="1">
+            <a:schemeClr val="accent1"/>
+          </a:fillRef>
+          <a:effectRef idx="0">
+            <a:schemeClr val="accent1"/>
+          </a:effectRef>
+          <a:fontRef idx="minor">
+            <a:schemeClr val="lt1"/>
+          </a:fontRef>
+        </p:style>
+        <p:txBody>
+          <a:bodyPr rtlCol="0" anchor="ctr"/>
+          <a:lstStyle/>
+          <a:p>
+            <a:pPr algn="ctr"/>
+            <a:endParaRPr lang="pt-BR"/>
+          </a:p>
+        </p:txBody>
+      </p:sp>
+      <p:sp>
+        <p:nvSpPr>
+          <p:cNvPr id="5" name="Chave Direita 4">
+            <a:extLst>
+              <a:ext uri="{FF2B5EF4-FFF2-40B4-BE49-F238E27FC236}">
+                <a16:creationId xmlns:a16="http://schemas.microsoft.com/office/drawing/2014/main" id="{9C653163-BAB5-CA0B-D3AF-FA207489281E}"/>
+              </a:ext>
+            </a:extLst>
+          </p:cNvPr>
+          <p:cNvSpPr/>
+          <p:nvPr/>
+        </p:nvSpPr>
+        <p:spPr>
+          <a:xfrm>
+            <a:off x="9830596" y="2363844"/>
+            <a:ext cx="568381" cy="2431109"/>
+          </a:xfrm>
+          <a:prstGeom prst="rightBrace">
+            <a:avLst/>
+          </a:prstGeom>
+        </p:spPr>
+        <p:style>
+          <a:lnRef idx="2">
+            <a:schemeClr val="accent1"/>
+          </a:lnRef>
+          <a:fillRef idx="0">
+            <a:schemeClr val="accent1"/>
+          </a:fillRef>
+          <a:effectRef idx="1">
+            <a:schemeClr val="accent1"/>
+          </a:effectRef>
+          <a:fontRef idx="minor">
+            <a:schemeClr val="tx1"/>
+          </a:fontRef>
+        </p:style>
+        <p:txBody>
+          <a:bodyPr rtlCol="0" anchor="ctr"/>
+          <a:lstStyle/>
+          <a:p>
+            <a:pPr algn="ctr"/>
+            <a:endParaRPr lang="pt-BR" dirty="0"/>
+          </a:p>
+        </p:txBody>
+      </p:sp>
+      <p:sp>
+        <p:nvSpPr>
+          <p:cNvPr id="7" name="Chave Direita 6">
+            <a:extLst>
+              <a:ext uri="{FF2B5EF4-FFF2-40B4-BE49-F238E27FC236}">
+                <a16:creationId xmlns:a16="http://schemas.microsoft.com/office/drawing/2014/main" id="{7233BEF8-70FC-226B-F420-67BA228D05F5}"/>
+              </a:ext>
+            </a:extLst>
+          </p:cNvPr>
+          <p:cNvSpPr/>
+          <p:nvPr/>
+        </p:nvSpPr>
+        <p:spPr>
+          <a:xfrm rot="5400000">
+            <a:off x="8565923" y="4389326"/>
+            <a:ext cx="429479" cy="1641987"/>
+          </a:xfrm>
+          <a:prstGeom prst="rightBrace">
+            <a:avLst/>
+          </a:prstGeom>
+        </p:spPr>
+        <p:style>
+          <a:lnRef idx="2">
+            <a:schemeClr val="accent1"/>
+          </a:lnRef>
+          <a:fillRef idx="0">
+            <a:schemeClr val="accent1"/>
+          </a:fillRef>
+          <a:effectRef idx="1">
+            <a:schemeClr val="accent1"/>
+          </a:effectRef>
+          <a:fontRef idx="minor">
+            <a:schemeClr val="tx1"/>
+          </a:fontRef>
+        </p:style>
+        <p:txBody>
+          <a:bodyPr rtlCol="0" anchor="ctr"/>
+          <a:lstStyle/>
+          <a:p>
+            <a:pPr algn="ctr"/>
+            <a:endParaRPr lang="pt-BR" dirty="0"/>
+          </a:p>
+        </p:txBody>
+      </p:sp>
+      <p:sp>
+        <p:nvSpPr>
+          <p:cNvPr id="13" name="CaixaDeTexto 12">
+            <a:extLst>
+              <a:ext uri="{FF2B5EF4-FFF2-40B4-BE49-F238E27FC236}">
+                <a16:creationId xmlns:a16="http://schemas.microsoft.com/office/drawing/2014/main" id="{809CF858-D7F4-C69F-56C1-2A55299F76A5}"/>
+              </a:ext>
+            </a:extLst>
+          </p:cNvPr>
+          <p:cNvSpPr txBox="1"/>
+          <p:nvPr/>
+        </p:nvSpPr>
+        <p:spPr>
+          <a:xfrm>
+            <a:off x="10315437" y="3394732"/>
+            <a:ext cx="1002890" cy="646331"/>
+          </a:xfrm>
+          <a:prstGeom prst="rect">
+            <a:avLst/>
+          </a:prstGeom>
+          <a:noFill/>
+        </p:spPr>
+        <p:txBody>
+          <a:bodyPr wrap="square" rtlCol="0">
+            <a:spAutoFit/>
+          </a:bodyPr>
+          <a:lstStyle/>
+          <a:p>
+            <a:pPr algn="ctr"/>
+            <a:r>
+              <a:rPr lang="pt-BR" dirty="0"/>
+              <a:t>altura</a:t>
+            </a:r>
+          </a:p>
+          <a:p>
+            <a:pPr algn="ctr"/>
+            <a:r>
+              <a:rPr lang="pt-BR" dirty="0"/>
+              <a:t>(</a:t>
+            </a:r>
+            <a:r>
+              <a:rPr lang="pt-BR" dirty="0" err="1"/>
+              <a:t>height</a:t>
+            </a:r>
+            <a:r>
+              <a:rPr lang="pt-BR" dirty="0"/>
+              <a:t>)</a:t>
+            </a:r>
+          </a:p>
+        </p:txBody>
+      </p:sp>
+      <p:sp>
+        <p:nvSpPr>
+          <p:cNvPr id="14" name="CaixaDeTexto 13">
+            <a:extLst>
+              <a:ext uri="{FF2B5EF4-FFF2-40B4-BE49-F238E27FC236}">
+                <a16:creationId xmlns:a16="http://schemas.microsoft.com/office/drawing/2014/main" id="{D7F18C0A-05B7-67E2-7BAF-744A37E18FDE}"/>
+              </a:ext>
+            </a:extLst>
+          </p:cNvPr>
+          <p:cNvSpPr txBox="1"/>
+          <p:nvPr/>
+        </p:nvSpPr>
+        <p:spPr>
+          <a:xfrm>
+            <a:off x="8264468" y="5417354"/>
+            <a:ext cx="1032387" cy="646331"/>
+          </a:xfrm>
+          <a:prstGeom prst="rect">
+            <a:avLst/>
+          </a:prstGeom>
+          <a:noFill/>
+        </p:spPr>
+        <p:txBody>
+          <a:bodyPr wrap="square" rtlCol="0">
+            <a:spAutoFit/>
+          </a:bodyPr>
+          <a:lstStyle/>
+          <a:p>
+            <a:pPr algn="ctr"/>
+            <a:r>
+              <a:rPr lang="pt-BR" dirty="0"/>
+              <a:t>largura</a:t>
+            </a:r>
+          </a:p>
+          <a:p>
+            <a:pPr algn="ctr"/>
+            <a:r>
+              <a:rPr lang="pt-BR" dirty="0"/>
+              <a:t>(</a:t>
+            </a:r>
+            <a:r>
+              <a:rPr lang="pt-BR" dirty="0" err="1"/>
+              <a:t>width</a:t>
+            </a:r>
+            <a:r>
+              <a:rPr lang="pt-BR" dirty="0"/>
+              <a:t>)</a:t>
+            </a:r>
+          </a:p>
+        </p:txBody>
+      </p:sp>
+      <p:sp>
+        <p:nvSpPr>
+          <p:cNvPr id="15" name="Retângulo: Cantos Arredondados 14">
+            <a:extLst>
+              <a:ext uri="{FF2B5EF4-FFF2-40B4-BE49-F238E27FC236}">
+                <a16:creationId xmlns:a16="http://schemas.microsoft.com/office/drawing/2014/main" id="{D65CBF8E-9A7B-DE72-241E-4A28E979CCBA}"/>
+              </a:ext>
+            </a:extLst>
+          </p:cNvPr>
+          <p:cNvSpPr/>
+          <p:nvPr/>
+        </p:nvSpPr>
+        <p:spPr>
+          <a:xfrm>
+            <a:off x="2033821" y="2862303"/>
+            <a:ext cx="4050292" cy="310243"/>
+          </a:xfrm>
+          <a:prstGeom prst="roundRect">
+            <a:avLst/>
+          </a:prstGeom>
+          <a:solidFill>
+            <a:schemeClr val="bg1">
+              <a:lumMod val="95000"/>
+            </a:schemeClr>
+          </a:solidFill>
+          <a:ln w="3175">
+            <a:solidFill>
+              <a:schemeClr val="bg2">
+                <a:lumMod val="75000"/>
+              </a:schemeClr>
+            </a:solidFill>
+          </a:ln>
+          <a:effectLst>
+            <a:outerShdw blurRad="127000" dist="38100" dir="5400000" sx="80000" sy="80000" algn="t" rotWithShape="0">
+              <a:schemeClr val="tx1">
+                <a:lumMod val="50000"/>
+                <a:lumOff val="50000"/>
+                <a:alpha val="40000"/>
+              </a:schemeClr>
+            </a:outerShdw>
+          </a:effectLst>
+        </p:spPr>
+        <p:style>
+          <a:lnRef idx="2">
+            <a:schemeClr val="accent1">
+              <a:shade val="15000"/>
+            </a:schemeClr>
+          </a:lnRef>
+          <a:fillRef idx="1">
+            <a:schemeClr val="accent1"/>
+          </a:fillRef>
+          <a:effectRef idx="0">
+            <a:schemeClr val="accent1"/>
+          </a:effectRef>
+          <a:fontRef idx="minor">
+            <a:schemeClr val="lt1"/>
+          </a:fontRef>
+        </p:style>
+        <p:txBody>
+          <a:bodyPr rtlCol="0" anchor="ctr"/>
+          <a:lstStyle/>
+          <a:p>
+            <a:r>
+              <a:rPr lang="pt-BR" sz="1000" dirty="0" err="1">
+                <a:solidFill>
+                  <a:schemeClr val="tx1"/>
+                </a:solidFill>
+                <a:latin typeface="MS Gothic" panose="020B0609070205080204" pitchFamily="49" charset="-128"/>
+                <a:ea typeface="MS Gothic" panose="020B0609070205080204" pitchFamily="49" charset="-128"/>
+              </a:rPr>
+              <a:t>jogadorRect</a:t>
+            </a:r>
+            <a:r>
+              <a:rPr lang="pt-BR" sz="1000" dirty="0">
+                <a:solidFill>
+                  <a:schemeClr val="tx1"/>
+                </a:solidFill>
+                <a:latin typeface="MS Gothic" panose="020B0609070205080204" pitchFamily="49" charset="-128"/>
+                <a:ea typeface="MS Gothic" panose="020B0609070205080204" pitchFamily="49" charset="-128"/>
+              </a:rPr>
+              <a:t> = </a:t>
+            </a:r>
+            <a:r>
+              <a:rPr lang="pt-BR" sz="1000" dirty="0" err="1">
+                <a:solidFill>
+                  <a:schemeClr val="tx1"/>
+                </a:solidFill>
+                <a:latin typeface="MS Gothic" panose="020B0609070205080204" pitchFamily="49" charset="-128"/>
+                <a:ea typeface="MS Gothic" panose="020B0609070205080204" pitchFamily="49" charset="-128"/>
+              </a:rPr>
+              <a:t>pygame.Rect</a:t>
+            </a:r>
+            <a:r>
+              <a:rPr lang="pt-BR" sz="1000" dirty="0">
+                <a:solidFill>
+                  <a:schemeClr val="tx1"/>
+                </a:solidFill>
+                <a:latin typeface="MS Gothic" panose="020B0609070205080204" pitchFamily="49" charset="-128"/>
+                <a:ea typeface="MS Gothic" panose="020B0609070205080204" pitchFamily="49" charset="-128"/>
+              </a:rPr>
+              <a:t>(</a:t>
+            </a:r>
+            <a:r>
+              <a:rPr lang="pt-BR" sz="1000" dirty="0" err="1">
+                <a:solidFill>
+                  <a:schemeClr val="tx1"/>
+                </a:solidFill>
+                <a:latin typeface="MS Gothic" panose="020B0609070205080204" pitchFamily="49" charset="-128"/>
+                <a:ea typeface="MS Gothic" panose="020B0609070205080204" pitchFamily="49" charset="-128"/>
+              </a:rPr>
+              <a:t>left</a:t>
+            </a:r>
+            <a:r>
+              <a:rPr lang="pt-BR" sz="1000" dirty="0">
+                <a:solidFill>
+                  <a:schemeClr val="tx1"/>
+                </a:solidFill>
+                <a:latin typeface="MS Gothic" panose="020B0609070205080204" pitchFamily="49" charset="-128"/>
+                <a:ea typeface="MS Gothic" panose="020B0609070205080204" pitchFamily="49" charset="-128"/>
+              </a:rPr>
+              <a:t>, top, </a:t>
+            </a:r>
+            <a:r>
+              <a:rPr lang="pt-BR" sz="1000" dirty="0" err="1">
+                <a:solidFill>
+                  <a:schemeClr val="tx1"/>
+                </a:solidFill>
+                <a:latin typeface="MS Gothic" panose="020B0609070205080204" pitchFamily="49" charset="-128"/>
+                <a:ea typeface="MS Gothic" panose="020B0609070205080204" pitchFamily="49" charset="-128"/>
+              </a:rPr>
+              <a:t>width</a:t>
+            </a:r>
+            <a:r>
+              <a:rPr lang="pt-BR" sz="1000" dirty="0">
+                <a:solidFill>
+                  <a:schemeClr val="tx1"/>
+                </a:solidFill>
+                <a:latin typeface="MS Gothic" panose="020B0609070205080204" pitchFamily="49" charset="-128"/>
+                <a:ea typeface="MS Gothic" panose="020B0609070205080204" pitchFamily="49" charset="-128"/>
+              </a:rPr>
+              <a:t>, </a:t>
+            </a:r>
+            <a:r>
+              <a:rPr lang="pt-BR" sz="1000" dirty="0" err="1">
+                <a:solidFill>
+                  <a:schemeClr val="tx1"/>
+                </a:solidFill>
+                <a:latin typeface="MS Gothic" panose="020B0609070205080204" pitchFamily="49" charset="-128"/>
+                <a:ea typeface="MS Gothic" panose="020B0609070205080204" pitchFamily="49" charset="-128"/>
+              </a:rPr>
+              <a:t>height</a:t>
+            </a:r>
+            <a:r>
+              <a:rPr lang="pt-BR" sz="1000" dirty="0">
+                <a:solidFill>
+                  <a:schemeClr val="tx1"/>
+                </a:solidFill>
+                <a:latin typeface="MS Gothic" panose="020B0609070205080204" pitchFamily="49" charset="-128"/>
+                <a:ea typeface="MS Gothic" panose="020B0609070205080204" pitchFamily="49" charset="-128"/>
+              </a:rPr>
+              <a:t>)</a:t>
+            </a:r>
+          </a:p>
+        </p:txBody>
+      </p:sp>
+      <p:sp>
+        <p:nvSpPr>
+          <p:cNvPr id="16" name="Retângulo: Cantos Arredondados 15">
+            <a:extLst>
+              <a:ext uri="{FF2B5EF4-FFF2-40B4-BE49-F238E27FC236}">
+                <a16:creationId xmlns:a16="http://schemas.microsoft.com/office/drawing/2014/main" id="{AF9D6359-ADE6-D17C-6177-5DD12314F81B}"/>
+              </a:ext>
+            </a:extLst>
+          </p:cNvPr>
+          <p:cNvSpPr/>
+          <p:nvPr/>
+        </p:nvSpPr>
+        <p:spPr>
+          <a:xfrm>
+            <a:off x="2033821" y="4929572"/>
+            <a:ext cx="4050292" cy="310243"/>
+          </a:xfrm>
+          <a:prstGeom prst="roundRect">
+            <a:avLst/>
+          </a:prstGeom>
+          <a:solidFill>
+            <a:schemeClr val="bg1">
+              <a:lumMod val="95000"/>
+            </a:schemeClr>
+          </a:solidFill>
+          <a:ln w="3175">
+            <a:solidFill>
+              <a:schemeClr val="bg2">
+                <a:lumMod val="75000"/>
+              </a:schemeClr>
+            </a:solidFill>
+          </a:ln>
+          <a:effectLst>
+            <a:outerShdw blurRad="127000" dist="38100" dir="5400000" sx="80000" sy="80000" algn="t" rotWithShape="0">
+              <a:schemeClr val="tx1">
+                <a:lumMod val="50000"/>
+                <a:lumOff val="50000"/>
+                <a:alpha val="40000"/>
+              </a:schemeClr>
+            </a:outerShdw>
+          </a:effectLst>
+        </p:spPr>
+        <p:style>
+          <a:lnRef idx="2">
+            <a:schemeClr val="accent1">
+              <a:shade val="15000"/>
+            </a:schemeClr>
+          </a:lnRef>
+          <a:fillRef idx="1">
+            <a:schemeClr val="accent1"/>
+          </a:fillRef>
+          <a:effectRef idx="0">
+            <a:schemeClr val="accent1"/>
+          </a:effectRef>
+          <a:fontRef idx="minor">
+            <a:schemeClr val="lt1"/>
+          </a:fontRef>
+        </p:style>
+        <p:txBody>
+          <a:bodyPr rtlCol="0" anchor="ctr"/>
+          <a:lstStyle/>
+          <a:p>
+            <a:r>
+              <a:rPr lang="pt-BR" sz="1000" dirty="0" err="1">
+                <a:solidFill>
+                  <a:schemeClr val="tx1"/>
+                </a:solidFill>
+                <a:latin typeface="MS Gothic" panose="020B0609070205080204" pitchFamily="49" charset="-128"/>
+                <a:ea typeface="MS Gothic" panose="020B0609070205080204" pitchFamily="49" charset="-128"/>
+              </a:rPr>
+              <a:t>jogadorRect.x</a:t>
+            </a:r>
+            <a:r>
+              <a:rPr lang="pt-BR" sz="1000" dirty="0">
+                <a:solidFill>
+                  <a:schemeClr val="tx1"/>
+                </a:solidFill>
+                <a:latin typeface="MS Gothic" panose="020B0609070205080204" pitchFamily="49" charset="-128"/>
+                <a:ea typeface="MS Gothic" panose="020B0609070205080204" pitchFamily="49" charset="-128"/>
+              </a:rPr>
+              <a:t> = </a:t>
+            </a:r>
+            <a:r>
+              <a:rPr lang="pt-BR" sz="1000" dirty="0" err="1">
+                <a:solidFill>
+                  <a:schemeClr val="tx1"/>
+                </a:solidFill>
+                <a:latin typeface="MS Gothic" panose="020B0609070205080204" pitchFamily="49" charset="-128"/>
+                <a:ea typeface="MS Gothic" panose="020B0609070205080204" pitchFamily="49" charset="-128"/>
+              </a:rPr>
+              <a:t>novaPosicaoX</a:t>
+            </a:r>
+            <a:r>
+              <a:rPr lang="pt-BR" sz="1000" dirty="0">
+                <a:solidFill>
+                  <a:schemeClr val="tx1"/>
+                </a:solidFill>
+                <a:latin typeface="MS Gothic" panose="020B0609070205080204" pitchFamily="49" charset="-128"/>
+                <a:ea typeface="MS Gothic" panose="020B0609070205080204" pitchFamily="49" charset="-128"/>
+              </a:rPr>
+              <a:t> </a:t>
+            </a:r>
+          </a:p>
+        </p:txBody>
+      </p:sp>
+    </p:spTree>
+    <p:extLst>
+      <p:ext uri="{BB962C8B-B14F-4D97-AF65-F5344CB8AC3E}">
+        <p14:creationId xmlns:p14="http://schemas.microsoft.com/office/powerpoint/2010/main" val="2954091507"/>
+      </p:ext>
+    </p:extLst>
+  </p:cSld>
+  <p:clrMapOvr>
+    <a:masterClrMapping/>
+  </p:clrMapOvr>
+</p:sld>
+</file>
+
+<file path=ppt/slides/slide5.xml><?xml version="1.0" encoding="utf-8"?>
+<p:sld xmlns:a="http://schemas.openxmlformats.org/drawingml/2006/main" xmlns:r="http://schemas.openxmlformats.org/officeDocument/2006/relationships" xmlns:p="http://schemas.openxmlformats.org/presentationml/2006/main">
+  <p:cSld>
+    <p:spTree>
+      <p:nvGrpSpPr>
+        <p:cNvPr id="1" name=""/>
+        <p:cNvGrpSpPr/>
+        <p:nvPr/>
+      </p:nvGrpSpPr>
+      <p:grpSpPr>
+        <a:xfrm>
+          <a:off x="0" y="0"/>
+          <a:ext cx="0" cy="0"/>
+          <a:chOff x="0" y="0"/>
+          <a:chExt cx="0" cy="0"/>
+        </a:xfrm>
+      </p:grpSpPr>
+      <p:pic>
+        <p:nvPicPr>
+          <p:cNvPr id="8" name="Imagem 7">
+            <a:extLst>
+              <a:ext uri="{FF2B5EF4-FFF2-40B4-BE49-F238E27FC236}">
+                <a16:creationId xmlns:a16="http://schemas.microsoft.com/office/drawing/2014/main" id="{710F8ED2-0B55-1E17-109D-5D347DA1D4C4}"/>
+              </a:ext>
+              <a:ext uri="{C183D7F6-B498-43B3-948B-1728B52AA6E4}">
+                <adec:decorative xmlns:adec="http://schemas.microsoft.com/office/drawing/2017/decorative" val="1"/>
+              </a:ext>
+            </a:extLst>
+          </p:cNvPr>
+          <p:cNvPicPr>
+            <a:picLocks noGrp="1" noRot="1" noChangeAspect="1" noMove="1" noResize="1" noEditPoints="1" noAdjustHandles="1" noChangeArrowheads="1" noChangeShapeType="1" noCrop="1"/>
+          </p:cNvPicPr>
+          <p:nvPr/>
+        </p:nvPicPr>
+        <p:blipFill>
+          <a:blip r:embed="rId2">
+            <a:extLst>
+              <a:ext uri="{28A0092B-C50C-407E-A947-70E740481C1C}">
+                <a14:useLocalDpi xmlns:a14="http://schemas.microsoft.com/office/drawing/2010/main" val="0"/>
+              </a:ext>
+            </a:extLst>
+          </a:blip>
+          <a:stretch>
+            <a:fillRect/>
+          </a:stretch>
+        </p:blipFill>
+        <p:spPr>
+          <a:xfrm rot="5400000">
+            <a:off x="2667000" y="-2667000"/>
+            <a:ext cx="6858000" cy="12192000"/>
+          </a:xfrm>
+          <a:prstGeom prst="rect">
+            <a:avLst/>
+          </a:prstGeom>
+        </p:spPr>
+      </p:pic>
+      <p:sp>
+        <p:nvSpPr>
+          <p:cNvPr id="9" name="Retângulo 8">
+            <a:extLst>
+              <a:ext uri="{FF2B5EF4-FFF2-40B4-BE49-F238E27FC236}">
+                <a16:creationId xmlns:a16="http://schemas.microsoft.com/office/drawing/2014/main" id="{F99C5232-514F-42CF-D574-1BBE4790CCC4}"/>
+              </a:ext>
+            </a:extLst>
+          </p:cNvPr>
+          <p:cNvSpPr>
+            <a:spLocks noGrp="1" noRot="1" noMove="1" noResize="1" noEditPoints="1" noAdjustHandles="1" noChangeArrowheads="1" noChangeShapeType="1"/>
+          </p:cNvSpPr>
+          <p:nvPr/>
+        </p:nvSpPr>
+        <p:spPr>
+          <a:xfrm>
+            <a:off x="838200" y="681037"/>
+            <a:ext cx="10515599" cy="5495926"/>
+          </a:xfrm>
+          <a:prstGeom prst="rect">
+            <a:avLst/>
+          </a:prstGeom>
+          <a:solidFill>
+            <a:schemeClr val="bg1"/>
+          </a:solidFill>
+          <a:ln>
+            <a:noFill/>
+          </a:ln>
+        </p:spPr>
+        <p:style>
+          <a:lnRef idx="2">
+            <a:schemeClr val="accent1">
+              <a:shade val="15000"/>
+            </a:schemeClr>
+          </a:lnRef>
+          <a:fillRef idx="1">
+            <a:schemeClr val="accent1"/>
+          </a:fillRef>
+          <a:effectRef idx="0">
+            <a:schemeClr val="accent1"/>
+          </a:effectRef>
+          <a:fontRef idx="minor">
+            <a:schemeClr val="lt1"/>
+          </a:fontRef>
+        </p:style>
+        <p:txBody>
+          <a:bodyPr rtlCol="0" anchor="ctr"/>
+          <a:lstStyle/>
+          <a:p>
+            <a:pPr algn="ctr"/>
+            <a:endParaRPr lang="pt-BR" dirty="0">
+              <a:solidFill>
+                <a:schemeClr val="tx1"/>
+              </a:solidFill>
+            </a:endParaRPr>
+          </a:p>
+        </p:txBody>
+      </p:sp>
+      <p:sp>
+        <p:nvSpPr>
+          <p:cNvPr id="6" name="Rectangle 3">
+            <a:extLst>
+              <a:ext uri="{FF2B5EF4-FFF2-40B4-BE49-F238E27FC236}">
+                <a16:creationId xmlns:a16="http://schemas.microsoft.com/office/drawing/2014/main" id="{7E4CEF73-C928-6327-E976-E887B8D4DD21}"/>
+              </a:ext>
+            </a:extLst>
+          </p:cNvPr>
+          <p:cNvSpPr>
+            <a:spLocks noChangeArrowheads="1"/>
+          </p:cNvSpPr>
+          <p:nvPr/>
+        </p:nvSpPr>
+        <p:spPr bwMode="auto">
+          <a:xfrm>
+            <a:off x="5418308" y="2725714"/>
+            <a:ext cx="5644610" cy="754310"/>
+          </a:xfrm>
+          <a:prstGeom prst="rect">
+            <a:avLst/>
+          </a:prstGeom>
+          <a:noFill/>
+          <a:ln>
+            <a:noFill/>
+          </a:ln>
+          <a:effectLst/>
+          <a:extLst>
+            <a:ext uri="{909E8E84-426E-40DD-AFC4-6F175D3DCCD1}">
+              <a14:hiddenFill xmlns:a14="http://schemas.microsoft.com/office/drawing/2010/main">
+                <a:solidFill>
+                  <a:schemeClr val="accent1"/>
+                </a:solidFill>
+              </a14:hiddenFill>
+            </a:ext>
+            <a:ext uri="{91240B29-F687-4F45-9708-019B960494DF}">
+              <a14:hiddenLine xmlns:a14="http://schemas.microsoft.com/office/drawing/2010/main" w="9525">
+                <a:solidFill>
+                  <a:schemeClr val="tx1"/>
+                </a:solidFill>
+                <a:miter lim="800000"/>
+                <a:headEnd/>
+                <a:tailEnd/>
+              </a14:hiddenLine>
+            </a:ext>
+            <a:ext uri="{AF507438-7753-43E0-B8FC-AC1667EBCBE1}">
+              <a14:hiddenEffects xmlns:a14="http://schemas.microsoft.com/office/drawing/2010/main">
+                <a:effectLst>
+                  <a:outerShdw dist="35921" dir="2700000" algn="ctr" rotWithShape="0">
+                    <a:schemeClr val="bg2"/>
+                  </a:outerShdw>
+                </a:effectLst>
+              </a14:hiddenEffects>
+            </a:ext>
+          </a:extLst>
+        </p:spPr>
+        <p:txBody>
+          <a:bodyPr vert="horz" wrap="square" lIns="0" tIns="198375" rIns="0" bIns="0" numCol="1" anchor="t" anchorCtr="0" compatLnSpc="1">
+            <a:prstTxWarp prst="textNoShape">
+              <a:avLst/>
+            </a:prstTxWarp>
+            <a:spAutoFit/>
+          </a:bodyPr>
+          <a:lstStyle>
+            <a:lvl1pPr eaLnBrk="0" fontAlgn="base" hangingPunct="0">
+              <a:spcBef>
+                <a:spcPct val="0"/>
+              </a:spcBef>
+              <a:spcAft>
+                <a:spcPct val="0"/>
+              </a:spcAft>
+              <a:defRPr>
+                <a:solidFill>
+                  <a:schemeClr val="tx1"/>
+                </a:solidFill>
+                <a:latin typeface="Arial" panose="020B0604020202020204" pitchFamily="34" charset="0"/>
+              </a:defRPr>
+            </a:lvl1pPr>
+            <a:lvl2pPr eaLnBrk="0" fontAlgn="base" hangingPunct="0">
+              <a:spcBef>
+                <a:spcPct val="0"/>
+              </a:spcBef>
+              <a:spcAft>
+                <a:spcPct val="0"/>
+              </a:spcAft>
+              <a:defRPr>
+                <a:solidFill>
+                  <a:schemeClr val="tx1"/>
+                </a:solidFill>
+                <a:latin typeface="Arial" panose="020B0604020202020204" pitchFamily="34" charset="0"/>
+              </a:defRPr>
+            </a:lvl2pPr>
+            <a:lvl3pPr eaLnBrk="0" fontAlgn="base" hangingPunct="0">
+              <a:spcBef>
+                <a:spcPct val="0"/>
+              </a:spcBef>
+              <a:spcAft>
+                <a:spcPct val="0"/>
+              </a:spcAft>
+              <a:defRPr>
+                <a:solidFill>
+                  <a:schemeClr val="tx1"/>
+                </a:solidFill>
+                <a:latin typeface="Arial" panose="020B0604020202020204" pitchFamily="34" charset="0"/>
+              </a:defRPr>
+            </a:lvl3pPr>
+            <a:lvl4pPr eaLnBrk="0" fontAlgn="base" hangingPunct="0">
+              <a:spcBef>
+                <a:spcPct val="0"/>
+              </a:spcBef>
+              <a:spcAft>
+                <a:spcPct val="0"/>
+              </a:spcAft>
+              <a:defRPr>
+                <a:solidFill>
+                  <a:schemeClr val="tx1"/>
+                </a:solidFill>
+                <a:latin typeface="Arial" panose="020B0604020202020204" pitchFamily="34" charset="0"/>
+              </a:defRPr>
+            </a:lvl4pPr>
+            <a:lvl5pPr eaLnBrk="0" fontAlgn="base" hangingPunct="0">
+              <a:spcBef>
+                <a:spcPct val="0"/>
+              </a:spcBef>
+              <a:spcAft>
+                <a:spcPct val="0"/>
+              </a:spcAft>
+              <a:defRPr>
+                <a:solidFill>
+                  <a:schemeClr val="tx1"/>
+                </a:solidFill>
+                <a:latin typeface="Arial" panose="020B0604020202020204" pitchFamily="34" charset="0"/>
+              </a:defRPr>
+            </a:lvl5pPr>
+            <a:lvl6pPr eaLnBrk="0" fontAlgn="base" hangingPunct="0">
+              <a:spcBef>
+                <a:spcPct val="0"/>
+              </a:spcBef>
+              <a:spcAft>
+                <a:spcPct val="0"/>
+              </a:spcAft>
+              <a:defRPr>
+                <a:solidFill>
+                  <a:schemeClr val="tx1"/>
+                </a:solidFill>
+                <a:latin typeface="Arial" panose="020B0604020202020204" pitchFamily="34" charset="0"/>
+              </a:defRPr>
+            </a:lvl6pPr>
+            <a:lvl7pPr eaLnBrk="0" fontAlgn="base" hangingPunct="0">
+              <a:spcBef>
+                <a:spcPct val="0"/>
+              </a:spcBef>
+              <a:spcAft>
+                <a:spcPct val="0"/>
+              </a:spcAft>
+              <a:defRPr>
+                <a:solidFill>
+                  <a:schemeClr val="tx1"/>
+                </a:solidFill>
+                <a:latin typeface="Arial" panose="020B0604020202020204" pitchFamily="34" charset="0"/>
+              </a:defRPr>
+            </a:lvl7pPr>
+            <a:lvl8pPr eaLnBrk="0" fontAlgn="base" hangingPunct="0">
+              <a:spcBef>
+                <a:spcPct val="0"/>
+              </a:spcBef>
+              <a:spcAft>
+                <a:spcPct val="0"/>
+              </a:spcAft>
+              <a:defRPr>
+                <a:solidFill>
+                  <a:schemeClr val="tx1"/>
+                </a:solidFill>
+                <a:latin typeface="Arial" panose="020B0604020202020204" pitchFamily="34" charset="0"/>
+              </a:defRPr>
+            </a:lvl8pPr>
+            <a:lvl9pPr eaLnBrk="0" fontAlgn="base" hangingPunct="0">
+              <a:spcBef>
+                <a:spcPct val="0"/>
+              </a:spcBef>
+              <a:spcAft>
+                <a:spcPct val="0"/>
+              </a:spcAft>
+              <a:defRPr>
+                <a:solidFill>
+                  <a:schemeClr val="tx1"/>
+                </a:solidFill>
+                <a:latin typeface="Arial" panose="020B0604020202020204" pitchFamily="34" charset="0"/>
+              </a:defRPr>
+            </a:lvl9pPr>
+          </a:lstStyle>
+          <a:p>
+            <a:pPr marL="0" marR="0" lvl="0" indent="0" algn="l" defTabSz="914400" rtl="0" eaLnBrk="0" fontAlgn="base" latinLnBrk="0" hangingPunct="0">
+              <a:lnSpc>
+                <a:spcPct val="100000"/>
+              </a:lnSpc>
+              <a:spcBef>
+                <a:spcPct val="0"/>
+              </a:spcBef>
+              <a:spcAft>
+                <a:spcPct val="0"/>
+              </a:spcAft>
+              <a:buClrTx/>
+              <a:buSzTx/>
+              <a:buFontTx/>
+              <a:buNone/>
+              <a:tabLst/>
+            </a:pPr>
+            <a:br>
+              <a:rPr kumimoji="0" lang="pt-BR" altLang="pt-BR" sz="1800" b="0" i="0" u="none" strike="noStrike" cap="none" normalizeH="0" baseline="0" dirty="0">
+                <a:ln>
+                  <a:noFill/>
+                </a:ln>
+                <a:solidFill>
+                  <a:srgbClr val="FFFFFF"/>
+                </a:solidFill>
+                <a:effectLst/>
+                <a:latin typeface="Söhne"/>
+              </a:rPr>
+            </a:br>
+            <a:endParaRPr kumimoji="0" lang="pt-BR" altLang="pt-BR" sz="1800" b="0" i="0" u="none" strike="noStrike" cap="none" normalizeH="0" baseline="0" dirty="0">
+              <a:ln>
+                <a:noFill/>
+              </a:ln>
+              <a:solidFill>
+                <a:schemeClr val="tx1"/>
+              </a:solidFill>
+              <a:effectLst/>
+              <a:latin typeface="Arial" panose="020B0604020202020204" pitchFamily="34" charset="0"/>
+            </a:endParaRPr>
+          </a:p>
+        </p:txBody>
+      </p:sp>
+      <p:pic>
+        <p:nvPicPr>
+          <p:cNvPr id="15" name="Imagem 14">
+            <a:extLst>
+              <a:ext uri="{FF2B5EF4-FFF2-40B4-BE49-F238E27FC236}">
+                <a16:creationId xmlns:a16="http://schemas.microsoft.com/office/drawing/2014/main" id="{0ADD1370-2C18-53F1-3FDE-F8059977D504}"/>
+              </a:ext>
+            </a:extLst>
+          </p:cNvPr>
+          <p:cNvPicPr>
+            <a:picLocks noChangeAspect="1"/>
+          </p:cNvPicPr>
+          <p:nvPr/>
+        </p:nvPicPr>
+        <p:blipFill>
+          <a:blip r:embed="rId3"/>
+          <a:stretch>
+            <a:fillRect/>
+          </a:stretch>
+        </p:blipFill>
+        <p:spPr>
+          <a:xfrm>
+            <a:off x="6398940" y="1241122"/>
+            <a:ext cx="4663978" cy="4375755"/>
+          </a:xfrm>
+          <a:prstGeom prst="rect">
+            <a:avLst/>
+          </a:prstGeom>
+          <a:effectLst>
+            <a:outerShdw blurRad="63500" sx="102000" sy="102000" algn="ctr" rotWithShape="0">
+              <a:schemeClr val="tx2">
+                <a:lumMod val="75000"/>
+                <a:lumOff val="25000"/>
+                <a:alpha val="70000"/>
+              </a:schemeClr>
+            </a:outerShdw>
+          </a:effectLst>
+        </p:spPr>
+      </p:pic>
+      <p:sp>
+        <p:nvSpPr>
+          <p:cNvPr id="18" name="CaixaDeTexto 17">
+            <a:extLst>
+              <a:ext uri="{FF2B5EF4-FFF2-40B4-BE49-F238E27FC236}">
+                <a16:creationId xmlns:a16="http://schemas.microsoft.com/office/drawing/2014/main" id="{06A7203D-9D58-6361-2FD2-E1797FB8865C}"/>
+              </a:ext>
+            </a:extLst>
+          </p:cNvPr>
+          <p:cNvSpPr txBox="1"/>
+          <p:nvPr/>
+        </p:nvSpPr>
+        <p:spPr>
+          <a:xfrm>
+            <a:off x="1368016" y="1995433"/>
+            <a:ext cx="4050292" cy="3170099"/>
+          </a:xfrm>
+          <a:prstGeom prst="rect">
+            <a:avLst/>
+          </a:prstGeom>
+          <a:noFill/>
+        </p:spPr>
+        <p:txBody>
+          <a:bodyPr wrap="square" rtlCol="0" anchor="ctr">
+            <a:spAutoFit/>
+          </a:bodyPr>
+          <a:lstStyle/>
+          <a:p>
+            <a:pPr algn="just"/>
+            <a:endParaRPr lang="pt-BR" sz="1400" dirty="0">
+              <a:latin typeface="Arial" panose="020B0604020202020204" pitchFamily="34" charset="0"/>
+              <a:cs typeface="Arial" panose="020B0604020202020204" pitchFamily="34" charset="0"/>
+            </a:endParaRPr>
+          </a:p>
+          <a:p>
+            <a:pPr marL="285750" indent="-285750" algn="just">
+              <a:buFont typeface="Arial" panose="020B0604020202020204" pitchFamily="34" charset="0"/>
+              <a:buChar char="•"/>
+            </a:pPr>
+            <a:r>
+              <a:rPr lang="pt-BR" sz="1400" b="1" dirty="0">
+                <a:latin typeface="Arial" panose="020B0604020202020204" pitchFamily="34" charset="0"/>
+                <a:cs typeface="Arial" panose="020B0604020202020204" pitchFamily="34" charset="0"/>
+              </a:rPr>
+              <a:t>LEFT</a:t>
+            </a:r>
+            <a:r>
+              <a:rPr lang="pt-BR" sz="1400" dirty="0">
+                <a:latin typeface="Arial" panose="020B0604020202020204" pitchFamily="34" charset="0"/>
+                <a:cs typeface="Arial" panose="020B0604020202020204" pitchFamily="34" charset="0"/>
+              </a:rPr>
+              <a:t>: Se refere a posição X do lado esquerdo do </a:t>
+            </a:r>
+            <a:r>
+              <a:rPr lang="pt-BR" sz="1400" dirty="0" err="1">
+                <a:latin typeface="Arial" panose="020B0604020202020204" pitchFamily="34" charset="0"/>
+                <a:cs typeface="Arial" panose="020B0604020202020204" pitchFamily="34" charset="0"/>
+              </a:rPr>
+              <a:t>rect</a:t>
+            </a:r>
+            <a:r>
+              <a:rPr lang="pt-BR" sz="1400" dirty="0">
+                <a:latin typeface="Arial" panose="020B0604020202020204" pitchFamily="34" charset="0"/>
+                <a:cs typeface="Arial" panose="020B0604020202020204" pitchFamily="34" charset="0"/>
+              </a:rPr>
+              <a:t>. Distância entre o lado esquerdo do </a:t>
+            </a:r>
+            <a:r>
+              <a:rPr lang="pt-BR" sz="1400" dirty="0" err="1">
+                <a:latin typeface="Arial" panose="020B0604020202020204" pitchFamily="34" charset="0"/>
+                <a:cs typeface="Arial" panose="020B0604020202020204" pitchFamily="34" charset="0"/>
+              </a:rPr>
+              <a:t>rect</a:t>
+            </a:r>
+            <a:r>
+              <a:rPr lang="pt-BR" sz="1400" dirty="0">
+                <a:latin typeface="Arial" panose="020B0604020202020204" pitchFamily="34" charset="0"/>
+                <a:cs typeface="Arial" panose="020B0604020202020204" pitchFamily="34" charset="0"/>
+              </a:rPr>
+              <a:t> até a borda esquerda da tela.</a:t>
+            </a:r>
+          </a:p>
+          <a:p>
+            <a:pPr algn="just"/>
+            <a:endParaRPr lang="pt-BR" sz="1400" dirty="0">
+              <a:latin typeface="Arial" panose="020B0604020202020204" pitchFamily="34" charset="0"/>
+              <a:cs typeface="Arial" panose="020B0604020202020204" pitchFamily="34" charset="0"/>
+            </a:endParaRPr>
+          </a:p>
+          <a:p>
+            <a:pPr marL="285750" indent="-285750" algn="just">
+              <a:buFont typeface="Arial" panose="020B0604020202020204" pitchFamily="34" charset="0"/>
+              <a:buChar char="•"/>
+            </a:pPr>
+            <a:r>
+              <a:rPr lang="pt-BR" sz="1400" b="1" dirty="0">
+                <a:latin typeface="Arial" panose="020B0604020202020204" pitchFamily="34" charset="0"/>
+                <a:cs typeface="Arial" panose="020B0604020202020204" pitchFamily="34" charset="0"/>
+              </a:rPr>
+              <a:t>TOP</a:t>
+            </a:r>
+            <a:r>
+              <a:rPr lang="pt-BR" sz="1400" dirty="0">
+                <a:latin typeface="Arial" panose="020B0604020202020204" pitchFamily="34" charset="0"/>
+                <a:cs typeface="Arial" panose="020B0604020202020204" pitchFamily="34" charset="0"/>
+              </a:rPr>
+              <a:t>: Se refere a posição Y do lado superior do </a:t>
+            </a:r>
+            <a:r>
+              <a:rPr lang="pt-BR" sz="1400" dirty="0" err="1">
+                <a:latin typeface="Arial" panose="020B0604020202020204" pitchFamily="34" charset="0"/>
+                <a:cs typeface="Arial" panose="020B0604020202020204" pitchFamily="34" charset="0"/>
+              </a:rPr>
+              <a:t>rect</a:t>
+            </a:r>
+            <a:r>
+              <a:rPr lang="pt-BR" sz="1400" dirty="0">
+                <a:latin typeface="Arial" panose="020B0604020202020204" pitchFamily="34" charset="0"/>
+                <a:cs typeface="Arial" panose="020B0604020202020204" pitchFamily="34" charset="0"/>
+              </a:rPr>
+              <a:t>. Distância entre o topo do </a:t>
+            </a:r>
+            <a:r>
+              <a:rPr lang="pt-BR" sz="1400" dirty="0" err="1">
+                <a:latin typeface="Arial" panose="020B0604020202020204" pitchFamily="34" charset="0"/>
+                <a:cs typeface="Arial" panose="020B0604020202020204" pitchFamily="34" charset="0"/>
+              </a:rPr>
+              <a:t>rect</a:t>
+            </a:r>
+            <a:r>
+              <a:rPr lang="pt-BR" sz="1400" dirty="0">
+                <a:latin typeface="Arial" panose="020B0604020202020204" pitchFamily="34" charset="0"/>
+                <a:cs typeface="Arial" panose="020B0604020202020204" pitchFamily="34" charset="0"/>
+              </a:rPr>
+              <a:t> até a borda superior da tela.</a:t>
+            </a:r>
+          </a:p>
+          <a:p>
+            <a:pPr algn="just"/>
+            <a:endParaRPr lang="pt-BR" sz="1400" dirty="0">
+              <a:latin typeface="Arial" panose="020B0604020202020204" pitchFamily="34" charset="0"/>
+              <a:cs typeface="Arial" panose="020B0604020202020204" pitchFamily="34" charset="0"/>
+            </a:endParaRPr>
+          </a:p>
+          <a:p>
+            <a:pPr marL="285750" indent="-285750" algn="just">
+              <a:buFont typeface="Arial" panose="020B0604020202020204" pitchFamily="34" charset="0"/>
+              <a:buChar char="•"/>
+            </a:pPr>
+            <a:r>
+              <a:rPr lang="pt-BR" sz="1400" b="1" dirty="0">
+                <a:latin typeface="Arial" panose="020B0604020202020204" pitchFamily="34" charset="0"/>
+                <a:cs typeface="Arial" panose="020B0604020202020204" pitchFamily="34" charset="0"/>
+              </a:rPr>
+              <a:t>WIDTH</a:t>
+            </a:r>
+            <a:r>
+              <a:rPr lang="pt-BR" sz="1400" dirty="0">
+                <a:latin typeface="Arial" panose="020B0604020202020204" pitchFamily="34" charset="0"/>
+                <a:cs typeface="Arial" panose="020B0604020202020204" pitchFamily="34" charset="0"/>
+              </a:rPr>
+              <a:t>: Se refere à largura do </a:t>
+            </a:r>
+            <a:r>
+              <a:rPr lang="pt-BR" sz="1400" dirty="0" err="1">
+                <a:latin typeface="Arial" panose="020B0604020202020204" pitchFamily="34" charset="0"/>
+                <a:cs typeface="Arial" panose="020B0604020202020204" pitchFamily="34" charset="0"/>
+              </a:rPr>
+              <a:t>rect</a:t>
+            </a:r>
+            <a:endParaRPr lang="pt-BR" sz="1400" dirty="0">
+              <a:latin typeface="Arial" panose="020B0604020202020204" pitchFamily="34" charset="0"/>
+              <a:cs typeface="Arial" panose="020B0604020202020204" pitchFamily="34" charset="0"/>
+            </a:endParaRPr>
+          </a:p>
+          <a:p>
+            <a:pPr algn="just"/>
+            <a:endParaRPr lang="pt-BR" sz="1400" dirty="0">
+              <a:latin typeface="Arial" panose="020B0604020202020204" pitchFamily="34" charset="0"/>
+              <a:cs typeface="Arial" panose="020B0604020202020204" pitchFamily="34" charset="0"/>
+            </a:endParaRPr>
+          </a:p>
+          <a:p>
+            <a:pPr marL="285750" indent="-285750" algn="just">
+              <a:buFont typeface="Arial" panose="020B0604020202020204" pitchFamily="34" charset="0"/>
+              <a:buChar char="•"/>
+            </a:pPr>
+            <a:r>
+              <a:rPr lang="pt-BR" sz="1400" b="1" dirty="0">
+                <a:latin typeface="Arial" panose="020B0604020202020204" pitchFamily="34" charset="0"/>
+                <a:cs typeface="Arial" panose="020B0604020202020204" pitchFamily="34" charset="0"/>
+              </a:rPr>
+              <a:t>HEIGHT</a:t>
+            </a:r>
+            <a:r>
+              <a:rPr lang="pt-BR" sz="1400" dirty="0">
+                <a:latin typeface="Arial" panose="020B0604020202020204" pitchFamily="34" charset="0"/>
+                <a:cs typeface="Arial" panose="020B0604020202020204" pitchFamily="34" charset="0"/>
+              </a:rPr>
+              <a:t>: Se refere à altura do </a:t>
+            </a:r>
+            <a:r>
+              <a:rPr lang="pt-BR" sz="1400" dirty="0" err="1">
+                <a:latin typeface="Arial" panose="020B0604020202020204" pitchFamily="34" charset="0"/>
+                <a:cs typeface="Arial" panose="020B0604020202020204" pitchFamily="34" charset="0"/>
+              </a:rPr>
+              <a:t>rect</a:t>
+            </a:r>
+            <a:endParaRPr lang="pt-BR" sz="1400" dirty="0">
+              <a:latin typeface="Arial" panose="020B0604020202020204" pitchFamily="34" charset="0"/>
+              <a:cs typeface="Arial" panose="020B0604020202020204" pitchFamily="34" charset="0"/>
+            </a:endParaRPr>
+          </a:p>
+          <a:p>
+            <a:pPr algn="ctr"/>
+            <a:endParaRPr lang="pt-BR" dirty="0"/>
+          </a:p>
+        </p:txBody>
+      </p:sp>
+      <p:sp>
+        <p:nvSpPr>
+          <p:cNvPr id="19" name="Título 1">
+            <a:extLst>
+              <a:ext uri="{FF2B5EF4-FFF2-40B4-BE49-F238E27FC236}">
+                <a16:creationId xmlns:a16="http://schemas.microsoft.com/office/drawing/2014/main" id="{CA2FC87B-5DCF-91AB-51AD-318FB2B94B61}"/>
+              </a:ext>
+            </a:extLst>
+          </p:cNvPr>
+          <p:cNvSpPr>
+            <a:spLocks noGrp="1"/>
+          </p:cNvSpPr>
+          <p:nvPr>
+            <p:ph type="title"/>
+          </p:nvPr>
+        </p:nvSpPr>
+        <p:spPr>
+          <a:xfrm>
+            <a:off x="1368016" y="1241122"/>
+            <a:ext cx="4192724" cy="754311"/>
+          </a:xfrm>
+        </p:spPr>
+        <p:txBody>
+          <a:bodyPr>
+            <a:normAutofit/>
+          </a:bodyPr>
+          <a:lstStyle/>
+          <a:p>
+            <a:pPr algn="ctr"/>
+            <a:r>
+              <a:rPr lang="pt-BR" sz="2000" dirty="0"/>
+              <a:t>ATRIBUTOS ESSENCIAIS DOS RECTS</a:t>
+            </a:r>
+          </a:p>
+        </p:txBody>
+      </p:sp>
+      <p:sp>
+        <p:nvSpPr>
+          <p:cNvPr id="20" name="Retângulo: Cantos Arredondados 19">
+            <a:extLst>
+              <a:ext uri="{FF2B5EF4-FFF2-40B4-BE49-F238E27FC236}">
+                <a16:creationId xmlns:a16="http://schemas.microsoft.com/office/drawing/2014/main" id="{32DD9774-B998-AA6B-30F2-F9C388C3CCA5}"/>
+              </a:ext>
+            </a:extLst>
+          </p:cNvPr>
+          <p:cNvSpPr/>
+          <p:nvPr/>
+        </p:nvSpPr>
+        <p:spPr>
+          <a:xfrm>
+            <a:off x="1368016" y="5306634"/>
+            <a:ext cx="4050292" cy="310243"/>
+          </a:xfrm>
+          <a:prstGeom prst="roundRect">
+            <a:avLst/>
+          </a:prstGeom>
+          <a:solidFill>
+            <a:schemeClr val="bg1">
+              <a:lumMod val="95000"/>
+            </a:schemeClr>
+          </a:solidFill>
+          <a:ln w="3175">
+            <a:solidFill>
+              <a:schemeClr val="bg2">
+                <a:lumMod val="75000"/>
+              </a:schemeClr>
+            </a:solidFill>
+          </a:ln>
+          <a:effectLst>
+            <a:outerShdw blurRad="127000" dist="38100" dir="5400000" sx="80000" sy="80000" algn="t" rotWithShape="0">
+              <a:schemeClr val="tx1">
+                <a:lumMod val="50000"/>
+                <a:lumOff val="50000"/>
+                <a:alpha val="40000"/>
+              </a:schemeClr>
+            </a:outerShdw>
+          </a:effectLst>
+        </p:spPr>
+        <p:style>
+          <a:lnRef idx="2">
+            <a:schemeClr val="accent1">
+              <a:shade val="15000"/>
+            </a:schemeClr>
+          </a:lnRef>
+          <a:fillRef idx="1">
+            <a:schemeClr val="accent1"/>
+          </a:fillRef>
+          <a:effectRef idx="0">
+            <a:schemeClr val="accent1"/>
+          </a:effectRef>
+          <a:fontRef idx="minor">
+            <a:schemeClr val="lt1"/>
+          </a:fontRef>
+        </p:style>
+        <p:txBody>
+          <a:bodyPr rtlCol="0" anchor="ctr"/>
+          <a:lstStyle/>
+          <a:p>
+            <a:r>
+              <a:rPr lang="pt-BR" sz="1000" dirty="0" err="1">
+                <a:solidFill>
+                  <a:schemeClr val="tx1"/>
+                </a:solidFill>
+                <a:latin typeface="MS Gothic" panose="020B0609070205080204" pitchFamily="49" charset="-128"/>
+                <a:ea typeface="MS Gothic" panose="020B0609070205080204" pitchFamily="49" charset="-128"/>
+              </a:rPr>
+              <a:t>jogadorRect</a:t>
+            </a:r>
+            <a:r>
+              <a:rPr lang="pt-BR" sz="1000" dirty="0">
+                <a:solidFill>
+                  <a:schemeClr val="tx1"/>
+                </a:solidFill>
+                <a:latin typeface="MS Gothic" panose="020B0609070205080204" pitchFamily="49" charset="-128"/>
+                <a:ea typeface="MS Gothic" panose="020B0609070205080204" pitchFamily="49" charset="-128"/>
+              </a:rPr>
+              <a:t> = </a:t>
+            </a:r>
+            <a:r>
+              <a:rPr lang="pt-BR" sz="1000" dirty="0" err="1">
+                <a:solidFill>
+                  <a:schemeClr val="tx1"/>
+                </a:solidFill>
+                <a:latin typeface="MS Gothic" panose="020B0609070205080204" pitchFamily="49" charset="-128"/>
+                <a:ea typeface="MS Gothic" panose="020B0609070205080204" pitchFamily="49" charset="-128"/>
+              </a:rPr>
+              <a:t>pygame.Rect</a:t>
+            </a:r>
+            <a:r>
+              <a:rPr lang="pt-BR" sz="1000" dirty="0">
+                <a:solidFill>
+                  <a:schemeClr val="tx1"/>
+                </a:solidFill>
+                <a:latin typeface="MS Gothic" panose="020B0609070205080204" pitchFamily="49" charset="-128"/>
+                <a:ea typeface="MS Gothic" panose="020B0609070205080204" pitchFamily="49" charset="-128"/>
+              </a:rPr>
+              <a:t>(2, -2, 2, 3)</a:t>
+            </a:r>
+          </a:p>
+        </p:txBody>
+      </p:sp>
+      <p:sp>
+        <p:nvSpPr>
+          <p:cNvPr id="21" name="Retângulo 20">
+            <a:extLst>
+              <a:ext uri="{FF2B5EF4-FFF2-40B4-BE49-F238E27FC236}">
+                <a16:creationId xmlns:a16="http://schemas.microsoft.com/office/drawing/2014/main" id="{0A30CEFC-E0C8-27CE-D8C0-A057E36C31D0}"/>
+              </a:ext>
+            </a:extLst>
+          </p:cNvPr>
+          <p:cNvSpPr/>
+          <p:nvPr/>
+        </p:nvSpPr>
+        <p:spPr>
+          <a:xfrm>
+            <a:off x="8142551" y="2978416"/>
+            <a:ext cx="1159946" cy="1776464"/>
+          </a:xfrm>
+          <a:prstGeom prst="rect">
+            <a:avLst/>
+          </a:prstGeom>
+          <a:solidFill>
+            <a:schemeClr val="accent1">
+              <a:lumMod val="40000"/>
+              <a:lumOff val="60000"/>
+            </a:schemeClr>
+          </a:solidFill>
+          <a:ln>
+            <a:solidFill>
+              <a:schemeClr val="tx2">
+                <a:lumMod val="75000"/>
+                <a:lumOff val="25000"/>
+              </a:schemeClr>
+            </a:solidFill>
+            <a:prstDash val="lgDash"/>
+          </a:ln>
+        </p:spPr>
+        <p:style>
+          <a:lnRef idx="2">
+            <a:schemeClr val="accent1">
+              <a:shade val="15000"/>
+            </a:schemeClr>
+          </a:lnRef>
+          <a:fillRef idx="1">
+            <a:schemeClr val="accent1"/>
+          </a:fillRef>
+          <a:effectRef idx="0">
+            <a:schemeClr val="accent1"/>
+          </a:effectRef>
+          <a:fontRef idx="minor">
+            <a:schemeClr val="lt1"/>
+          </a:fontRef>
+        </p:style>
+        <p:txBody>
+          <a:bodyPr rtlCol="0" anchor="ctr"/>
+          <a:lstStyle/>
+          <a:p>
+            <a:pPr algn="ctr"/>
+            <a:endParaRPr lang="pt-BR"/>
+          </a:p>
+        </p:txBody>
+      </p:sp>
+      <p:sp>
+        <p:nvSpPr>
+          <p:cNvPr id="22" name="Chave Direita 21">
+            <a:extLst>
+              <a:ext uri="{FF2B5EF4-FFF2-40B4-BE49-F238E27FC236}">
+                <a16:creationId xmlns:a16="http://schemas.microsoft.com/office/drawing/2014/main" id="{3E5A0D07-ABA2-C158-2305-4A00D7EC8FCF}"/>
+              </a:ext>
+            </a:extLst>
+          </p:cNvPr>
+          <p:cNvSpPr/>
+          <p:nvPr/>
+        </p:nvSpPr>
+        <p:spPr>
+          <a:xfrm>
+            <a:off x="9468601" y="2978416"/>
+            <a:ext cx="297192" cy="1776464"/>
+          </a:xfrm>
+          <a:prstGeom prst="rightBrace">
+            <a:avLst/>
+          </a:prstGeom>
+        </p:spPr>
+        <p:style>
+          <a:lnRef idx="2">
+            <a:schemeClr val="accent1"/>
+          </a:lnRef>
+          <a:fillRef idx="0">
+            <a:schemeClr val="accent1"/>
+          </a:fillRef>
+          <a:effectRef idx="1">
+            <a:schemeClr val="accent1"/>
+          </a:effectRef>
+          <a:fontRef idx="minor">
+            <a:schemeClr val="tx1"/>
+          </a:fontRef>
+        </p:style>
+        <p:txBody>
+          <a:bodyPr rtlCol="0" anchor="ctr"/>
+          <a:lstStyle/>
+          <a:p>
+            <a:pPr algn="ctr"/>
+            <a:endParaRPr lang="pt-BR" dirty="0"/>
+          </a:p>
+        </p:txBody>
+      </p:sp>
+      <p:sp>
+        <p:nvSpPr>
+          <p:cNvPr id="23" name="Chave Direita 22">
+            <a:extLst>
+              <a:ext uri="{FF2B5EF4-FFF2-40B4-BE49-F238E27FC236}">
+                <a16:creationId xmlns:a16="http://schemas.microsoft.com/office/drawing/2014/main" id="{B68159B4-D57D-C9AE-E5DA-DD36D277E7B8}"/>
+              </a:ext>
+            </a:extLst>
+          </p:cNvPr>
+          <p:cNvSpPr/>
+          <p:nvPr/>
+        </p:nvSpPr>
+        <p:spPr>
+          <a:xfrm rot="5400000">
+            <a:off x="8565506" y="4428544"/>
+            <a:ext cx="314032" cy="1159946"/>
+          </a:xfrm>
+          <a:prstGeom prst="rightBrace">
+            <a:avLst/>
+          </a:prstGeom>
+        </p:spPr>
+        <p:style>
+          <a:lnRef idx="2">
+            <a:schemeClr val="accent1"/>
+          </a:lnRef>
+          <a:fillRef idx="0">
+            <a:schemeClr val="accent1"/>
+          </a:fillRef>
+          <a:effectRef idx="1">
+            <a:schemeClr val="accent1"/>
+          </a:effectRef>
+          <a:fontRef idx="minor">
+            <a:schemeClr val="tx1"/>
+          </a:fontRef>
+        </p:style>
+        <p:txBody>
+          <a:bodyPr rtlCol="0" anchor="ctr"/>
+          <a:lstStyle/>
+          <a:p>
+            <a:pPr algn="ctr"/>
+            <a:endParaRPr lang="pt-BR" dirty="0"/>
+          </a:p>
+        </p:txBody>
+      </p:sp>
+      <p:sp>
+        <p:nvSpPr>
+          <p:cNvPr id="25" name="CaixaDeTexto 24">
+            <a:extLst>
+              <a:ext uri="{FF2B5EF4-FFF2-40B4-BE49-F238E27FC236}">
+                <a16:creationId xmlns:a16="http://schemas.microsoft.com/office/drawing/2014/main" id="{9001D8D2-1AEA-9401-3777-0B55A5CE71A0}"/>
+              </a:ext>
+            </a:extLst>
+          </p:cNvPr>
+          <p:cNvSpPr txBox="1"/>
+          <p:nvPr/>
+        </p:nvSpPr>
+        <p:spPr>
+          <a:xfrm>
+            <a:off x="7454316" y="5166506"/>
+            <a:ext cx="2536412" cy="369332"/>
+          </a:xfrm>
+          <a:prstGeom prst="rect">
+            <a:avLst/>
+          </a:prstGeom>
+          <a:noFill/>
+        </p:spPr>
+        <p:txBody>
+          <a:bodyPr wrap="square">
+            <a:spAutoFit/>
+          </a:bodyPr>
+          <a:lstStyle/>
+          <a:p>
+            <a:pPr algn="ctr"/>
+            <a:r>
+              <a:rPr lang="pt-BR" dirty="0"/>
+              <a:t>Largura = 2</a:t>
+            </a:r>
+          </a:p>
+        </p:txBody>
+      </p:sp>
+      <p:sp>
+        <p:nvSpPr>
+          <p:cNvPr id="26" name="CaixaDeTexto 25">
+            <a:extLst>
+              <a:ext uri="{FF2B5EF4-FFF2-40B4-BE49-F238E27FC236}">
+                <a16:creationId xmlns:a16="http://schemas.microsoft.com/office/drawing/2014/main" id="{332EDAE3-643F-F8EB-218C-E136D7129A05}"/>
+              </a:ext>
+            </a:extLst>
+          </p:cNvPr>
+          <p:cNvSpPr txBox="1"/>
+          <p:nvPr/>
+        </p:nvSpPr>
+        <p:spPr>
+          <a:xfrm>
+            <a:off x="9236488" y="3685629"/>
+            <a:ext cx="2536412" cy="369332"/>
+          </a:xfrm>
+          <a:prstGeom prst="rect">
+            <a:avLst/>
+          </a:prstGeom>
+          <a:noFill/>
+        </p:spPr>
+        <p:txBody>
+          <a:bodyPr wrap="square">
+            <a:spAutoFit/>
+          </a:bodyPr>
+          <a:lstStyle/>
+          <a:p>
+            <a:pPr algn="ctr"/>
+            <a:r>
+              <a:rPr lang="pt-BR" dirty="0"/>
+              <a:t>Altura = 3</a:t>
+            </a:r>
+          </a:p>
+        </p:txBody>
+      </p:sp>
+      <p:cxnSp>
+        <p:nvCxnSpPr>
+          <p:cNvPr id="29" name="Conector reto 28">
+            <a:extLst>
+              <a:ext uri="{FF2B5EF4-FFF2-40B4-BE49-F238E27FC236}">
+                <a16:creationId xmlns:a16="http://schemas.microsoft.com/office/drawing/2014/main" id="{D74CC7DB-3DED-4660-493A-9D7DAB0D0D4B}"/>
+              </a:ext>
+            </a:extLst>
+          </p:cNvPr>
+          <p:cNvCxnSpPr>
+            <a:cxnSpLocks/>
+          </p:cNvCxnSpPr>
+          <p:nvPr/>
+        </p:nvCxnSpPr>
+        <p:spPr>
+          <a:xfrm flipV="1">
+            <a:off x="8142549" y="2328672"/>
+            <a:ext cx="0" cy="649744"/>
+          </a:xfrm>
+          <a:prstGeom prst="line">
+            <a:avLst/>
+          </a:prstGeom>
+          <a:ln w="19050" cap="flat" cmpd="sng" algn="ctr">
+            <a:solidFill>
+              <a:schemeClr val="dk1"/>
+            </a:solidFill>
+            <a:prstDash val="dash"/>
+            <a:round/>
+            <a:headEnd type="none" w="med" len="med"/>
+            <a:tailEnd type="none" w="med" len="med"/>
+          </a:ln>
+        </p:spPr>
+        <p:style>
+          <a:lnRef idx="0">
+            <a:scrgbClr r="0" g="0" b="0"/>
+          </a:lnRef>
+          <a:fillRef idx="0">
+            <a:scrgbClr r="0" g="0" b="0"/>
+          </a:fillRef>
+          <a:effectRef idx="0">
+            <a:scrgbClr r="0" g="0" b="0"/>
+          </a:effectRef>
+          <a:fontRef idx="minor">
+            <a:schemeClr val="tx1"/>
+          </a:fontRef>
+        </p:style>
+      </p:cxnSp>
+      <p:sp>
+        <p:nvSpPr>
+          <p:cNvPr id="34" name="CaixaDeTexto 33">
+            <a:extLst>
+              <a:ext uri="{FF2B5EF4-FFF2-40B4-BE49-F238E27FC236}">
+                <a16:creationId xmlns:a16="http://schemas.microsoft.com/office/drawing/2014/main" id="{103A0695-BDDD-288B-B81C-C02D0253B9B0}"/>
+              </a:ext>
+            </a:extLst>
+          </p:cNvPr>
+          <p:cNvSpPr txBox="1"/>
+          <p:nvPr/>
+        </p:nvSpPr>
+        <p:spPr>
+          <a:xfrm>
+            <a:off x="8226510" y="2355909"/>
+            <a:ext cx="995159" cy="369332"/>
+          </a:xfrm>
+          <a:prstGeom prst="rect">
+            <a:avLst/>
+          </a:prstGeom>
+          <a:noFill/>
+        </p:spPr>
+        <p:txBody>
+          <a:bodyPr wrap="square">
+            <a:spAutoFit/>
+          </a:bodyPr>
+          <a:lstStyle/>
+          <a:p>
+            <a:pPr algn="ctr"/>
+            <a:r>
+              <a:rPr lang="pt-BR" dirty="0"/>
+              <a:t>Top = 2</a:t>
+            </a:r>
+          </a:p>
+        </p:txBody>
+      </p:sp>
+      <p:sp>
+        <p:nvSpPr>
+          <p:cNvPr id="35" name="CaixaDeTexto 34">
+            <a:extLst>
+              <a:ext uri="{FF2B5EF4-FFF2-40B4-BE49-F238E27FC236}">
+                <a16:creationId xmlns:a16="http://schemas.microsoft.com/office/drawing/2014/main" id="{5B9F88EF-E023-5B4D-A526-7C9B4CB19B13}"/>
+              </a:ext>
+            </a:extLst>
+          </p:cNvPr>
+          <p:cNvSpPr txBox="1"/>
+          <p:nvPr/>
+        </p:nvSpPr>
+        <p:spPr>
+          <a:xfrm>
+            <a:off x="6337269" y="3059667"/>
+            <a:ext cx="2536412" cy="369332"/>
+          </a:xfrm>
+          <a:prstGeom prst="rect">
+            <a:avLst/>
+          </a:prstGeom>
+          <a:noFill/>
+        </p:spPr>
+        <p:txBody>
+          <a:bodyPr wrap="square">
+            <a:spAutoFit/>
+          </a:bodyPr>
+          <a:lstStyle/>
+          <a:p>
+            <a:pPr algn="ctr"/>
+            <a:r>
+              <a:rPr lang="pt-BR" dirty="0" err="1"/>
+              <a:t>Left</a:t>
+            </a:r>
+            <a:r>
+              <a:rPr lang="pt-BR" dirty="0"/>
+              <a:t> = 2</a:t>
+            </a:r>
+          </a:p>
+        </p:txBody>
+      </p:sp>
+      <p:cxnSp>
+        <p:nvCxnSpPr>
+          <p:cNvPr id="36" name="Conector reto 35">
+            <a:extLst>
+              <a:ext uri="{FF2B5EF4-FFF2-40B4-BE49-F238E27FC236}">
+                <a16:creationId xmlns:a16="http://schemas.microsoft.com/office/drawing/2014/main" id="{E419D44D-657A-1985-E65A-3797363A6DFA}"/>
+              </a:ext>
+            </a:extLst>
+          </p:cNvPr>
+          <p:cNvCxnSpPr>
+            <a:cxnSpLocks/>
+          </p:cNvCxnSpPr>
+          <p:nvPr/>
+        </p:nvCxnSpPr>
+        <p:spPr>
+          <a:xfrm flipH="1">
+            <a:off x="7205472" y="2978416"/>
+            <a:ext cx="937077" cy="0"/>
+          </a:xfrm>
+          <a:prstGeom prst="line">
+            <a:avLst/>
+          </a:prstGeom>
+          <a:ln w="19050" cap="flat" cmpd="sng" algn="ctr">
+            <a:solidFill>
+              <a:schemeClr val="dk1"/>
+            </a:solidFill>
+            <a:prstDash val="dash"/>
+            <a:round/>
+            <a:headEnd type="none" w="med" len="med"/>
+            <a:tailEnd type="none" w="med" len="med"/>
+          </a:ln>
+        </p:spPr>
+        <p:style>
+          <a:lnRef idx="0">
+            <a:scrgbClr r="0" g="0" b="0"/>
+          </a:lnRef>
+          <a:fillRef idx="0">
+            <a:scrgbClr r="0" g="0" b="0"/>
+          </a:fillRef>
+          <a:effectRef idx="0">
+            <a:scrgbClr r="0" g="0" b="0"/>
+          </a:effectRef>
+          <a:fontRef idx="minor">
+            <a:schemeClr val="tx1"/>
+          </a:fontRef>
+        </p:style>
+      </p:cxnSp>
+    </p:spTree>
+    <p:extLst>
+      <p:ext uri="{BB962C8B-B14F-4D97-AF65-F5344CB8AC3E}">
+        <p14:creationId xmlns:p14="http://schemas.microsoft.com/office/powerpoint/2010/main" val="1152111589"/>
+      </p:ext>
+    </p:extLst>
+  </p:cSld>
+  <p:clrMapOvr>
+    <a:masterClrMapping/>
+  </p:clrMapOvr>
+</p:sld>
+</file>
+
+<file path=ppt/slides/slide6.xml><?xml version="1.0" encoding="utf-8"?>
+<p:sld xmlns:a="http://schemas.openxmlformats.org/drawingml/2006/main" xmlns:r="http://schemas.openxmlformats.org/officeDocument/2006/relationships" xmlns:p="http://schemas.openxmlformats.org/presentationml/2006/main">
+  <p:cSld>
+    <p:spTree>
+      <p:nvGrpSpPr>
+        <p:cNvPr id="1" name=""/>
+        <p:cNvGrpSpPr/>
+        <p:nvPr/>
+      </p:nvGrpSpPr>
+      <p:grpSpPr>
+        <a:xfrm>
+          <a:off x="0" y="0"/>
+          <a:ext cx="0" cy="0"/>
+          <a:chOff x="0" y="0"/>
+          <a:chExt cx="0" cy="0"/>
+        </a:xfrm>
+      </p:grpSpPr>
+      <p:pic>
+        <p:nvPicPr>
+          <p:cNvPr id="8" name="Imagem 7">
+            <a:extLst>
+              <a:ext uri="{FF2B5EF4-FFF2-40B4-BE49-F238E27FC236}">
+                <a16:creationId xmlns:a16="http://schemas.microsoft.com/office/drawing/2014/main" id="{710F8ED2-0B55-1E17-109D-5D347DA1D4C4}"/>
+              </a:ext>
+              <a:ext uri="{C183D7F6-B498-43B3-948B-1728B52AA6E4}">
+                <adec:decorative xmlns:adec="http://schemas.microsoft.com/office/drawing/2017/decorative" val="1"/>
+              </a:ext>
+            </a:extLst>
+          </p:cNvPr>
+          <p:cNvPicPr>
+            <a:picLocks noGrp="1" noRot="1" noChangeAspect="1" noMove="1" noResize="1" noEditPoints="1" noAdjustHandles="1" noChangeArrowheads="1" noChangeShapeType="1" noCrop="1"/>
+          </p:cNvPicPr>
+          <p:nvPr/>
+        </p:nvPicPr>
+        <p:blipFill>
+          <a:blip r:embed="rId2">
+            <a:extLst>
+              <a:ext uri="{28A0092B-C50C-407E-A947-70E740481C1C}">
+                <a14:useLocalDpi xmlns:a14="http://schemas.microsoft.com/office/drawing/2010/main" val="0"/>
+              </a:ext>
+            </a:extLst>
+          </a:blip>
+          <a:stretch>
+            <a:fillRect/>
+          </a:stretch>
+        </p:blipFill>
+        <p:spPr>
+          <a:xfrm rot="5400000">
+            <a:off x="2667000" y="-2667000"/>
+            <a:ext cx="6858000" cy="12192000"/>
+          </a:xfrm>
+          <a:prstGeom prst="rect">
+            <a:avLst/>
+          </a:prstGeom>
+        </p:spPr>
+      </p:pic>
+      <p:sp>
+        <p:nvSpPr>
+          <p:cNvPr id="9" name="Retângulo 8">
+            <a:extLst>
+              <a:ext uri="{FF2B5EF4-FFF2-40B4-BE49-F238E27FC236}">
+                <a16:creationId xmlns:a16="http://schemas.microsoft.com/office/drawing/2014/main" id="{F99C5232-514F-42CF-D574-1BBE4790CCC4}"/>
+              </a:ext>
+            </a:extLst>
+          </p:cNvPr>
+          <p:cNvSpPr>
+            <a:spLocks noGrp="1" noRot="1" noMove="1" noResize="1" noEditPoints="1" noAdjustHandles="1" noChangeArrowheads="1" noChangeShapeType="1"/>
+          </p:cNvSpPr>
+          <p:nvPr/>
+        </p:nvSpPr>
+        <p:spPr>
+          <a:xfrm>
+            <a:off x="838200" y="681037"/>
+            <a:ext cx="10515599" cy="5495926"/>
+          </a:xfrm>
+          <a:prstGeom prst="rect">
+            <a:avLst/>
+          </a:prstGeom>
+          <a:solidFill>
+            <a:schemeClr val="bg1"/>
+          </a:solidFill>
+          <a:ln>
+            <a:noFill/>
+          </a:ln>
+        </p:spPr>
+        <p:style>
+          <a:lnRef idx="2">
+            <a:schemeClr val="accent1">
+              <a:shade val="15000"/>
+            </a:schemeClr>
+          </a:lnRef>
+          <a:fillRef idx="1">
+            <a:schemeClr val="accent1"/>
+          </a:fillRef>
+          <a:effectRef idx="0">
+            <a:schemeClr val="accent1"/>
+          </a:effectRef>
+          <a:fontRef idx="minor">
+            <a:schemeClr val="lt1"/>
+          </a:fontRef>
+        </p:style>
+        <p:txBody>
+          <a:bodyPr rtlCol="0" anchor="ctr"/>
+          <a:lstStyle/>
+          <a:p>
+            <a:pPr algn="ctr"/>
+            <a:endParaRPr lang="pt-BR" dirty="0">
+              <a:solidFill>
+                <a:schemeClr val="tx1"/>
+              </a:solidFill>
+            </a:endParaRPr>
+          </a:p>
+        </p:txBody>
+      </p:sp>
+      <p:sp>
+        <p:nvSpPr>
+          <p:cNvPr id="2" name="Título 1">
+            <a:extLst>
+              <a:ext uri="{FF2B5EF4-FFF2-40B4-BE49-F238E27FC236}">
+                <a16:creationId xmlns:a16="http://schemas.microsoft.com/office/drawing/2014/main" id="{B49579CD-6587-A521-6C32-7D938D0027AC}"/>
+              </a:ext>
+            </a:extLst>
+          </p:cNvPr>
+          <p:cNvSpPr>
+            <a:spLocks noGrp="1"/>
+          </p:cNvSpPr>
+          <p:nvPr>
+            <p:ph type="title"/>
+          </p:nvPr>
+        </p:nvSpPr>
+        <p:spPr>
+          <a:xfrm>
+            <a:off x="1139083" y="1071314"/>
+            <a:ext cx="9923836" cy="754311"/>
+          </a:xfrm>
+        </p:spPr>
+        <p:txBody>
+          <a:bodyPr/>
+          <a:lstStyle/>
+          <a:p>
+            <a:pPr algn="ctr"/>
+            <a:r>
+              <a:rPr lang="pt-BR" dirty="0"/>
+              <a:t>MOVIMENTAÇÃO</a:t>
+            </a:r>
+          </a:p>
+        </p:txBody>
+      </p:sp>
+      <p:sp>
+        <p:nvSpPr>
+          <p:cNvPr id="6" name="Rectangle 3">
+            <a:extLst>
+              <a:ext uri="{FF2B5EF4-FFF2-40B4-BE49-F238E27FC236}">
+                <a16:creationId xmlns:a16="http://schemas.microsoft.com/office/drawing/2014/main" id="{7E4CEF73-C928-6327-E976-E887B8D4DD21}"/>
+              </a:ext>
+            </a:extLst>
+          </p:cNvPr>
+          <p:cNvSpPr>
+            <a:spLocks noChangeArrowheads="1"/>
+          </p:cNvSpPr>
+          <p:nvPr/>
+        </p:nvSpPr>
+        <p:spPr bwMode="auto">
+          <a:xfrm>
+            <a:off x="5418308" y="2725714"/>
+            <a:ext cx="5644610" cy="754310"/>
+          </a:xfrm>
+          <a:prstGeom prst="rect">
+            <a:avLst/>
+          </a:prstGeom>
+          <a:noFill/>
+          <a:ln>
+            <a:noFill/>
+          </a:ln>
+          <a:effectLst/>
+          <a:extLst>
+            <a:ext uri="{909E8E84-426E-40DD-AFC4-6F175D3DCCD1}">
+              <a14:hiddenFill xmlns:a14="http://schemas.microsoft.com/office/drawing/2010/main">
+                <a:solidFill>
+                  <a:schemeClr val="accent1"/>
+                </a:solidFill>
+              </a14:hiddenFill>
+            </a:ext>
+            <a:ext uri="{91240B29-F687-4F45-9708-019B960494DF}">
+              <a14:hiddenLine xmlns:a14="http://schemas.microsoft.com/office/drawing/2010/main" w="9525">
+                <a:solidFill>
+                  <a:schemeClr val="tx1"/>
+                </a:solidFill>
+                <a:miter lim="800000"/>
+                <a:headEnd/>
+                <a:tailEnd/>
+              </a14:hiddenLine>
+            </a:ext>
+            <a:ext uri="{AF507438-7753-43E0-B8FC-AC1667EBCBE1}">
+              <a14:hiddenEffects xmlns:a14="http://schemas.microsoft.com/office/drawing/2010/main">
+                <a:effectLst>
+                  <a:outerShdw dist="35921" dir="2700000" algn="ctr" rotWithShape="0">
+                    <a:schemeClr val="bg2"/>
+                  </a:outerShdw>
+                </a:effectLst>
+              </a14:hiddenEffects>
+            </a:ext>
+          </a:extLst>
+        </p:spPr>
+        <p:txBody>
+          <a:bodyPr vert="horz" wrap="square" lIns="0" tIns="198375" rIns="0" bIns="0" numCol="1" anchor="t" anchorCtr="0" compatLnSpc="1">
+            <a:prstTxWarp prst="textNoShape">
+              <a:avLst/>
+            </a:prstTxWarp>
+            <a:spAutoFit/>
+          </a:bodyPr>
+          <a:lstStyle>
+            <a:lvl1pPr eaLnBrk="0" fontAlgn="base" hangingPunct="0">
+              <a:spcBef>
+                <a:spcPct val="0"/>
+              </a:spcBef>
+              <a:spcAft>
+                <a:spcPct val="0"/>
+              </a:spcAft>
+              <a:defRPr>
+                <a:solidFill>
+                  <a:schemeClr val="tx1"/>
+                </a:solidFill>
+                <a:latin typeface="Arial" panose="020B0604020202020204" pitchFamily="34" charset="0"/>
+              </a:defRPr>
+            </a:lvl1pPr>
+            <a:lvl2pPr eaLnBrk="0" fontAlgn="base" hangingPunct="0">
+              <a:spcBef>
+                <a:spcPct val="0"/>
+              </a:spcBef>
+              <a:spcAft>
+                <a:spcPct val="0"/>
+              </a:spcAft>
+              <a:defRPr>
+                <a:solidFill>
+                  <a:schemeClr val="tx1"/>
+                </a:solidFill>
+                <a:latin typeface="Arial" panose="020B0604020202020204" pitchFamily="34" charset="0"/>
+              </a:defRPr>
+            </a:lvl2pPr>
+            <a:lvl3pPr eaLnBrk="0" fontAlgn="base" hangingPunct="0">
+              <a:spcBef>
+                <a:spcPct val="0"/>
+              </a:spcBef>
+              <a:spcAft>
+                <a:spcPct val="0"/>
+              </a:spcAft>
+              <a:defRPr>
+                <a:solidFill>
+                  <a:schemeClr val="tx1"/>
+                </a:solidFill>
+                <a:latin typeface="Arial" panose="020B0604020202020204" pitchFamily="34" charset="0"/>
+              </a:defRPr>
+            </a:lvl3pPr>
+            <a:lvl4pPr eaLnBrk="0" fontAlgn="base" hangingPunct="0">
+              <a:spcBef>
+                <a:spcPct val="0"/>
+              </a:spcBef>
+              <a:spcAft>
+                <a:spcPct val="0"/>
+              </a:spcAft>
+              <a:defRPr>
+                <a:solidFill>
+                  <a:schemeClr val="tx1"/>
+                </a:solidFill>
+                <a:latin typeface="Arial" panose="020B0604020202020204" pitchFamily="34" charset="0"/>
+              </a:defRPr>
+            </a:lvl4pPr>
+            <a:lvl5pPr eaLnBrk="0" fontAlgn="base" hangingPunct="0">
+              <a:spcBef>
+                <a:spcPct val="0"/>
+              </a:spcBef>
+              <a:spcAft>
+                <a:spcPct val="0"/>
+              </a:spcAft>
+              <a:defRPr>
+                <a:solidFill>
+                  <a:schemeClr val="tx1"/>
+                </a:solidFill>
+                <a:latin typeface="Arial" panose="020B0604020202020204" pitchFamily="34" charset="0"/>
+              </a:defRPr>
+            </a:lvl5pPr>
+            <a:lvl6pPr eaLnBrk="0" fontAlgn="base" hangingPunct="0">
+              <a:spcBef>
+                <a:spcPct val="0"/>
+              </a:spcBef>
+              <a:spcAft>
+                <a:spcPct val="0"/>
+              </a:spcAft>
+              <a:defRPr>
+                <a:solidFill>
+                  <a:schemeClr val="tx1"/>
+                </a:solidFill>
+                <a:latin typeface="Arial" panose="020B0604020202020204" pitchFamily="34" charset="0"/>
+              </a:defRPr>
+            </a:lvl6pPr>
+            <a:lvl7pPr eaLnBrk="0" fontAlgn="base" hangingPunct="0">
+              <a:spcBef>
+                <a:spcPct val="0"/>
+              </a:spcBef>
+              <a:spcAft>
+                <a:spcPct val="0"/>
+              </a:spcAft>
+              <a:defRPr>
+                <a:solidFill>
+                  <a:schemeClr val="tx1"/>
+                </a:solidFill>
+                <a:latin typeface="Arial" panose="020B0604020202020204" pitchFamily="34" charset="0"/>
+              </a:defRPr>
+            </a:lvl7pPr>
+            <a:lvl8pPr eaLnBrk="0" fontAlgn="base" hangingPunct="0">
+              <a:spcBef>
+                <a:spcPct val="0"/>
+              </a:spcBef>
+              <a:spcAft>
+                <a:spcPct val="0"/>
+              </a:spcAft>
+              <a:defRPr>
+                <a:solidFill>
+                  <a:schemeClr val="tx1"/>
+                </a:solidFill>
+                <a:latin typeface="Arial" panose="020B0604020202020204" pitchFamily="34" charset="0"/>
+              </a:defRPr>
+            </a:lvl8pPr>
+            <a:lvl9pPr eaLnBrk="0" fontAlgn="base" hangingPunct="0">
+              <a:spcBef>
+                <a:spcPct val="0"/>
+              </a:spcBef>
+              <a:spcAft>
+                <a:spcPct val="0"/>
+              </a:spcAft>
+              <a:defRPr>
+                <a:solidFill>
+                  <a:schemeClr val="tx1"/>
+                </a:solidFill>
+                <a:latin typeface="Arial" panose="020B0604020202020204" pitchFamily="34" charset="0"/>
+              </a:defRPr>
+            </a:lvl9pPr>
+          </a:lstStyle>
+          <a:p>
+            <a:pPr marL="0" marR="0" lvl="0" indent="0" algn="l" defTabSz="914400" rtl="0" eaLnBrk="0" fontAlgn="base" latinLnBrk="0" hangingPunct="0">
+              <a:lnSpc>
+                <a:spcPct val="100000"/>
+              </a:lnSpc>
+              <a:spcBef>
+                <a:spcPct val="0"/>
+              </a:spcBef>
+              <a:spcAft>
+                <a:spcPct val="0"/>
+              </a:spcAft>
+              <a:buClrTx/>
+              <a:buSzTx/>
+              <a:buFontTx/>
+              <a:buNone/>
+              <a:tabLst/>
+            </a:pPr>
+            <a:br>
+              <a:rPr kumimoji="0" lang="pt-BR" altLang="pt-BR" sz="1800" b="0" i="0" u="none" strike="noStrike" cap="none" normalizeH="0" baseline="0" dirty="0">
+                <a:ln>
+                  <a:noFill/>
+                </a:ln>
+                <a:solidFill>
+                  <a:srgbClr val="FFFFFF"/>
+                </a:solidFill>
+                <a:effectLst/>
+                <a:latin typeface="Söhne"/>
+              </a:rPr>
+            </a:br>
+            <a:endParaRPr kumimoji="0" lang="pt-BR" altLang="pt-BR" sz="1800" b="0" i="0" u="none" strike="noStrike" cap="none" normalizeH="0" baseline="0" dirty="0">
+              <a:ln>
+                <a:noFill/>
+              </a:ln>
+              <a:solidFill>
+                <a:schemeClr val="tx1"/>
+              </a:solidFill>
+              <a:effectLst/>
+              <a:latin typeface="Arial" panose="020B0604020202020204" pitchFamily="34" charset="0"/>
+            </a:endParaRPr>
+          </a:p>
+        </p:txBody>
+      </p:sp>
+      <p:sp>
+        <p:nvSpPr>
+          <p:cNvPr id="10" name="CaixaDeTexto 9">
+            <a:extLst>
+              <a:ext uri="{FF2B5EF4-FFF2-40B4-BE49-F238E27FC236}">
+                <a16:creationId xmlns:a16="http://schemas.microsoft.com/office/drawing/2014/main" id="{A5A78432-07A6-0CF9-5567-7A7B7E3C2D6B}"/>
+              </a:ext>
+            </a:extLst>
+          </p:cNvPr>
+          <p:cNvSpPr txBox="1"/>
+          <p:nvPr/>
+        </p:nvSpPr>
+        <p:spPr>
+          <a:xfrm>
+            <a:off x="3273694" y="1750356"/>
+            <a:ext cx="5644610" cy="584775"/>
+          </a:xfrm>
+          <a:prstGeom prst="rect">
+            <a:avLst/>
+          </a:prstGeom>
+          <a:noFill/>
+        </p:spPr>
+        <p:txBody>
+          <a:bodyPr wrap="square" rtlCol="0" anchor="ctr">
+            <a:spAutoFit/>
+          </a:bodyPr>
+          <a:lstStyle/>
+          <a:p>
+            <a:pPr algn="ctr"/>
+            <a:r>
+              <a:rPr lang="pt-BR" sz="1400" dirty="0">
+                <a:latin typeface="Arial" panose="020B0604020202020204" pitchFamily="34" charset="0"/>
+                <a:cs typeface="Arial" panose="020B0604020202020204" pitchFamily="34" charset="0"/>
+              </a:rPr>
+              <a:t>Temos o nosso jogador, que é representado por esse retângulo azul:</a:t>
+            </a:r>
+          </a:p>
+          <a:p>
+            <a:pPr algn="ctr"/>
+            <a:endParaRPr lang="pt-BR" dirty="0"/>
+          </a:p>
+        </p:txBody>
+      </p:sp>
+      <p:sp>
+        <p:nvSpPr>
+          <p:cNvPr id="4" name="Retângulo 3">
+            <a:extLst>
+              <a:ext uri="{FF2B5EF4-FFF2-40B4-BE49-F238E27FC236}">
+                <a16:creationId xmlns:a16="http://schemas.microsoft.com/office/drawing/2014/main" id="{81106044-E0F5-AF4B-1709-685F283521DC}"/>
+              </a:ext>
+            </a:extLst>
+          </p:cNvPr>
+          <p:cNvSpPr/>
+          <p:nvPr/>
+        </p:nvSpPr>
+        <p:spPr>
+          <a:xfrm>
+            <a:off x="2892165" y="2755243"/>
+            <a:ext cx="750265" cy="1119655"/>
+          </a:xfrm>
+          <a:prstGeom prst="rect">
+            <a:avLst/>
+          </a:prstGeom>
+          <a:solidFill>
+            <a:schemeClr val="accent1">
+              <a:lumMod val="40000"/>
+              <a:lumOff val="60000"/>
+            </a:schemeClr>
+          </a:solidFill>
+          <a:ln>
+            <a:solidFill>
+              <a:schemeClr val="tx2">
+                <a:lumMod val="75000"/>
+                <a:lumOff val="25000"/>
+              </a:schemeClr>
+            </a:solidFill>
+            <a:prstDash val="lgDash"/>
+          </a:ln>
+        </p:spPr>
+        <p:style>
+          <a:lnRef idx="2">
+            <a:schemeClr val="accent1">
+              <a:shade val="15000"/>
+            </a:schemeClr>
+          </a:lnRef>
+          <a:fillRef idx="1">
+            <a:schemeClr val="accent1"/>
+          </a:fillRef>
+          <a:effectRef idx="0">
+            <a:schemeClr val="accent1"/>
+          </a:effectRef>
+          <a:fontRef idx="minor">
+            <a:schemeClr val="lt1"/>
+          </a:fontRef>
+        </p:style>
+        <p:txBody>
+          <a:bodyPr rtlCol="0" anchor="ctr"/>
+          <a:lstStyle/>
+          <a:p>
+            <a:pPr algn="ctr"/>
+            <a:endParaRPr lang="pt-BR"/>
+          </a:p>
+        </p:txBody>
+      </p:sp>
+      <p:sp>
+        <p:nvSpPr>
+          <p:cNvPr id="15" name="Retângulo: Cantos Arredondados 14">
+            <a:extLst>
+              <a:ext uri="{FF2B5EF4-FFF2-40B4-BE49-F238E27FC236}">
+                <a16:creationId xmlns:a16="http://schemas.microsoft.com/office/drawing/2014/main" id="{D65CBF8E-9A7B-DE72-241E-4A28E979CCBA}"/>
+              </a:ext>
+            </a:extLst>
+          </p:cNvPr>
+          <p:cNvSpPr/>
+          <p:nvPr/>
+        </p:nvSpPr>
+        <p:spPr>
+          <a:xfrm>
+            <a:off x="1297579" y="5464245"/>
+            <a:ext cx="4050292" cy="310243"/>
+          </a:xfrm>
+          <a:prstGeom prst="roundRect">
+            <a:avLst/>
+          </a:prstGeom>
+          <a:solidFill>
+            <a:schemeClr val="bg1">
+              <a:lumMod val="95000"/>
+            </a:schemeClr>
+          </a:solidFill>
+          <a:ln w="3175">
+            <a:solidFill>
+              <a:schemeClr val="bg2">
+                <a:lumMod val="75000"/>
+              </a:schemeClr>
+            </a:solidFill>
+          </a:ln>
+          <a:effectLst>
+            <a:outerShdw blurRad="127000" dist="38100" dir="5400000" sx="80000" sy="80000" algn="t" rotWithShape="0">
+              <a:schemeClr val="tx1">
+                <a:lumMod val="50000"/>
+                <a:lumOff val="50000"/>
+                <a:alpha val="40000"/>
+              </a:schemeClr>
+            </a:outerShdw>
+          </a:effectLst>
+        </p:spPr>
+        <p:style>
+          <a:lnRef idx="2">
+            <a:schemeClr val="accent1">
+              <a:shade val="15000"/>
+            </a:schemeClr>
+          </a:lnRef>
+          <a:fillRef idx="1">
+            <a:schemeClr val="accent1"/>
+          </a:fillRef>
+          <a:effectRef idx="0">
+            <a:schemeClr val="accent1"/>
+          </a:effectRef>
+          <a:fontRef idx="minor">
+            <a:schemeClr val="lt1"/>
+          </a:fontRef>
+        </p:style>
+        <p:txBody>
+          <a:bodyPr rtlCol="0" anchor="ctr"/>
+          <a:lstStyle/>
+          <a:p>
+            <a:r>
+              <a:rPr lang="pt-BR" sz="1000" dirty="0" err="1">
+                <a:solidFill>
+                  <a:schemeClr val="tx1"/>
+                </a:solidFill>
+                <a:latin typeface="MS Gothic" panose="020B0609070205080204" pitchFamily="49" charset="-128"/>
+                <a:ea typeface="MS Gothic" panose="020B0609070205080204" pitchFamily="49" charset="-128"/>
+              </a:rPr>
+              <a:t>jogadorRect.x</a:t>
+            </a:r>
+            <a:r>
+              <a:rPr lang="pt-BR" sz="1000" dirty="0">
+                <a:solidFill>
+                  <a:schemeClr val="tx1"/>
+                </a:solidFill>
+                <a:latin typeface="MS Gothic" panose="020B0609070205080204" pitchFamily="49" charset="-128"/>
+                <a:ea typeface="MS Gothic" panose="020B0609070205080204" pitchFamily="49" charset="-128"/>
+              </a:rPr>
+              <a:t> += velocidade</a:t>
+            </a:r>
+          </a:p>
+        </p:txBody>
+      </p:sp>
+      <p:sp>
+        <p:nvSpPr>
+          <p:cNvPr id="16" name="Retângulo: Cantos Arredondados 15">
+            <a:extLst>
+              <a:ext uri="{FF2B5EF4-FFF2-40B4-BE49-F238E27FC236}">
+                <a16:creationId xmlns:a16="http://schemas.microsoft.com/office/drawing/2014/main" id="{AF9D6359-ADE6-D17C-6177-5DD12314F81B}"/>
+              </a:ext>
+            </a:extLst>
+          </p:cNvPr>
+          <p:cNvSpPr/>
+          <p:nvPr/>
+        </p:nvSpPr>
+        <p:spPr>
+          <a:xfrm>
+            <a:off x="6890706" y="5476443"/>
+            <a:ext cx="4050292" cy="310243"/>
+          </a:xfrm>
+          <a:prstGeom prst="roundRect">
+            <a:avLst/>
+          </a:prstGeom>
+          <a:solidFill>
+            <a:schemeClr val="bg1">
+              <a:lumMod val="95000"/>
+            </a:schemeClr>
+          </a:solidFill>
+          <a:ln w="3175">
+            <a:solidFill>
+              <a:schemeClr val="bg2">
+                <a:lumMod val="75000"/>
+              </a:schemeClr>
+            </a:solidFill>
+          </a:ln>
+          <a:effectLst>
+            <a:outerShdw blurRad="127000" dist="38100" dir="5400000" sx="80000" sy="80000" algn="t" rotWithShape="0">
+              <a:schemeClr val="tx1">
+                <a:lumMod val="50000"/>
+                <a:lumOff val="50000"/>
+                <a:alpha val="40000"/>
+              </a:schemeClr>
+            </a:outerShdw>
+          </a:effectLst>
+        </p:spPr>
+        <p:style>
+          <a:lnRef idx="2">
+            <a:schemeClr val="accent1">
+              <a:shade val="15000"/>
+            </a:schemeClr>
+          </a:lnRef>
+          <a:fillRef idx="1">
+            <a:schemeClr val="accent1"/>
+          </a:fillRef>
+          <a:effectRef idx="0">
+            <a:schemeClr val="accent1"/>
+          </a:effectRef>
+          <a:fontRef idx="minor">
+            <a:schemeClr val="lt1"/>
+          </a:fontRef>
+        </p:style>
+        <p:txBody>
+          <a:bodyPr rtlCol="0" anchor="ctr"/>
+          <a:lstStyle/>
+          <a:p>
+            <a:r>
+              <a:rPr lang="pt-BR" sz="1000" dirty="0" err="1">
+                <a:solidFill>
+                  <a:schemeClr val="tx1"/>
+                </a:solidFill>
+                <a:latin typeface="MS Gothic" panose="020B0609070205080204" pitchFamily="49" charset="-128"/>
+                <a:ea typeface="MS Gothic" panose="020B0609070205080204" pitchFamily="49" charset="-128"/>
+              </a:rPr>
+              <a:t>jogadorRect.x</a:t>
+            </a:r>
+            <a:r>
+              <a:rPr lang="pt-BR" sz="1000" dirty="0">
+                <a:solidFill>
+                  <a:schemeClr val="tx1"/>
+                </a:solidFill>
+                <a:latin typeface="MS Gothic" panose="020B0609070205080204" pitchFamily="49" charset="-128"/>
+                <a:ea typeface="MS Gothic" panose="020B0609070205080204" pitchFamily="49" charset="-128"/>
+              </a:rPr>
+              <a:t> -= velocidade</a:t>
+            </a:r>
+          </a:p>
+        </p:txBody>
+      </p:sp>
+      <p:sp>
+        <p:nvSpPr>
+          <p:cNvPr id="17" name="CaixaDeTexto 16">
+            <a:extLst>
+              <a:ext uri="{FF2B5EF4-FFF2-40B4-BE49-F238E27FC236}">
+                <a16:creationId xmlns:a16="http://schemas.microsoft.com/office/drawing/2014/main" id="{A7C4A62F-E466-36C8-E606-78D9F08EAC59}"/>
+              </a:ext>
+            </a:extLst>
+          </p:cNvPr>
+          <p:cNvSpPr txBox="1"/>
+          <p:nvPr/>
+        </p:nvSpPr>
+        <p:spPr>
+          <a:xfrm>
+            <a:off x="1297579" y="4552228"/>
+            <a:ext cx="4050292" cy="1015663"/>
+          </a:xfrm>
+          <a:prstGeom prst="rect">
+            <a:avLst/>
+          </a:prstGeom>
+          <a:noFill/>
+        </p:spPr>
+        <p:txBody>
+          <a:bodyPr wrap="square" rtlCol="0" anchor="ctr">
+            <a:spAutoFit/>
+          </a:bodyPr>
+          <a:lstStyle/>
+          <a:p>
+            <a:pPr algn="just"/>
+            <a:r>
+              <a:rPr lang="pt-BR" sz="1400" dirty="0">
+                <a:latin typeface="Arial" panose="020B0604020202020204" pitchFamily="34" charset="0"/>
+                <a:cs typeface="Arial" panose="020B0604020202020204" pitchFamily="34" charset="0"/>
+              </a:rPr>
+              <a:t>Para movimentar o jogador para a esquerda, devemos diminuir seu </a:t>
+            </a:r>
+            <a:r>
+              <a:rPr lang="pt-BR" sz="1400" dirty="0" err="1">
+                <a:latin typeface="Arial" panose="020B0604020202020204" pitchFamily="34" charset="0"/>
+                <a:cs typeface="Arial" panose="020B0604020202020204" pitchFamily="34" charset="0"/>
+              </a:rPr>
+              <a:t>rect.X</a:t>
+            </a:r>
+            <a:r>
+              <a:rPr lang="pt-BR" sz="1400" dirty="0">
+                <a:latin typeface="Arial" panose="020B0604020202020204" pitchFamily="34" charset="0"/>
+                <a:cs typeface="Arial" panose="020B0604020202020204" pitchFamily="34" charset="0"/>
+              </a:rPr>
+              <a:t>, diminuir a distancia entre ele e a borda esquerda da tela.</a:t>
+            </a:r>
+          </a:p>
+          <a:p>
+            <a:pPr algn="ctr"/>
+            <a:endParaRPr lang="pt-BR" dirty="0"/>
+          </a:p>
+        </p:txBody>
+      </p:sp>
+      <p:cxnSp>
+        <p:nvCxnSpPr>
+          <p:cNvPr id="19" name="Conector de Seta Reta 18">
+            <a:extLst>
+              <a:ext uri="{FF2B5EF4-FFF2-40B4-BE49-F238E27FC236}">
+                <a16:creationId xmlns:a16="http://schemas.microsoft.com/office/drawing/2014/main" id="{9BC6ED7D-7F51-1BE7-DEEA-41A0540F67FB}"/>
+              </a:ext>
+            </a:extLst>
+          </p:cNvPr>
+          <p:cNvCxnSpPr>
+            <a:cxnSpLocks/>
+          </p:cNvCxnSpPr>
+          <p:nvPr/>
+        </p:nvCxnSpPr>
+        <p:spPr>
+          <a:xfrm flipH="1">
+            <a:off x="1297579" y="4206437"/>
+            <a:ext cx="4050292" cy="0"/>
+          </a:xfrm>
+          <a:prstGeom prst="straightConnector1">
+            <a:avLst/>
+          </a:prstGeom>
+          <a:ln w="57150">
+            <a:tailEnd type="triangle"/>
+          </a:ln>
+        </p:spPr>
+        <p:style>
+          <a:lnRef idx="2">
+            <a:schemeClr val="accent1"/>
+          </a:lnRef>
+          <a:fillRef idx="0">
+            <a:schemeClr val="accent1"/>
+          </a:fillRef>
+          <a:effectRef idx="1">
+            <a:schemeClr val="accent1"/>
+          </a:effectRef>
+          <a:fontRef idx="minor">
+            <a:schemeClr val="tx1"/>
+          </a:fontRef>
+        </p:style>
+      </p:cxnSp>
+      <p:sp>
+        <p:nvSpPr>
+          <p:cNvPr id="22" name="Retângulo 21">
+            <a:extLst>
+              <a:ext uri="{FF2B5EF4-FFF2-40B4-BE49-F238E27FC236}">
+                <a16:creationId xmlns:a16="http://schemas.microsoft.com/office/drawing/2014/main" id="{B182A5F7-FF65-39EF-8A61-7DA311795D63}"/>
+              </a:ext>
+            </a:extLst>
+          </p:cNvPr>
+          <p:cNvSpPr/>
+          <p:nvPr/>
+        </p:nvSpPr>
+        <p:spPr>
+          <a:xfrm>
+            <a:off x="8414872" y="2702389"/>
+            <a:ext cx="750265" cy="1119655"/>
+          </a:xfrm>
+          <a:prstGeom prst="rect">
+            <a:avLst/>
+          </a:prstGeom>
+          <a:solidFill>
+            <a:schemeClr val="accent1">
+              <a:lumMod val="40000"/>
+              <a:lumOff val="60000"/>
+            </a:schemeClr>
+          </a:solidFill>
+          <a:ln>
+            <a:solidFill>
+              <a:schemeClr val="tx2">
+                <a:lumMod val="75000"/>
+                <a:lumOff val="25000"/>
+              </a:schemeClr>
+            </a:solidFill>
+            <a:prstDash val="lgDash"/>
+          </a:ln>
+        </p:spPr>
+        <p:style>
+          <a:lnRef idx="2">
+            <a:schemeClr val="accent1">
+              <a:shade val="15000"/>
+            </a:schemeClr>
+          </a:lnRef>
+          <a:fillRef idx="1">
+            <a:schemeClr val="accent1"/>
+          </a:fillRef>
+          <a:effectRef idx="0">
+            <a:schemeClr val="accent1"/>
+          </a:effectRef>
+          <a:fontRef idx="minor">
+            <a:schemeClr val="lt1"/>
+          </a:fontRef>
+        </p:style>
+        <p:txBody>
+          <a:bodyPr rtlCol="0" anchor="ctr"/>
+          <a:lstStyle/>
+          <a:p>
+            <a:pPr algn="ctr"/>
+            <a:endParaRPr lang="pt-BR"/>
+          </a:p>
+        </p:txBody>
+      </p:sp>
+      <p:cxnSp>
+        <p:nvCxnSpPr>
+          <p:cNvPr id="23" name="Conector de Seta Reta 22">
+            <a:extLst>
+              <a:ext uri="{FF2B5EF4-FFF2-40B4-BE49-F238E27FC236}">
+                <a16:creationId xmlns:a16="http://schemas.microsoft.com/office/drawing/2014/main" id="{5E500CCE-3F6E-8760-4A24-05FA64900EB1}"/>
+              </a:ext>
+            </a:extLst>
+          </p:cNvPr>
+          <p:cNvCxnSpPr>
+            <a:cxnSpLocks/>
+          </p:cNvCxnSpPr>
+          <p:nvPr/>
+        </p:nvCxnSpPr>
+        <p:spPr>
+          <a:xfrm>
+            <a:off x="6851906" y="4206437"/>
+            <a:ext cx="4089092" cy="0"/>
+          </a:xfrm>
+          <a:prstGeom prst="straightConnector1">
+            <a:avLst/>
+          </a:prstGeom>
+          <a:ln w="57150">
+            <a:tailEnd type="triangle"/>
+          </a:ln>
+        </p:spPr>
+        <p:style>
+          <a:lnRef idx="2">
+            <a:schemeClr val="accent1"/>
+          </a:lnRef>
+          <a:fillRef idx="0">
+            <a:schemeClr val="accent1"/>
+          </a:fillRef>
+          <a:effectRef idx="1">
+            <a:schemeClr val="accent1"/>
+          </a:effectRef>
+          <a:fontRef idx="minor">
+            <a:schemeClr val="tx1"/>
+          </a:fontRef>
+        </p:style>
+      </p:cxnSp>
+      <p:sp>
+        <p:nvSpPr>
+          <p:cNvPr id="31" name="CaixaDeTexto 30">
+            <a:extLst>
+              <a:ext uri="{FF2B5EF4-FFF2-40B4-BE49-F238E27FC236}">
+                <a16:creationId xmlns:a16="http://schemas.microsoft.com/office/drawing/2014/main" id="{454BF8C9-B835-807E-E247-9A7C208428D7}"/>
+              </a:ext>
+            </a:extLst>
+          </p:cNvPr>
+          <p:cNvSpPr txBox="1"/>
+          <p:nvPr/>
+        </p:nvSpPr>
+        <p:spPr>
+          <a:xfrm>
+            <a:off x="6851906" y="4543890"/>
+            <a:ext cx="4050292" cy="1015663"/>
+          </a:xfrm>
+          <a:prstGeom prst="rect">
+            <a:avLst/>
+          </a:prstGeom>
+          <a:noFill/>
+        </p:spPr>
+        <p:txBody>
+          <a:bodyPr wrap="square" rtlCol="0" anchor="ctr">
+            <a:spAutoFit/>
+          </a:bodyPr>
+          <a:lstStyle/>
+          <a:p>
+            <a:pPr algn="just"/>
+            <a:r>
+              <a:rPr lang="pt-BR" sz="1400" dirty="0">
+                <a:latin typeface="Arial" panose="020B0604020202020204" pitchFamily="34" charset="0"/>
+                <a:cs typeface="Arial" panose="020B0604020202020204" pitchFamily="34" charset="0"/>
+              </a:rPr>
+              <a:t>Para movimentar o jogador para a direita, devemos aumentar seu </a:t>
+            </a:r>
+            <a:r>
+              <a:rPr lang="pt-BR" sz="1400" dirty="0" err="1">
+                <a:latin typeface="Arial" panose="020B0604020202020204" pitchFamily="34" charset="0"/>
+                <a:cs typeface="Arial" panose="020B0604020202020204" pitchFamily="34" charset="0"/>
+              </a:rPr>
+              <a:t>rect.X</a:t>
+            </a:r>
+            <a:r>
+              <a:rPr lang="pt-BR" sz="1400" dirty="0">
+                <a:latin typeface="Arial" panose="020B0604020202020204" pitchFamily="34" charset="0"/>
+                <a:cs typeface="Arial" panose="020B0604020202020204" pitchFamily="34" charset="0"/>
+              </a:rPr>
+              <a:t>, aumentar a distancia entre ele e a borda esquerda da tela.</a:t>
+            </a:r>
+          </a:p>
+          <a:p>
+            <a:pPr algn="ctr"/>
+            <a:endParaRPr lang="pt-BR" dirty="0"/>
+          </a:p>
+        </p:txBody>
+      </p:sp>
+    </p:spTree>
+    <p:extLst>
+      <p:ext uri="{BB962C8B-B14F-4D97-AF65-F5344CB8AC3E}">
+        <p14:creationId xmlns:p14="http://schemas.microsoft.com/office/powerpoint/2010/main" val="4132324595"/>
+      </p:ext>
+    </p:extLst>
+  </p:cSld>
+  <p:clrMapOvr>
+    <a:masterClrMapping/>
+  </p:clrMapOvr>
+</p:sld>
+</file>
+
+<file path=ppt/slides/slide7.xml><?xml version="1.0" encoding="utf-8"?>
+<p:sld xmlns:a="http://schemas.openxmlformats.org/drawingml/2006/main" xmlns:r="http://schemas.openxmlformats.org/officeDocument/2006/relationships" xmlns:p="http://schemas.openxmlformats.org/presentationml/2006/main">
+  <p:cSld>
+    <p:spTree>
+      <p:nvGrpSpPr>
+        <p:cNvPr id="1" name=""/>
+        <p:cNvGrpSpPr/>
+        <p:nvPr/>
+      </p:nvGrpSpPr>
+      <p:grpSpPr>
+        <a:xfrm>
+          <a:off x="0" y="0"/>
+          <a:ext cx="0" cy="0"/>
+          <a:chOff x="0" y="0"/>
+          <a:chExt cx="0" cy="0"/>
+        </a:xfrm>
+      </p:grpSpPr>
+      <p:pic>
+        <p:nvPicPr>
+          <p:cNvPr id="8" name="Imagem 7">
+            <a:extLst>
+              <a:ext uri="{FF2B5EF4-FFF2-40B4-BE49-F238E27FC236}">
+                <a16:creationId xmlns:a16="http://schemas.microsoft.com/office/drawing/2014/main" id="{710F8ED2-0B55-1E17-109D-5D347DA1D4C4}"/>
+              </a:ext>
+              <a:ext uri="{C183D7F6-B498-43B3-948B-1728B52AA6E4}">
+                <adec:decorative xmlns:adec="http://schemas.microsoft.com/office/drawing/2017/decorative" val="1"/>
+              </a:ext>
+            </a:extLst>
+          </p:cNvPr>
+          <p:cNvPicPr>
+            <a:picLocks noGrp="1" noRot="1" noChangeAspect="1" noMove="1" noResize="1" noEditPoints="1" noAdjustHandles="1" noChangeArrowheads="1" noChangeShapeType="1" noCrop="1"/>
+          </p:cNvPicPr>
+          <p:nvPr/>
+        </p:nvPicPr>
+        <p:blipFill>
+          <a:blip r:embed="rId2">
+            <a:extLst>
+              <a:ext uri="{28A0092B-C50C-407E-A947-70E740481C1C}">
+                <a14:useLocalDpi xmlns:a14="http://schemas.microsoft.com/office/drawing/2010/main" val="0"/>
+              </a:ext>
+            </a:extLst>
+          </a:blip>
+          <a:stretch>
+            <a:fillRect/>
+          </a:stretch>
+        </p:blipFill>
+        <p:spPr>
+          <a:xfrm rot="5400000">
+            <a:off x="2667000" y="-2667000"/>
+            <a:ext cx="6858000" cy="12192000"/>
+          </a:xfrm>
+          <a:prstGeom prst="rect">
+            <a:avLst/>
+          </a:prstGeom>
+        </p:spPr>
+      </p:pic>
+      <p:sp>
+        <p:nvSpPr>
+          <p:cNvPr id="9" name="Retângulo 8">
+            <a:extLst>
+              <a:ext uri="{FF2B5EF4-FFF2-40B4-BE49-F238E27FC236}">
+                <a16:creationId xmlns:a16="http://schemas.microsoft.com/office/drawing/2014/main" id="{F99C5232-514F-42CF-D574-1BBE4790CCC4}"/>
+              </a:ext>
+            </a:extLst>
+          </p:cNvPr>
+          <p:cNvSpPr>
+            <a:spLocks noGrp="1" noRot="1" noMove="1" noResize="1" noEditPoints="1" noAdjustHandles="1" noChangeArrowheads="1" noChangeShapeType="1"/>
+          </p:cNvSpPr>
+          <p:nvPr/>
+        </p:nvSpPr>
+        <p:spPr>
+          <a:xfrm>
+            <a:off x="838200" y="681037"/>
+            <a:ext cx="10515599" cy="5495926"/>
+          </a:xfrm>
+          <a:prstGeom prst="rect">
+            <a:avLst/>
+          </a:prstGeom>
+          <a:solidFill>
+            <a:schemeClr val="bg1"/>
+          </a:solidFill>
+          <a:ln>
+            <a:noFill/>
+          </a:ln>
+        </p:spPr>
+        <p:style>
+          <a:lnRef idx="2">
+            <a:schemeClr val="accent1">
+              <a:shade val="15000"/>
+            </a:schemeClr>
+          </a:lnRef>
+          <a:fillRef idx="1">
+            <a:schemeClr val="accent1"/>
+          </a:fillRef>
+          <a:effectRef idx="0">
+            <a:schemeClr val="accent1"/>
+          </a:effectRef>
+          <a:fontRef idx="minor">
+            <a:schemeClr val="lt1"/>
+          </a:fontRef>
+        </p:style>
+        <p:txBody>
+          <a:bodyPr rtlCol="0" anchor="ctr"/>
+          <a:lstStyle/>
+          <a:p>
+            <a:pPr algn="ctr"/>
+            <a:endParaRPr lang="pt-BR" dirty="0">
+              <a:solidFill>
+                <a:schemeClr val="tx1"/>
+              </a:solidFill>
+            </a:endParaRPr>
+          </a:p>
+        </p:txBody>
+      </p:sp>
+      <p:sp>
+        <p:nvSpPr>
+          <p:cNvPr id="2" name="Título 1">
+            <a:extLst>
+              <a:ext uri="{FF2B5EF4-FFF2-40B4-BE49-F238E27FC236}">
+                <a16:creationId xmlns:a16="http://schemas.microsoft.com/office/drawing/2014/main" id="{B49579CD-6587-A521-6C32-7D938D0027AC}"/>
+              </a:ext>
+            </a:extLst>
+          </p:cNvPr>
+          <p:cNvSpPr>
+            <a:spLocks noGrp="1"/>
+          </p:cNvSpPr>
+          <p:nvPr>
+            <p:ph type="title"/>
+          </p:nvPr>
+        </p:nvSpPr>
+        <p:spPr>
+          <a:xfrm>
+            <a:off x="1139083" y="1071314"/>
+            <a:ext cx="9923836" cy="754311"/>
+          </a:xfrm>
+        </p:spPr>
+        <p:txBody>
+          <a:bodyPr/>
+          <a:lstStyle/>
+          <a:p>
+            <a:pPr algn="ctr"/>
+            <a:r>
+              <a:rPr lang="pt-BR" dirty="0"/>
+              <a:t>DESENHANDO RECTS</a:t>
+            </a:r>
+          </a:p>
+        </p:txBody>
+      </p:sp>
+      <p:sp>
+        <p:nvSpPr>
+          <p:cNvPr id="6" name="Rectangle 3">
+            <a:extLst>
+              <a:ext uri="{FF2B5EF4-FFF2-40B4-BE49-F238E27FC236}">
+                <a16:creationId xmlns:a16="http://schemas.microsoft.com/office/drawing/2014/main" id="{7E4CEF73-C928-6327-E976-E887B8D4DD21}"/>
+              </a:ext>
+            </a:extLst>
+          </p:cNvPr>
+          <p:cNvSpPr>
+            <a:spLocks noChangeArrowheads="1"/>
+          </p:cNvSpPr>
+          <p:nvPr/>
+        </p:nvSpPr>
+        <p:spPr bwMode="auto">
+          <a:xfrm>
+            <a:off x="5418308" y="2725714"/>
+            <a:ext cx="5644610" cy="754310"/>
+          </a:xfrm>
+          <a:prstGeom prst="rect">
+            <a:avLst/>
+          </a:prstGeom>
+          <a:noFill/>
+          <a:ln>
+            <a:noFill/>
+          </a:ln>
+          <a:effectLst/>
+          <a:extLst>
+            <a:ext uri="{909E8E84-426E-40DD-AFC4-6F175D3DCCD1}">
+              <a14:hiddenFill xmlns:a14="http://schemas.microsoft.com/office/drawing/2010/main">
+                <a:solidFill>
+                  <a:schemeClr val="accent1"/>
+                </a:solidFill>
+              </a14:hiddenFill>
+            </a:ext>
+            <a:ext uri="{91240B29-F687-4F45-9708-019B960494DF}">
+              <a14:hiddenLine xmlns:a14="http://schemas.microsoft.com/office/drawing/2010/main" w="9525">
+                <a:solidFill>
+                  <a:schemeClr val="tx1"/>
+                </a:solidFill>
+                <a:miter lim="800000"/>
+                <a:headEnd/>
+                <a:tailEnd/>
+              </a14:hiddenLine>
+            </a:ext>
+            <a:ext uri="{AF507438-7753-43E0-B8FC-AC1667EBCBE1}">
+              <a14:hiddenEffects xmlns:a14="http://schemas.microsoft.com/office/drawing/2010/main">
+                <a:effectLst>
+                  <a:outerShdw dist="35921" dir="2700000" algn="ctr" rotWithShape="0">
+                    <a:schemeClr val="bg2"/>
+                  </a:outerShdw>
+                </a:effectLst>
+              </a14:hiddenEffects>
+            </a:ext>
+          </a:extLst>
+        </p:spPr>
+        <p:txBody>
+          <a:bodyPr vert="horz" wrap="square" lIns="0" tIns="198375" rIns="0" bIns="0" numCol="1" anchor="t" anchorCtr="0" compatLnSpc="1">
+            <a:prstTxWarp prst="textNoShape">
+              <a:avLst/>
+            </a:prstTxWarp>
+            <a:spAutoFit/>
+          </a:bodyPr>
+          <a:lstStyle>
+            <a:lvl1pPr eaLnBrk="0" fontAlgn="base" hangingPunct="0">
+              <a:spcBef>
+                <a:spcPct val="0"/>
+              </a:spcBef>
+              <a:spcAft>
+                <a:spcPct val="0"/>
+              </a:spcAft>
+              <a:defRPr>
+                <a:solidFill>
+                  <a:schemeClr val="tx1"/>
+                </a:solidFill>
+                <a:latin typeface="Arial" panose="020B0604020202020204" pitchFamily="34" charset="0"/>
+              </a:defRPr>
+            </a:lvl1pPr>
+            <a:lvl2pPr eaLnBrk="0" fontAlgn="base" hangingPunct="0">
+              <a:spcBef>
+                <a:spcPct val="0"/>
+              </a:spcBef>
+              <a:spcAft>
+                <a:spcPct val="0"/>
+              </a:spcAft>
+              <a:defRPr>
+                <a:solidFill>
+                  <a:schemeClr val="tx1"/>
+                </a:solidFill>
+                <a:latin typeface="Arial" panose="020B0604020202020204" pitchFamily="34" charset="0"/>
+              </a:defRPr>
+            </a:lvl2pPr>
+            <a:lvl3pPr eaLnBrk="0" fontAlgn="base" hangingPunct="0">
+              <a:spcBef>
+                <a:spcPct val="0"/>
+              </a:spcBef>
+              <a:spcAft>
+                <a:spcPct val="0"/>
+              </a:spcAft>
+              <a:defRPr>
+                <a:solidFill>
+                  <a:schemeClr val="tx1"/>
+                </a:solidFill>
+                <a:latin typeface="Arial" panose="020B0604020202020204" pitchFamily="34" charset="0"/>
+              </a:defRPr>
+            </a:lvl3pPr>
+            <a:lvl4pPr eaLnBrk="0" fontAlgn="base" hangingPunct="0">
+              <a:spcBef>
+                <a:spcPct val="0"/>
+              </a:spcBef>
+              <a:spcAft>
+                <a:spcPct val="0"/>
+              </a:spcAft>
+              <a:defRPr>
+                <a:solidFill>
+                  <a:schemeClr val="tx1"/>
+                </a:solidFill>
+                <a:latin typeface="Arial" panose="020B0604020202020204" pitchFamily="34" charset="0"/>
+              </a:defRPr>
+            </a:lvl4pPr>
+            <a:lvl5pPr eaLnBrk="0" fontAlgn="base" hangingPunct="0">
+              <a:spcBef>
+                <a:spcPct val="0"/>
+              </a:spcBef>
+              <a:spcAft>
+                <a:spcPct val="0"/>
+              </a:spcAft>
+              <a:defRPr>
+                <a:solidFill>
+                  <a:schemeClr val="tx1"/>
+                </a:solidFill>
+                <a:latin typeface="Arial" panose="020B0604020202020204" pitchFamily="34" charset="0"/>
+              </a:defRPr>
+            </a:lvl5pPr>
+            <a:lvl6pPr eaLnBrk="0" fontAlgn="base" hangingPunct="0">
+              <a:spcBef>
+                <a:spcPct val="0"/>
+              </a:spcBef>
+              <a:spcAft>
+                <a:spcPct val="0"/>
+              </a:spcAft>
+              <a:defRPr>
+                <a:solidFill>
+                  <a:schemeClr val="tx1"/>
+                </a:solidFill>
+                <a:latin typeface="Arial" panose="020B0604020202020204" pitchFamily="34" charset="0"/>
+              </a:defRPr>
+            </a:lvl6pPr>
+            <a:lvl7pPr eaLnBrk="0" fontAlgn="base" hangingPunct="0">
+              <a:spcBef>
+                <a:spcPct val="0"/>
+              </a:spcBef>
+              <a:spcAft>
+                <a:spcPct val="0"/>
+              </a:spcAft>
+              <a:defRPr>
+                <a:solidFill>
+                  <a:schemeClr val="tx1"/>
+                </a:solidFill>
+                <a:latin typeface="Arial" panose="020B0604020202020204" pitchFamily="34" charset="0"/>
+              </a:defRPr>
+            </a:lvl7pPr>
+            <a:lvl8pPr eaLnBrk="0" fontAlgn="base" hangingPunct="0">
+              <a:spcBef>
+                <a:spcPct val="0"/>
+              </a:spcBef>
+              <a:spcAft>
+                <a:spcPct val="0"/>
+              </a:spcAft>
+              <a:defRPr>
+                <a:solidFill>
+                  <a:schemeClr val="tx1"/>
+                </a:solidFill>
+                <a:latin typeface="Arial" panose="020B0604020202020204" pitchFamily="34" charset="0"/>
+              </a:defRPr>
+            </a:lvl8pPr>
+            <a:lvl9pPr eaLnBrk="0" fontAlgn="base" hangingPunct="0">
+              <a:spcBef>
+                <a:spcPct val="0"/>
+              </a:spcBef>
+              <a:spcAft>
+                <a:spcPct val="0"/>
+              </a:spcAft>
+              <a:defRPr>
+                <a:solidFill>
+                  <a:schemeClr val="tx1"/>
+                </a:solidFill>
+                <a:latin typeface="Arial" panose="020B0604020202020204" pitchFamily="34" charset="0"/>
+              </a:defRPr>
+            </a:lvl9pPr>
+          </a:lstStyle>
+          <a:p>
+            <a:pPr marL="0" marR="0" lvl="0" indent="0" algn="l" defTabSz="914400" rtl="0" eaLnBrk="0" fontAlgn="base" latinLnBrk="0" hangingPunct="0">
+              <a:lnSpc>
+                <a:spcPct val="100000"/>
+              </a:lnSpc>
+              <a:spcBef>
+                <a:spcPct val="0"/>
+              </a:spcBef>
+              <a:spcAft>
+                <a:spcPct val="0"/>
+              </a:spcAft>
+              <a:buClrTx/>
+              <a:buSzTx/>
+              <a:buFontTx/>
+              <a:buNone/>
+              <a:tabLst/>
+            </a:pPr>
+            <a:br>
+              <a:rPr kumimoji="0" lang="pt-BR" altLang="pt-BR" sz="1800" b="0" i="0" u="none" strike="noStrike" cap="none" normalizeH="0" baseline="0" dirty="0">
+                <a:ln>
+                  <a:noFill/>
+                </a:ln>
+                <a:solidFill>
+                  <a:srgbClr val="FFFFFF"/>
+                </a:solidFill>
+                <a:effectLst/>
+                <a:latin typeface="Söhne"/>
+              </a:rPr>
+            </a:br>
+            <a:endParaRPr kumimoji="0" lang="pt-BR" altLang="pt-BR" sz="1800" b="0" i="0" u="none" strike="noStrike" cap="none" normalizeH="0" baseline="0" dirty="0">
+              <a:ln>
+                <a:noFill/>
+              </a:ln>
+              <a:solidFill>
+                <a:schemeClr val="tx1"/>
+              </a:solidFill>
+              <a:effectLst/>
+              <a:latin typeface="Arial" panose="020B0604020202020204" pitchFamily="34" charset="0"/>
+            </a:endParaRPr>
+          </a:p>
+        </p:txBody>
+      </p:sp>
+      <p:sp>
+        <p:nvSpPr>
+          <p:cNvPr id="10" name="CaixaDeTexto 9">
+            <a:extLst>
+              <a:ext uri="{FF2B5EF4-FFF2-40B4-BE49-F238E27FC236}">
+                <a16:creationId xmlns:a16="http://schemas.microsoft.com/office/drawing/2014/main" id="{A5A78432-07A6-0CF9-5567-7A7B7E3C2D6B}"/>
+              </a:ext>
+            </a:extLst>
+          </p:cNvPr>
+          <p:cNvSpPr txBox="1"/>
+          <p:nvPr/>
+        </p:nvSpPr>
+        <p:spPr>
+          <a:xfrm>
+            <a:off x="6816030" y="4916301"/>
+            <a:ext cx="4050292" cy="738664"/>
+          </a:xfrm>
+          <a:prstGeom prst="rect">
+            <a:avLst/>
+          </a:prstGeom>
+          <a:noFill/>
+        </p:spPr>
+        <p:txBody>
+          <a:bodyPr wrap="square" rtlCol="0" anchor="ctr">
+            <a:spAutoFit/>
+          </a:bodyPr>
+          <a:lstStyle/>
+          <a:p>
+            <a:pPr algn="just"/>
+            <a:r>
+              <a:rPr lang="pt-BR" sz="1400" dirty="0">
+                <a:latin typeface="Arial" panose="020B0604020202020204" pitchFamily="34" charset="0"/>
+                <a:cs typeface="Arial" panose="020B0604020202020204" pitchFamily="34" charset="0"/>
+              </a:rPr>
+              <a:t>Geralmente, nos jogos, o </a:t>
+            </a:r>
+            <a:r>
+              <a:rPr lang="pt-BR" sz="1400" dirty="0" err="1">
+                <a:latin typeface="Arial" panose="020B0604020202020204" pitchFamily="34" charset="0"/>
+                <a:cs typeface="Arial" panose="020B0604020202020204" pitchFamily="34" charset="0"/>
+              </a:rPr>
+              <a:t>rect</a:t>
+            </a:r>
+            <a:r>
+              <a:rPr lang="pt-BR" sz="1400" dirty="0">
+                <a:latin typeface="Arial" panose="020B0604020202020204" pitchFamily="34" charset="0"/>
+                <a:cs typeface="Arial" panose="020B0604020202020204" pitchFamily="34" charset="0"/>
+              </a:rPr>
+              <a:t> do jogador é invisível, e um sprite é desenhado na sua </a:t>
+            </a:r>
+            <a:r>
+              <a:rPr lang="pt-BR" sz="1400" dirty="0" err="1">
+                <a:latin typeface="Arial" panose="020B0604020202020204" pitchFamily="34" charset="0"/>
+                <a:cs typeface="Arial" panose="020B0604020202020204" pitchFamily="34" charset="0"/>
+              </a:rPr>
+              <a:t>posição.z</a:t>
+            </a:r>
+            <a:r>
+              <a:rPr lang="pt-BR" sz="1400" dirty="0">
+                <a:latin typeface="Arial" panose="020B0604020202020204" pitchFamily="34" charset="0"/>
+                <a:cs typeface="Arial" panose="020B0604020202020204" pitchFamily="34" charset="0"/>
+              </a:rPr>
+              <a:t> </a:t>
+            </a:r>
+          </a:p>
+        </p:txBody>
+      </p:sp>
+      <p:sp>
+        <p:nvSpPr>
+          <p:cNvPr id="15" name="Retângulo: Cantos Arredondados 14">
+            <a:extLst>
+              <a:ext uri="{FF2B5EF4-FFF2-40B4-BE49-F238E27FC236}">
+                <a16:creationId xmlns:a16="http://schemas.microsoft.com/office/drawing/2014/main" id="{D65CBF8E-9A7B-DE72-241E-4A28E979CCBA}"/>
+              </a:ext>
+            </a:extLst>
+          </p:cNvPr>
+          <p:cNvSpPr/>
+          <p:nvPr/>
+        </p:nvSpPr>
+        <p:spPr>
+          <a:xfrm>
+            <a:off x="2033816" y="1933584"/>
+            <a:ext cx="4050292" cy="310243"/>
+          </a:xfrm>
+          <a:prstGeom prst="roundRect">
+            <a:avLst/>
+          </a:prstGeom>
+          <a:solidFill>
+            <a:schemeClr val="bg1">
+              <a:lumMod val="95000"/>
+            </a:schemeClr>
+          </a:solidFill>
+          <a:ln w="3175">
+            <a:solidFill>
+              <a:schemeClr val="bg2">
+                <a:lumMod val="75000"/>
+              </a:schemeClr>
+            </a:solidFill>
+          </a:ln>
+          <a:effectLst>
+            <a:outerShdw blurRad="127000" dist="38100" dir="5400000" sx="80000" sy="80000" algn="t" rotWithShape="0">
+              <a:schemeClr val="tx1">
+                <a:lumMod val="50000"/>
+                <a:lumOff val="50000"/>
+                <a:alpha val="40000"/>
+              </a:schemeClr>
+            </a:outerShdw>
+          </a:effectLst>
+        </p:spPr>
+        <p:style>
+          <a:lnRef idx="2">
+            <a:schemeClr val="accent1">
+              <a:shade val="15000"/>
+            </a:schemeClr>
+          </a:lnRef>
+          <a:fillRef idx="1">
+            <a:schemeClr val="accent1"/>
+          </a:fillRef>
+          <a:effectRef idx="0">
+            <a:schemeClr val="accent1"/>
+          </a:effectRef>
+          <a:fontRef idx="minor">
+            <a:schemeClr val="lt1"/>
+          </a:fontRef>
+        </p:style>
+        <p:txBody>
+          <a:bodyPr rtlCol="0" anchor="ctr"/>
+          <a:lstStyle/>
+          <a:p>
+            <a:r>
+              <a:rPr lang="pt-BR" sz="1000" dirty="0" err="1">
+                <a:solidFill>
+                  <a:schemeClr val="tx1"/>
+                </a:solidFill>
+                <a:latin typeface="MS Gothic" panose="020B0609070205080204" pitchFamily="49" charset="-128"/>
+                <a:ea typeface="MS Gothic" panose="020B0609070205080204" pitchFamily="49" charset="-128"/>
+              </a:rPr>
+              <a:t>pygame.draw.rect</a:t>
+            </a:r>
+            <a:r>
+              <a:rPr lang="pt-BR" sz="1000" dirty="0">
+                <a:solidFill>
+                  <a:schemeClr val="tx1"/>
+                </a:solidFill>
+                <a:latin typeface="MS Gothic" panose="020B0609070205080204" pitchFamily="49" charset="-128"/>
+                <a:ea typeface="MS Gothic" panose="020B0609070205080204" pitchFamily="49" charset="-128"/>
+              </a:rPr>
+              <a:t>(tela, </a:t>
+            </a:r>
+            <a:r>
+              <a:rPr lang="pt-BR" sz="1000" dirty="0" err="1">
+                <a:solidFill>
+                  <a:schemeClr val="tx1"/>
+                </a:solidFill>
+                <a:latin typeface="MS Gothic" panose="020B0609070205080204" pitchFamily="49" charset="-128"/>
+                <a:ea typeface="MS Gothic" panose="020B0609070205080204" pitchFamily="49" charset="-128"/>
+              </a:rPr>
+              <a:t>jogadorRectCor</a:t>
+            </a:r>
+            <a:r>
+              <a:rPr lang="pt-BR" sz="1000" dirty="0">
+                <a:solidFill>
+                  <a:schemeClr val="tx1"/>
+                </a:solidFill>
+                <a:latin typeface="MS Gothic" panose="020B0609070205080204" pitchFamily="49" charset="-128"/>
+                <a:ea typeface="MS Gothic" panose="020B0609070205080204" pitchFamily="49" charset="-128"/>
+              </a:rPr>
+              <a:t>, </a:t>
+            </a:r>
+            <a:r>
+              <a:rPr lang="pt-BR" sz="1000" dirty="0" err="1">
+                <a:solidFill>
+                  <a:schemeClr val="tx1"/>
+                </a:solidFill>
+                <a:latin typeface="MS Gothic" panose="020B0609070205080204" pitchFamily="49" charset="-128"/>
+                <a:ea typeface="MS Gothic" panose="020B0609070205080204" pitchFamily="49" charset="-128"/>
+              </a:rPr>
+              <a:t>jogadorRect</a:t>
+            </a:r>
+            <a:r>
+              <a:rPr lang="pt-BR" sz="1000" dirty="0">
+                <a:solidFill>
+                  <a:schemeClr val="tx1"/>
+                </a:solidFill>
+                <a:latin typeface="MS Gothic" panose="020B0609070205080204" pitchFamily="49" charset="-128"/>
+                <a:ea typeface="MS Gothic" panose="020B0609070205080204" pitchFamily="49" charset="-128"/>
+              </a:rPr>
+              <a:t>)</a:t>
+            </a:r>
+          </a:p>
+        </p:txBody>
+      </p:sp>
+      <p:sp>
+        <p:nvSpPr>
+          <p:cNvPr id="11" name="CaixaDeTexto 10">
+            <a:extLst>
+              <a:ext uri="{FF2B5EF4-FFF2-40B4-BE49-F238E27FC236}">
+                <a16:creationId xmlns:a16="http://schemas.microsoft.com/office/drawing/2014/main" id="{6A3FC98C-1B97-E00C-4593-21F4BE61B07C}"/>
+              </a:ext>
+            </a:extLst>
+          </p:cNvPr>
+          <p:cNvSpPr txBox="1"/>
+          <p:nvPr/>
+        </p:nvSpPr>
+        <p:spPr>
+          <a:xfrm>
+            <a:off x="2033816" y="2434201"/>
+            <a:ext cx="4050292" cy="800219"/>
+          </a:xfrm>
+          <a:prstGeom prst="rect">
+            <a:avLst/>
+          </a:prstGeom>
+          <a:noFill/>
+        </p:spPr>
+        <p:txBody>
+          <a:bodyPr wrap="square" rtlCol="0" anchor="ctr">
+            <a:spAutoFit/>
+          </a:bodyPr>
+          <a:lstStyle/>
+          <a:p>
+            <a:pPr algn="just"/>
+            <a:r>
+              <a:rPr lang="pt-BR" sz="1400" dirty="0">
+                <a:latin typeface="Arial" panose="020B0604020202020204" pitchFamily="34" charset="0"/>
+                <a:cs typeface="Arial" panose="020B0604020202020204" pitchFamily="34" charset="0"/>
+              </a:rPr>
+              <a:t>Desenha na tela, com a cor </a:t>
+            </a:r>
+            <a:r>
+              <a:rPr lang="pt-BR" sz="1400" dirty="0" err="1">
+                <a:latin typeface="Arial" panose="020B0604020202020204" pitchFamily="34" charset="0"/>
+                <a:cs typeface="Arial" panose="020B0604020202020204" pitchFamily="34" charset="0"/>
+              </a:rPr>
+              <a:t>jogadorRectCor</a:t>
+            </a:r>
+            <a:r>
+              <a:rPr lang="pt-BR" sz="1400" dirty="0">
+                <a:latin typeface="Arial" panose="020B0604020202020204" pitchFamily="34" charset="0"/>
+                <a:cs typeface="Arial" panose="020B0604020202020204" pitchFamily="34" charset="0"/>
+              </a:rPr>
+              <a:t>, o </a:t>
+            </a:r>
+            <a:r>
+              <a:rPr lang="pt-BR" sz="1400" dirty="0" err="1">
+                <a:latin typeface="Arial" panose="020B0604020202020204" pitchFamily="34" charset="0"/>
+                <a:cs typeface="Arial" panose="020B0604020202020204" pitchFamily="34" charset="0"/>
+              </a:rPr>
+              <a:t>rect</a:t>
+            </a:r>
+            <a:r>
+              <a:rPr lang="pt-BR" sz="1400" dirty="0">
+                <a:latin typeface="Arial" panose="020B0604020202020204" pitchFamily="34" charset="0"/>
+                <a:cs typeface="Arial" panose="020B0604020202020204" pitchFamily="34" charset="0"/>
+              </a:rPr>
+              <a:t> do jogador.</a:t>
+            </a:r>
+          </a:p>
+          <a:p>
+            <a:pPr algn="ctr"/>
+            <a:endParaRPr lang="pt-BR" dirty="0"/>
+          </a:p>
+        </p:txBody>
+      </p:sp>
+      <p:sp>
+        <p:nvSpPr>
+          <p:cNvPr id="12" name="CaixaDeTexto 11">
+            <a:extLst>
+              <a:ext uri="{FF2B5EF4-FFF2-40B4-BE49-F238E27FC236}">
+                <a16:creationId xmlns:a16="http://schemas.microsoft.com/office/drawing/2014/main" id="{AED1A139-5243-39F5-BA5C-B1AE425EDBB8}"/>
+              </a:ext>
+            </a:extLst>
+          </p:cNvPr>
+          <p:cNvSpPr txBox="1"/>
+          <p:nvPr/>
+        </p:nvSpPr>
+        <p:spPr>
+          <a:xfrm>
+            <a:off x="2033816" y="3143916"/>
+            <a:ext cx="4782214" cy="584775"/>
+          </a:xfrm>
+          <a:prstGeom prst="rect">
+            <a:avLst/>
+          </a:prstGeom>
+          <a:noFill/>
+        </p:spPr>
+        <p:txBody>
+          <a:bodyPr wrap="square" rtlCol="0" anchor="ctr">
+            <a:spAutoFit/>
+          </a:bodyPr>
+          <a:lstStyle/>
+          <a:p>
+            <a:pPr algn="just"/>
+            <a:r>
+              <a:rPr lang="pt-BR" sz="1400" dirty="0" err="1">
+                <a:latin typeface="Arial" panose="020B0604020202020204" pitchFamily="34" charset="0"/>
+                <a:cs typeface="Arial" panose="020B0604020202020204" pitchFamily="34" charset="0"/>
+              </a:rPr>
+              <a:t>pygame.draw.rect</a:t>
+            </a:r>
+            <a:r>
+              <a:rPr lang="pt-BR" sz="1400" dirty="0">
+                <a:latin typeface="Arial" panose="020B0604020202020204" pitchFamily="34" charset="0"/>
+                <a:cs typeface="Arial" panose="020B0604020202020204" pitchFamily="34" charset="0"/>
+              </a:rPr>
+              <a:t>(onde?,  cor?, (x?, y?, altura?, largura?))</a:t>
+            </a:r>
+          </a:p>
+          <a:p>
+            <a:pPr algn="ctr"/>
+            <a:endParaRPr lang="pt-BR" dirty="0"/>
+          </a:p>
+        </p:txBody>
+      </p:sp>
+    </p:spTree>
+    <p:extLst>
+      <p:ext uri="{BB962C8B-B14F-4D97-AF65-F5344CB8AC3E}">
+        <p14:creationId xmlns:p14="http://schemas.microsoft.com/office/powerpoint/2010/main" val="2523144930"/>
+      </p:ext>
+    </p:extLst>
+  </p:cSld>
+  <p:clrMapOvr>
+    <a:masterClrMapping/>
+  </p:clrMapOvr>
+</p:sld>
+</file>
+
+<file path=ppt/slides/slide8.xml><?xml version="1.0" encoding="utf-8"?>
 <p:sld xmlns:a="http://schemas.openxmlformats.org/drawingml/2006/main" xmlns:r="http://schemas.openxmlformats.org/officeDocument/2006/relationships" xmlns:p="http://schemas.openxmlformats.org/presentationml/2006/main">
   <p:cSld>
     <p:spTree>
